--- a/毕业答辩-张露元.pptx
+++ b/毕业答辩-张露元.pptx
@@ -15,11 +15,11 @@
     <p:sldId id="344" r:id="rId6"/>
     <p:sldId id="347" r:id="rId7"/>
     <p:sldId id="349" r:id="rId8"/>
-    <p:sldId id="348" r:id="rId9"/>
-    <p:sldId id="259" r:id="rId10"/>
-    <p:sldId id="350" r:id="rId11"/>
-    <p:sldId id="338" r:id="rId12"/>
-    <p:sldId id="356" r:id="rId13"/>
+    <p:sldId id="357" r:id="rId9"/>
+    <p:sldId id="348" r:id="rId10"/>
+    <p:sldId id="358" r:id="rId11"/>
+    <p:sldId id="259" r:id="rId12"/>
+    <p:sldId id="350" r:id="rId13"/>
     <p:sldId id="355" r:id="rId14"/>
     <p:sldId id="352" r:id="rId15"/>
     <p:sldId id="351" r:id="rId16"/>
@@ -281,7 +281,7 @@
           <a:p>
             <a:fld id="{5306A5BD-8BA7-4900-AB15-0D3ECCC954E6}" type="datetimeFigureOut">
               <a:rPr lang="zh-CN" altLang="en-US" smtClean="0"/>
-              <a:t>2024/4/1</a:t>
+              <a:t>2024/4/8</a:t>
             </a:fld>
             <a:endParaRPr lang="zh-CN" altLang="en-US"/>
           </a:p>
@@ -679,11 +679,15 @@
           <a:bodyPr/>
           <a:lstStyle/>
           <a:p>
-            <a:pPr indent="304800" algn="just">
-              <a:lnSpc>
-                <a:spcPts val="2000"/>
-              </a:lnSpc>
-            </a:pPr>
+            <a:r>
+              <a:rPr lang="zh-CN" altLang="zh-CN" sz="1800" dirty="0">
+                <a:effectLst/>
+                <a:latin typeface="Times New Roman" panose="02020603050405020304" pitchFamily="18" charset="0"/>
+                <a:ea typeface="宋体" panose="02010600030101010101" pitchFamily="2" charset="-122"/>
+                <a:cs typeface="Times New Roman" panose="02020603050405020304" pitchFamily="18" charset="0"/>
+              </a:rPr>
+              <a:t>异步执行输出，异步状态输出，异步通知输出，控制台流输出，目标流输出，日志流输出</a:t>
+            </a:r>
             <a:endParaRPr lang="zh-CN" altLang="en-US" dirty="0"/>
           </a:p>
         </p:txBody>
@@ -714,7 +718,7 @@
     </p:spTree>
     <p:extLst>
       <p:ext uri="{BB962C8B-B14F-4D97-AF65-F5344CB8AC3E}">
-        <p14:creationId xmlns:p14="http://schemas.microsoft.com/office/powerpoint/2010/main" val="963285615"/>
+        <p14:creationId xmlns:p14="http://schemas.microsoft.com/office/powerpoint/2010/main" val="430598248"/>
       </p:ext>
     </p:extLst>
   </p:cSld>
@@ -768,7 +772,7 @@
           <a:bodyPr/>
           <a:lstStyle/>
           <a:p>
-            <a:endParaRPr lang="zh-CN" altLang="en-US" dirty="0"/>
+            <a:endParaRPr lang="zh-CN" altLang="en-US"/>
           </a:p>
         </p:txBody>
       </p:sp>
@@ -798,7 +802,7 @@
     </p:spTree>
     <p:extLst>
       <p:ext uri="{BB962C8B-B14F-4D97-AF65-F5344CB8AC3E}">
-        <p14:creationId xmlns:p14="http://schemas.microsoft.com/office/powerpoint/2010/main" val="2301792134"/>
+        <p14:creationId xmlns:p14="http://schemas.microsoft.com/office/powerpoint/2010/main" val="4269943504"/>
       </p:ext>
     </p:extLst>
   </p:cSld>
@@ -852,6 +856,11 @@
           <a:bodyPr/>
           <a:lstStyle/>
           <a:p>
+            <a:pPr indent="304800" algn="just">
+              <a:lnSpc>
+                <a:spcPts val="2000"/>
+              </a:lnSpc>
+            </a:pPr>
             <a:endParaRPr lang="zh-CN" altLang="en-US" dirty="0"/>
           </a:p>
         </p:txBody>
@@ -882,7 +891,7 @@
     </p:spTree>
     <p:extLst>
       <p:ext uri="{BB962C8B-B14F-4D97-AF65-F5344CB8AC3E}">
-        <p14:creationId xmlns:p14="http://schemas.microsoft.com/office/powerpoint/2010/main" val="1899318299"/>
+        <p14:creationId xmlns:p14="http://schemas.microsoft.com/office/powerpoint/2010/main" val="963285615"/>
       </p:ext>
     </p:extLst>
   </p:cSld>
@@ -1870,54 +1879,6 @@
           <a:bodyPr/>
           <a:lstStyle/>
           <a:p>
-            <a:pPr marL="0" marR="0" lvl="0" indent="0" algn="l" defTabSz="914400" rtl="0" eaLnBrk="1" fontAlgn="auto" latinLnBrk="0" hangingPunct="1">
-              <a:lnSpc>
-                <a:spcPct val="100000"/>
-              </a:lnSpc>
-              <a:spcBef>
-                <a:spcPts val="0"/>
-              </a:spcBef>
-              <a:spcAft>
-                <a:spcPts val="0"/>
-              </a:spcAft>
-              <a:buClrTx/>
-              <a:buSzTx/>
-              <a:buFontTx/>
-              <a:buNone/>
-              <a:tabLst/>
-              <a:defRPr/>
-            </a:pPr>
-            <a:r>
-              <a:rPr kumimoji="0" lang="zh-CN" altLang="en-US" sz="1200" b="0" i="0" u="none" strike="noStrike" cap="none" normalizeH="0" baseline="0" dirty="0">
-                <a:ln>
-                  <a:noFill/>
-                </a:ln>
-                <a:solidFill>
-                  <a:schemeClr val="tx1"/>
-                </a:solidFill>
-                <a:effectLst/>
-                <a:latin typeface="+mn-ea"/>
-                <a:ea typeface="+mn-ea"/>
-                <a:cs typeface="Times New Roman" panose="02020603050405020304" pitchFamily="18" charset="0"/>
-              </a:rPr>
-              <a:t>可视化与可视分析已成为数据分析和科学决策的重要方法和有效手段，也开始应用于教育数据的分析和探索，特别是对大学排名、学生成绩和就业去向数据的分析。</a:t>
-            </a:r>
-            <a:r>
-              <a:rPr kumimoji="0" lang="zh-CN" altLang="en-US" sz="1200" b="0" i="0" u="none" strike="noStrike" cap="none" normalizeH="0" baseline="0" dirty="0">
-                <a:ln>
-                  <a:noFill/>
-                </a:ln>
-                <a:solidFill>
-                  <a:schemeClr val="tx1"/>
-                </a:solidFill>
-                <a:effectLst/>
-                <a:latin typeface="+mn-ea"/>
-                <a:ea typeface="+mn-ea"/>
-              </a:rPr>
-              <a:t> </a:t>
-            </a:r>
-          </a:p>
-          <a:p>
             <a:endParaRPr lang="zh-CN" altLang="en-US" dirty="0"/>
           </a:p>
         </p:txBody>
@@ -2264,6 +2225,11 @@
           <a:bodyPr/>
           <a:lstStyle/>
           <a:p>
+            <a:pPr indent="304800" algn="just">
+              <a:lnSpc>
+                <a:spcPts val="2000"/>
+              </a:lnSpc>
+            </a:pPr>
             <a:endParaRPr lang="zh-CN" altLang="en-US" dirty="0"/>
           </a:p>
         </p:txBody>
@@ -2294,7 +2260,7 @@
     </p:spTree>
     <p:extLst>
       <p:ext uri="{BB962C8B-B14F-4D97-AF65-F5344CB8AC3E}">
-        <p14:creationId xmlns:p14="http://schemas.microsoft.com/office/powerpoint/2010/main" val="1189931267"/>
+        <p14:creationId xmlns:p14="http://schemas.microsoft.com/office/powerpoint/2010/main" val="3603028924"/>
       </p:ext>
     </p:extLst>
   </p:cSld>
@@ -2348,7 +2314,7 @@
           <a:bodyPr/>
           <a:lstStyle/>
           <a:p>
-            <a:endParaRPr lang="zh-CN" altLang="en-US"/>
+            <a:endParaRPr lang="zh-CN" altLang="en-US" dirty="0"/>
           </a:p>
         </p:txBody>
       </p:sp>
@@ -2378,7 +2344,7 @@
     </p:spTree>
     <p:extLst>
       <p:ext uri="{BB962C8B-B14F-4D97-AF65-F5344CB8AC3E}">
-        <p14:creationId xmlns:p14="http://schemas.microsoft.com/office/powerpoint/2010/main" val="4269943504"/>
+        <p14:creationId xmlns:p14="http://schemas.microsoft.com/office/powerpoint/2010/main" val="1189931267"/>
       </p:ext>
     </p:extLst>
   </p:cSld>
@@ -2524,7 +2490,7 @@
             </a:pPr>
             <a:fld id="{C962F76A-C1AA-4EC0-BFE4-456E154108CF}" type="datetime1">
               <a:rPr lang="zh-CN" altLang="en-US" smtClean="0"/>
-              <a:t>2024/4/1</a:t>
+              <a:t>2024/4/8</a:t>
             </a:fld>
             <a:endParaRPr lang="zh-CN" altLang="en-US"/>
           </a:p>
@@ -2711,7 +2677,7 @@
             </a:pPr>
             <a:fld id="{385FA291-CE43-4010-B423-AD5700F8B4DB}" type="datetime1">
               <a:rPr lang="zh-CN" altLang="en-US" smtClean="0"/>
-              <a:t>2024/4/1</a:t>
+              <a:t>2024/4/8</a:t>
             </a:fld>
             <a:endParaRPr lang="zh-CN" altLang="en-US"/>
           </a:p>
@@ -2908,7 +2874,7 @@
             </a:pPr>
             <a:fld id="{A26ED048-0A89-43B0-8527-5F4834558635}" type="datetime1">
               <a:rPr lang="zh-CN" altLang="en-US" smtClean="0"/>
-              <a:t>2024/4/1</a:t>
+              <a:t>2024/4/8</a:t>
             </a:fld>
             <a:endParaRPr lang="zh-CN" altLang="en-US"/>
           </a:p>
@@ -3095,7 +3061,7 @@
             </a:pPr>
             <a:fld id="{5E8EC3A9-B632-4780-B656-F89F75024DDA}" type="datetime1">
               <a:rPr lang="zh-CN" altLang="en-US" smtClean="0"/>
-              <a:t>2024/4/1</a:t>
+              <a:t>2024/4/8</a:t>
             </a:fld>
             <a:endParaRPr lang="zh-CN" altLang="en-US"/>
           </a:p>
@@ -3359,7 +3325,7 @@
             </a:pPr>
             <a:fld id="{E2D7094F-99ED-4D5A-82F5-CD8D0D85B1EC}" type="datetime1">
               <a:rPr lang="zh-CN" altLang="en-US" smtClean="0"/>
-              <a:t>2024/4/1</a:t>
+              <a:t>2024/4/8</a:t>
             </a:fld>
             <a:endParaRPr lang="zh-CN" altLang="en-US"/>
           </a:p>
@@ -3607,7 +3573,7 @@
             </a:pPr>
             <a:fld id="{81EEBFBA-F496-4974-9FCB-519E6BC5DF11}" type="datetime1">
               <a:rPr lang="zh-CN" altLang="en-US" smtClean="0"/>
-              <a:t>2024/4/1</a:t>
+              <a:t>2024/4/8</a:t>
             </a:fld>
             <a:endParaRPr lang="zh-CN" altLang="en-US"/>
           </a:p>
@@ -3990,7 +3956,7 @@
             </a:pPr>
             <a:fld id="{A23CBADE-B2C4-4CCC-A239-2696C3776400}" type="datetime1">
               <a:rPr lang="zh-CN" altLang="en-US" smtClean="0"/>
-              <a:t>2024/4/1</a:t>
+              <a:t>2024/4/8</a:t>
             </a:fld>
             <a:endParaRPr lang="zh-CN" altLang="en-US"/>
           </a:p>
@@ -4126,7 +4092,7 @@
             </a:pPr>
             <a:fld id="{F383D382-3A7B-49B1-9E79-D401A437791A}" type="datetime1">
               <a:rPr lang="zh-CN" altLang="en-US" smtClean="0"/>
-              <a:t>2024/4/1</a:t>
+              <a:t>2024/4/8</a:t>
             </a:fld>
             <a:endParaRPr lang="zh-CN" altLang="en-US"/>
           </a:p>
@@ -4240,7 +4206,7 @@
             </a:pPr>
             <a:fld id="{D7526570-4848-4B6A-8136-B01806F85BC6}" type="datetime1">
               <a:rPr lang="zh-CN" altLang="en-US" smtClean="0"/>
-              <a:t>2024/4/1</a:t>
+              <a:t>2024/4/8</a:t>
             </a:fld>
             <a:endParaRPr lang="zh-CN" altLang="en-US"/>
           </a:p>
@@ -4543,7 +4509,7 @@
             </a:pPr>
             <a:fld id="{A82E36E3-9708-42ED-8CAF-709AA8F4F038}" type="datetime1">
               <a:rPr lang="zh-CN" altLang="en-US" smtClean="0"/>
-              <a:t>2024/4/1</a:t>
+              <a:t>2024/4/8</a:t>
             </a:fld>
             <a:endParaRPr lang="zh-CN" altLang="en-US"/>
           </a:p>
@@ -4817,7 +4783,7 @@
             </a:pPr>
             <a:fld id="{24BE80AF-D58C-4FD2-8112-D66506F9BDDF}" type="datetime1">
               <a:rPr lang="zh-CN" altLang="en-US" smtClean="0"/>
-              <a:t>2024/4/1</a:t>
+              <a:t>2024/4/8</a:t>
             </a:fld>
             <a:endParaRPr lang="zh-CN" altLang="en-US"/>
           </a:p>
@@ -5105,7 +5071,7 @@
             </a:pPr>
             <a:fld id="{B31D3B5E-CA64-4384-BB01-32B0BBD0EB62}" type="datetime1">
               <a:rPr lang="zh-CN" altLang="en-US" smtClean="0"/>
-              <a:t>2024/4/1</a:t>
+              <a:t>2024/4/8</a:t>
             </a:fld>
             <a:endParaRPr lang="zh-CN" altLang="en-US"/>
           </a:p>
@@ -7845,7 +7811,7 @@
                   </a:solidFill>
                   <a:latin typeface="Impact" pitchFamily="34" charset="0"/>
                 </a:rPr>
-                <a:t>03</a:t>
+                <a:t>02</a:t>
               </a:r>
               <a:endParaRPr lang="zh-CN" altLang="en-US" sz="3200" dirty="0">
                 <a:solidFill>
@@ -7965,12 +7931,42 @@
           </a:p>
         </p:txBody>
       </p:sp>
-      <p:sp>
-        <p:nvSpPr>
-          <p:cNvPr id="13" name="文本框 12">
+      <p:pic>
+        <p:nvPicPr>
+          <p:cNvPr id="13" name="图片 12">
             <a:extLst>
               <a:ext uri="{FF2B5EF4-FFF2-40B4-BE49-F238E27FC236}">
-                <a16:creationId xmlns:a16="http://schemas.microsoft.com/office/drawing/2014/main" id="{5BA01ECD-8485-4A35-ABFE-C47C13CE7CAC}"/>
+                <a16:creationId xmlns:a16="http://schemas.microsoft.com/office/drawing/2014/main" id="{6934B0EE-F07C-44D0-A16A-8F39973F0E70}"/>
+              </a:ext>
+            </a:extLst>
+          </p:cNvPr>
+          <p:cNvPicPr>
+            <a:picLocks noChangeAspect="1"/>
+          </p:cNvPicPr>
+          <p:nvPr/>
+        </p:nvPicPr>
+        <p:blipFill>
+          <a:blip r:embed="rId3"/>
+          <a:stretch>
+            <a:fillRect/>
+          </a:stretch>
+        </p:blipFill>
+        <p:spPr>
+          <a:xfrm>
+            <a:off x="4427907" y="2476085"/>
+            <a:ext cx="7604844" cy="3696360"/>
+          </a:xfrm>
+          <a:prstGeom prst="rect">
+            <a:avLst/>
+          </a:prstGeom>
+        </p:spPr>
+      </p:pic>
+      <p:sp>
+        <p:nvSpPr>
+          <p:cNvPr id="14" name="文本框 13">
+            <a:extLst>
+              <a:ext uri="{FF2B5EF4-FFF2-40B4-BE49-F238E27FC236}">
+                <a16:creationId xmlns:a16="http://schemas.microsoft.com/office/drawing/2014/main" id="{127B6C26-7E23-4BBF-B08D-B51EE759B653}"/>
               </a:ext>
             </a:extLst>
           </p:cNvPr>
@@ -7979,8 +7975,8 @@
         </p:nvSpPr>
         <p:spPr>
           <a:xfrm>
-            <a:off x="895973" y="856535"/>
-            <a:ext cx="9774576" cy="1138773"/>
+            <a:off x="304800" y="2292272"/>
+            <a:ext cx="4238306" cy="2782621"/>
           </a:xfrm>
           <a:prstGeom prst="rect">
             <a:avLst/>
@@ -7993,308 +7989,7 @@
           </a:bodyPr>
           <a:lstStyle/>
           <a:p>
-            <a:pPr marL="342900" indent="-342900">
-              <a:buFont typeface="Arial" panose="020B0604020202020204" pitchFamily="34" charset="0"/>
-              <a:buChar char="•"/>
-            </a:pPr>
-            <a:r>
-              <a:rPr lang="zh-CN" altLang="en-US" sz="1600" dirty="0">
-                <a:latin typeface="微软雅黑" panose="020B0503020204020204" pitchFamily="34" charset="-122"/>
-                <a:ea typeface="微软雅黑" panose="020B0503020204020204" pitchFamily="34" charset="-122"/>
-              </a:rPr>
-              <a:t>为了获取到更多的调试信息，并对被调试操作系统中的内核进程和用户进程有更加完善监测；</a:t>
-            </a:r>
-            <a:endParaRPr lang="en-US" altLang="zh-CN" sz="1600" dirty="0">
-              <a:latin typeface="微软雅黑" panose="020B0503020204020204" pitchFamily="34" charset="-122"/>
-              <a:ea typeface="微软雅黑" panose="020B0503020204020204" pitchFamily="34" charset="-122"/>
-            </a:endParaRPr>
-          </a:p>
-          <a:p>
-            <a:pPr marL="342900" indent="-342900">
-              <a:buFont typeface="Arial" panose="020B0604020202020204" pitchFamily="34" charset="0"/>
-              <a:buChar char="•"/>
-            </a:pPr>
-            <a:endParaRPr lang="en-US" altLang="zh-CN" sz="1600" dirty="0">
-              <a:latin typeface="微软雅黑" panose="020B0503020204020204" pitchFamily="34" charset="-122"/>
-              <a:ea typeface="微软雅黑" panose="020B0503020204020204" pitchFamily="34" charset="-122"/>
-            </a:endParaRPr>
-          </a:p>
-          <a:p>
-            <a:pPr marL="342900" indent="-342900">
-              <a:buFont typeface="Arial" panose="020B0604020202020204" pitchFamily="34" charset="0"/>
-              <a:buChar char="•"/>
-            </a:pPr>
-            <a:r>
-              <a:rPr lang="zh-CN" altLang="en-US" sz="1800" b="1" dirty="0">
-                <a:latin typeface="微软雅黑" panose="020B0503020204020204" pitchFamily="34" charset="-122"/>
-                <a:ea typeface="微软雅黑" panose="020B0503020204020204" pitchFamily="34" charset="-122"/>
-              </a:rPr>
-              <a:t>我们实现了</a:t>
-            </a:r>
-            <a:r>
-              <a:rPr lang="zh-CN" altLang="en-US" sz="1800" b="1" dirty="0">
-                <a:solidFill>
-                  <a:srgbClr val="FF0000"/>
-                </a:solidFill>
-                <a:latin typeface="微软雅黑" panose="020B0503020204020204" pitchFamily="34" charset="-122"/>
-                <a:ea typeface="微软雅黑" panose="020B0503020204020204" pitchFamily="34" charset="-122"/>
-              </a:rPr>
-              <a:t>一种静态断点调试和动态跟踪结合的方法</a:t>
-            </a:r>
-            <a:r>
-              <a:rPr lang="zh-CN" altLang="en-US" sz="1800" b="1" dirty="0">
-                <a:latin typeface="微软雅黑" panose="020B0503020204020204" pitchFamily="34" charset="-122"/>
-                <a:ea typeface="微软雅黑" panose="020B0503020204020204" pitchFamily="34" charset="-122"/>
-              </a:rPr>
-              <a:t>，将</a:t>
-            </a:r>
-            <a:r>
-              <a:rPr lang="en-US" altLang="zh-CN" sz="1800" b="1" dirty="0">
-                <a:solidFill>
-                  <a:schemeClr val="accent1"/>
-                </a:solidFill>
-                <a:latin typeface="微软雅黑" panose="020B0503020204020204" pitchFamily="34" charset="-122"/>
-                <a:ea typeface="微软雅黑" panose="020B0503020204020204" pitchFamily="34" charset="-122"/>
-              </a:rPr>
-              <a:t>GDB</a:t>
-            </a:r>
-            <a:r>
-              <a:rPr lang="zh-CN" altLang="en-US" sz="1800" b="1" dirty="0">
-                <a:solidFill>
-                  <a:schemeClr val="accent1"/>
-                </a:solidFill>
-                <a:latin typeface="微软雅黑" panose="020B0503020204020204" pitchFamily="34" charset="-122"/>
-                <a:ea typeface="微软雅黑" panose="020B0503020204020204" pitchFamily="34" charset="-122"/>
-              </a:rPr>
-              <a:t>的静态断点调试</a:t>
-            </a:r>
-            <a:r>
-              <a:rPr lang="zh-CN" altLang="en-US" sz="1800" b="1" dirty="0">
-                <a:latin typeface="微软雅黑" panose="020B0503020204020204" pitchFamily="34" charset="-122"/>
-                <a:ea typeface="微软雅黑" panose="020B0503020204020204" pitchFamily="34" charset="-122"/>
-              </a:rPr>
-              <a:t>和</a:t>
-            </a:r>
-            <a:r>
-              <a:rPr lang="zh-CN" altLang="en-US" sz="1800" b="1" dirty="0">
-                <a:solidFill>
-                  <a:schemeClr val="accent1"/>
-                </a:solidFill>
-                <a:latin typeface="微软雅黑" panose="020B0503020204020204" pitchFamily="34" charset="-122"/>
-                <a:ea typeface="微软雅黑" panose="020B0503020204020204" pitchFamily="34" charset="-122"/>
-              </a:rPr>
-              <a:t>基于</a:t>
-            </a:r>
-            <a:r>
-              <a:rPr lang="en-US" altLang="zh-CN" sz="1800" b="1" dirty="0" err="1">
-                <a:solidFill>
-                  <a:schemeClr val="accent1"/>
-                </a:solidFill>
-                <a:latin typeface="微软雅黑" panose="020B0503020204020204" pitchFamily="34" charset="-122"/>
-                <a:ea typeface="微软雅黑" panose="020B0503020204020204" pitchFamily="34" charset="-122"/>
-              </a:rPr>
-              <a:t>eBPF</a:t>
-            </a:r>
-            <a:r>
-              <a:rPr lang="zh-CN" altLang="en-US" sz="1800" b="1" dirty="0">
-                <a:solidFill>
-                  <a:schemeClr val="accent1"/>
-                </a:solidFill>
-                <a:latin typeface="微软雅黑" panose="020B0503020204020204" pitchFamily="34" charset="-122"/>
-                <a:ea typeface="微软雅黑" panose="020B0503020204020204" pitchFamily="34" charset="-122"/>
-              </a:rPr>
-              <a:t>和</a:t>
-            </a:r>
-            <a:r>
-              <a:rPr lang="en-US" altLang="zh-CN" sz="1800" b="1" dirty="0" err="1">
-                <a:solidFill>
-                  <a:schemeClr val="accent1"/>
-                </a:solidFill>
-                <a:latin typeface="微软雅黑" panose="020B0503020204020204" pitchFamily="34" charset="-122"/>
-                <a:ea typeface="微软雅黑" panose="020B0503020204020204" pitchFamily="34" charset="-122"/>
-              </a:rPr>
-              <a:t>kprobe</a:t>
-            </a:r>
-            <a:r>
-              <a:rPr lang="zh-CN" altLang="en-US" sz="1800" b="1" dirty="0">
-                <a:solidFill>
-                  <a:schemeClr val="accent1"/>
-                </a:solidFill>
-                <a:latin typeface="微软雅黑" panose="020B0503020204020204" pitchFamily="34" charset="-122"/>
-                <a:ea typeface="微软雅黑" panose="020B0503020204020204" pitchFamily="34" charset="-122"/>
-              </a:rPr>
-              <a:t>的动态跟踪调试</a:t>
-            </a:r>
-            <a:r>
-              <a:rPr lang="zh-CN" altLang="en-US" sz="1800" b="1" dirty="0">
-                <a:latin typeface="微软雅黑" panose="020B0503020204020204" pitchFamily="34" charset="-122"/>
-                <a:ea typeface="微软雅黑" panose="020B0503020204020204" pitchFamily="34" charset="-122"/>
-              </a:rPr>
-              <a:t>结合到了一起。</a:t>
-            </a:r>
-          </a:p>
-        </p:txBody>
-      </p:sp>
-      <p:sp>
-        <p:nvSpPr>
-          <p:cNvPr id="14" name="矩形 13">
-            <a:extLst>
-              <a:ext uri="{FF2B5EF4-FFF2-40B4-BE49-F238E27FC236}">
-                <a16:creationId xmlns:a16="http://schemas.microsoft.com/office/drawing/2014/main" id="{82B34A65-3277-4BF3-9613-ED8CBAAC2A0A}"/>
-              </a:ext>
-            </a:extLst>
-          </p:cNvPr>
-          <p:cNvSpPr/>
-          <p:nvPr/>
-        </p:nvSpPr>
-        <p:spPr>
-          <a:xfrm>
-            <a:off x="864687" y="2594962"/>
-            <a:ext cx="10093977" cy="2523704"/>
-          </a:xfrm>
-          <a:prstGeom prst="rect">
-            <a:avLst/>
-          </a:prstGeom>
-          <a:ln w="19050">
-            <a:solidFill>
-              <a:schemeClr val="bg1">
-                <a:lumMod val="50000"/>
-              </a:schemeClr>
-            </a:solidFill>
-            <a:prstDash val="dash"/>
-          </a:ln>
-        </p:spPr>
-        <p:txBody>
-          <a:bodyPr wrap="square">
-            <a:spAutoFit/>
-          </a:bodyPr>
-          <a:lstStyle>
-            <a:defPPr>
-              <a:defRPr lang="en-US"/>
-            </a:defPPr>
-            <a:lvl1pPr algn="l" rtl="0" eaLnBrk="0" fontAlgn="base" hangingPunct="0">
-              <a:spcBef>
-                <a:spcPct val="0"/>
-              </a:spcBef>
-              <a:spcAft>
-                <a:spcPct val="0"/>
-              </a:spcAft>
-              <a:defRPr sz="2400" b="1" kern="1200">
-                <a:solidFill>
-                  <a:schemeClr val="tx2"/>
-                </a:solidFill>
-                <a:latin typeface="FuturaA Md BT" charset="0"/>
-                <a:ea typeface="华文中宋" panose="02010600040101010101" pitchFamily="2" charset="-122"/>
-                <a:cs typeface="+mn-cs"/>
-              </a:defRPr>
-            </a:lvl1pPr>
-            <a:lvl2pPr marL="457200" algn="l" rtl="0" eaLnBrk="0" fontAlgn="base" hangingPunct="0">
-              <a:spcBef>
-                <a:spcPct val="0"/>
-              </a:spcBef>
-              <a:spcAft>
-                <a:spcPct val="0"/>
-              </a:spcAft>
-              <a:defRPr sz="2400" b="1" kern="1200">
-                <a:solidFill>
-                  <a:schemeClr val="tx2"/>
-                </a:solidFill>
-                <a:latin typeface="FuturaA Md BT" charset="0"/>
-                <a:ea typeface="华文中宋" panose="02010600040101010101" pitchFamily="2" charset="-122"/>
-                <a:cs typeface="+mn-cs"/>
-              </a:defRPr>
-            </a:lvl2pPr>
-            <a:lvl3pPr marL="914400" algn="l" rtl="0" eaLnBrk="0" fontAlgn="base" hangingPunct="0">
-              <a:spcBef>
-                <a:spcPct val="0"/>
-              </a:spcBef>
-              <a:spcAft>
-                <a:spcPct val="0"/>
-              </a:spcAft>
-              <a:defRPr sz="2400" b="1" kern="1200">
-                <a:solidFill>
-                  <a:schemeClr val="tx2"/>
-                </a:solidFill>
-                <a:latin typeface="FuturaA Md BT" charset="0"/>
-                <a:ea typeface="华文中宋" panose="02010600040101010101" pitchFamily="2" charset="-122"/>
-                <a:cs typeface="+mn-cs"/>
-              </a:defRPr>
-            </a:lvl3pPr>
-            <a:lvl4pPr marL="1371600" algn="l" rtl="0" eaLnBrk="0" fontAlgn="base" hangingPunct="0">
-              <a:spcBef>
-                <a:spcPct val="0"/>
-              </a:spcBef>
-              <a:spcAft>
-                <a:spcPct val="0"/>
-              </a:spcAft>
-              <a:defRPr sz="2400" b="1" kern="1200">
-                <a:solidFill>
-                  <a:schemeClr val="tx2"/>
-                </a:solidFill>
-                <a:latin typeface="FuturaA Md BT" charset="0"/>
-                <a:ea typeface="华文中宋" panose="02010600040101010101" pitchFamily="2" charset="-122"/>
-                <a:cs typeface="+mn-cs"/>
-              </a:defRPr>
-            </a:lvl4pPr>
-            <a:lvl5pPr marL="1828800" algn="l" rtl="0" eaLnBrk="0" fontAlgn="base" hangingPunct="0">
-              <a:spcBef>
-                <a:spcPct val="0"/>
-              </a:spcBef>
-              <a:spcAft>
-                <a:spcPct val="0"/>
-              </a:spcAft>
-              <a:defRPr sz="2400" b="1" kern="1200">
-                <a:solidFill>
-                  <a:schemeClr val="tx2"/>
-                </a:solidFill>
-                <a:latin typeface="FuturaA Md BT" charset="0"/>
-                <a:ea typeface="华文中宋" panose="02010600040101010101" pitchFamily="2" charset="-122"/>
-                <a:cs typeface="+mn-cs"/>
-              </a:defRPr>
-            </a:lvl5pPr>
-            <a:lvl6pPr marL="2286000" algn="l" defTabSz="914400" rtl="0" eaLnBrk="1" latinLnBrk="0" hangingPunct="1">
-              <a:defRPr sz="2400" b="1" kern="1200">
-                <a:solidFill>
-                  <a:schemeClr val="tx2"/>
-                </a:solidFill>
-                <a:latin typeface="FuturaA Md BT" charset="0"/>
-                <a:ea typeface="华文中宋" panose="02010600040101010101" pitchFamily="2" charset="-122"/>
-                <a:cs typeface="+mn-cs"/>
-              </a:defRPr>
-            </a:lvl6pPr>
-            <a:lvl7pPr marL="2743200" algn="l" defTabSz="914400" rtl="0" eaLnBrk="1" latinLnBrk="0" hangingPunct="1">
-              <a:defRPr sz="2400" b="1" kern="1200">
-                <a:solidFill>
-                  <a:schemeClr val="tx2"/>
-                </a:solidFill>
-                <a:latin typeface="FuturaA Md BT" charset="0"/>
-                <a:ea typeface="华文中宋" panose="02010600040101010101" pitchFamily="2" charset="-122"/>
-                <a:cs typeface="+mn-cs"/>
-              </a:defRPr>
-            </a:lvl7pPr>
-            <a:lvl8pPr marL="3200400" algn="l" defTabSz="914400" rtl="0" eaLnBrk="1" latinLnBrk="0" hangingPunct="1">
-              <a:defRPr sz="2400" b="1" kern="1200">
-                <a:solidFill>
-                  <a:schemeClr val="tx2"/>
-                </a:solidFill>
-                <a:latin typeface="FuturaA Md BT" charset="0"/>
-                <a:ea typeface="华文中宋" panose="02010600040101010101" pitchFamily="2" charset="-122"/>
-                <a:cs typeface="+mn-cs"/>
-              </a:defRPr>
-            </a:lvl8pPr>
-            <a:lvl9pPr marL="3657600" algn="l" defTabSz="914400" rtl="0" eaLnBrk="1" latinLnBrk="0" hangingPunct="1">
-              <a:defRPr sz="2400" b="1" kern="1200">
-                <a:solidFill>
-                  <a:schemeClr val="tx2"/>
-                </a:solidFill>
-                <a:latin typeface="FuturaA Md BT" charset="0"/>
-                <a:ea typeface="华文中宋" panose="02010600040101010101" pitchFamily="2" charset="-122"/>
-                <a:cs typeface="+mn-cs"/>
-              </a:defRPr>
-            </a:lvl9pPr>
-          </a:lstStyle>
-          <a:p>
-            <a:pPr marL="285750" marR="0" lvl="0" indent="-285750" eaLnBrk="1" fontAlgn="auto" hangingPunct="1">
+            <a:pPr marL="360000">
               <a:lnSpc>
                 <a:spcPct val="150000"/>
               </a:lnSpc>
@@ -8304,427 +7999,249 @@
               <a:spcAft>
                 <a:spcPts val="600"/>
               </a:spcAft>
-              <a:buClrTx/>
-              <a:buSzTx/>
-              <a:buFont typeface="Wingdings" panose="05000000000000000000" pitchFamily="2" charset="2"/>
-              <a:buChar char="ü"/>
-              <a:defRPr/>
             </a:pPr>
             <a:r>
-              <a:rPr lang="en-US" altLang="zh-CN" sz="2000" dirty="0" err="1">
-                <a:solidFill>
-                  <a:schemeClr val="accent1">
-                    <a:lumMod val="75000"/>
-                  </a:schemeClr>
+              <a:rPr lang="zh-CN" altLang="en-US" sz="2000" b="1" dirty="0">
+                <a:solidFill>
+                  <a:srgbClr val="FF0000"/>
                 </a:solidFill>
                 <a:latin typeface="微软雅黑" panose="020B0503020204020204" pitchFamily="34" charset="-122"/>
                 <a:ea typeface="微软雅黑" panose="020B0503020204020204" pitchFamily="34" charset="-122"/>
-                <a:cs typeface="Times New Roman" panose="02020603050405020304" pitchFamily="18" charset="0"/>
-              </a:rPr>
-              <a:t>eBPF</a:t>
-            </a:r>
-            <a:r>
-              <a:rPr lang="zh-CN" altLang="en-US" sz="2000" dirty="0">
-                <a:solidFill>
-                  <a:schemeClr val="accent1">
-                    <a:lumMod val="75000"/>
-                  </a:schemeClr>
+              </a:rPr>
+              <a:t>对</a:t>
+            </a:r>
+            <a:r>
+              <a:rPr lang="en-US" altLang="zh-CN" sz="2000" b="1" dirty="0">
+                <a:solidFill>
+                  <a:srgbClr val="FF0000"/>
                 </a:solidFill>
                 <a:latin typeface="微软雅黑" panose="020B0503020204020204" pitchFamily="34" charset="-122"/>
                 <a:ea typeface="微软雅黑" panose="020B0503020204020204" pitchFamily="34" charset="-122"/>
-                <a:cs typeface="Times New Roman" panose="02020603050405020304" pitchFamily="18" charset="0"/>
-              </a:rPr>
-              <a:t>、</a:t>
-            </a:r>
-            <a:r>
-              <a:rPr lang="en-US" altLang="zh-CN" sz="2000" dirty="0" err="1">
-                <a:solidFill>
-                  <a:schemeClr val="accent1">
-                    <a:lumMod val="75000"/>
-                  </a:schemeClr>
+              </a:rPr>
+              <a:t>GDB</a:t>
+            </a:r>
+            <a:r>
+              <a:rPr lang="zh-CN" altLang="en-US" sz="2000" b="1" dirty="0">
+                <a:solidFill>
+                  <a:srgbClr val="FF0000"/>
                 </a:solidFill>
                 <a:latin typeface="微软雅黑" panose="020B0503020204020204" pitchFamily="34" charset="-122"/>
                 <a:ea typeface="微软雅黑" panose="020B0503020204020204" pitchFamily="34" charset="-122"/>
-                <a:cs typeface="Times New Roman" panose="02020603050405020304" pitchFamily="18" charset="0"/>
-              </a:rPr>
-              <a:t>Kprobe</a:t>
-            </a:r>
-            <a:r>
-              <a:rPr lang="zh-CN" altLang="en-US" sz="2000" dirty="0">
-                <a:solidFill>
-                  <a:schemeClr val="accent1">
-                    <a:lumMod val="75000"/>
-                  </a:schemeClr>
-                </a:solidFill>
-                <a:latin typeface="微软雅黑" panose="020B0503020204020204" pitchFamily="34" charset="-122"/>
-                <a:ea typeface="微软雅黑" panose="020B0503020204020204" pitchFamily="34" charset="-122"/>
-                <a:cs typeface="Times New Roman" panose="02020603050405020304" pitchFamily="18" charset="0"/>
-              </a:rPr>
-              <a:t>移植工作：</a:t>
-            </a:r>
-            <a:endParaRPr lang="en-US" altLang="zh-CN" sz="2000" dirty="0">
+              </a:rPr>
+              <a:t>返回信息的解析和处理</a:t>
+            </a:r>
+            <a:endParaRPr lang="en-US" altLang="zh-CN" b="1" dirty="0">
               <a:solidFill>
-                <a:schemeClr val="accent1">
-                  <a:lumMod val="75000"/>
-                </a:schemeClr>
+                <a:srgbClr val="FF0000"/>
               </a:solidFill>
               <a:latin typeface="微软雅黑" panose="020B0503020204020204" pitchFamily="34" charset="-122"/>
               <a:ea typeface="微软雅黑" panose="020B0503020204020204" pitchFamily="34" charset="-122"/>
-              <a:cs typeface="Times New Roman" panose="02020603050405020304" pitchFamily="18" charset="0"/>
             </a:endParaRPr>
           </a:p>
           <a:p>
-            <a:pPr lvl="0" eaLnBrk="1" fontAlgn="auto" hangingPunct="1">
+            <a:pPr marL="702900" indent="-342900">
               <a:lnSpc>
                 <a:spcPct val="150000"/>
               </a:lnSpc>
               <a:spcBef>
-                <a:spcPts val="0"/>
+                <a:spcPts val="600"/>
               </a:spcBef>
               <a:spcAft>
-                <a:spcPts val="0"/>
-              </a:spcAft>
-              <a:defRPr/>
+                <a:spcPts val="600"/>
+              </a:spcAft>
+              <a:buFont typeface="+mj-lt"/>
+              <a:buAutoNum type="arabicPeriod"/>
             </a:pPr>
             <a:r>
-              <a:rPr lang="en-US" altLang="zh-CN" sz="1700" b="0" dirty="0">
-                <a:solidFill>
-                  <a:schemeClr val="tx1"/>
+              <a:rPr lang="zh-CN" altLang="en-US" b="1" dirty="0">
+                <a:solidFill>
+                  <a:srgbClr val="044875"/>
                 </a:solidFill>
                 <a:latin typeface="微软雅黑" panose="020B0503020204020204" pitchFamily="34" charset="-122"/>
                 <a:ea typeface="微软雅黑" panose="020B0503020204020204" pitchFamily="34" charset="-122"/>
               </a:rPr>
-              <a:t>1.   </a:t>
-            </a:r>
-            <a:r>
-              <a:rPr lang="zh-CN" altLang="en-US" sz="1700" b="0" dirty="0">
-                <a:solidFill>
-                  <a:schemeClr val="tx1"/>
-                </a:solidFill>
-                <a:latin typeface="微软雅黑" panose="020B0503020204020204" pitchFamily="34" charset="-122"/>
-                <a:ea typeface="微软雅黑" panose="020B0503020204020204" pitchFamily="34" charset="-122"/>
-              </a:rPr>
-              <a:t>将</a:t>
-            </a:r>
-            <a:r>
-              <a:rPr lang="en-US" altLang="zh-CN" sz="1700" b="0" dirty="0" err="1">
-                <a:solidFill>
-                  <a:srgbClr val="FF0000"/>
-                </a:solidFill>
-                <a:latin typeface="微软雅黑" panose="020B0503020204020204" pitchFamily="34" charset="-122"/>
-                <a:ea typeface="微软雅黑" panose="020B0503020204020204" pitchFamily="34" charset="-122"/>
-              </a:rPr>
-              <a:t>eBPF</a:t>
-            </a:r>
-            <a:r>
-              <a:rPr lang="zh-CN" altLang="en-US" sz="1700" b="0" dirty="0">
-                <a:solidFill>
-                  <a:srgbClr val="FF0000"/>
-                </a:solidFill>
-                <a:latin typeface="微软雅黑" panose="020B0503020204020204" pitchFamily="34" charset="-122"/>
-                <a:ea typeface="微软雅黑" panose="020B0503020204020204" pitchFamily="34" charset="-122"/>
-              </a:rPr>
-              <a:t>和</a:t>
-            </a:r>
-            <a:r>
-              <a:rPr lang="en-US" altLang="zh-CN" sz="1700" b="0" dirty="0" err="1">
-                <a:solidFill>
-                  <a:srgbClr val="FF0000"/>
-                </a:solidFill>
-                <a:latin typeface="微软雅黑" panose="020B0503020204020204" pitchFamily="34" charset="-122"/>
-                <a:ea typeface="微软雅黑" panose="020B0503020204020204" pitchFamily="34" charset="-122"/>
-              </a:rPr>
-              <a:t>kprobe</a:t>
-            </a:r>
-            <a:r>
-              <a:rPr lang="zh-CN" altLang="en-US" sz="1700" b="0" dirty="0">
-                <a:solidFill>
-                  <a:srgbClr val="FF0000"/>
-                </a:solidFill>
-                <a:latin typeface="微软雅黑" panose="020B0503020204020204" pitchFamily="34" charset="-122"/>
-                <a:ea typeface="微软雅黑" panose="020B0503020204020204" pitchFamily="34" charset="-122"/>
-              </a:rPr>
-              <a:t>模块移植到</a:t>
-            </a:r>
-            <a:r>
-              <a:rPr lang="en-US" altLang="zh-CN" sz="1700" b="0" dirty="0" err="1">
-                <a:solidFill>
-                  <a:srgbClr val="FF0000"/>
-                </a:solidFill>
-                <a:latin typeface="微软雅黑" panose="020B0503020204020204" pitchFamily="34" charset="-122"/>
-                <a:ea typeface="微软雅黑" panose="020B0503020204020204" pitchFamily="34" charset="-122"/>
-              </a:rPr>
-              <a:t>rCore</a:t>
-            </a:r>
-            <a:r>
-              <a:rPr lang="en-US" altLang="zh-CN" sz="1700" b="0" dirty="0">
-                <a:solidFill>
-                  <a:srgbClr val="FF0000"/>
-                </a:solidFill>
-                <a:latin typeface="微软雅黑" panose="020B0503020204020204" pitchFamily="34" charset="-122"/>
-                <a:ea typeface="微软雅黑" panose="020B0503020204020204" pitchFamily="34" charset="-122"/>
-              </a:rPr>
-              <a:t>-Tutorial</a:t>
-            </a:r>
-            <a:r>
-              <a:rPr lang="zh-CN" altLang="en-US" sz="1700" b="0" dirty="0">
-                <a:solidFill>
-                  <a:schemeClr val="tx1"/>
-                </a:solidFill>
-                <a:latin typeface="微软雅黑" panose="020B0503020204020204" pitchFamily="34" charset="-122"/>
-                <a:ea typeface="微软雅黑" panose="020B0503020204020204" pitchFamily="34" charset="-122"/>
-              </a:rPr>
-              <a:t>中并正常运行；</a:t>
-            </a:r>
-          </a:p>
-          <a:p>
-            <a:pPr marL="342900" lvl="0" indent="-342900" eaLnBrk="1" fontAlgn="auto" hangingPunct="1">
+              <a:t>识别返回信息的类型</a:t>
+            </a:r>
+            <a:endParaRPr lang="en-US" altLang="zh-CN" b="1" dirty="0">
+              <a:solidFill>
+                <a:srgbClr val="044875"/>
+              </a:solidFill>
+              <a:latin typeface="微软雅黑" panose="020B0503020204020204" pitchFamily="34" charset="-122"/>
+              <a:ea typeface="微软雅黑" panose="020B0503020204020204" pitchFamily="34" charset="-122"/>
+            </a:endParaRPr>
+          </a:p>
+          <a:p>
+            <a:pPr marL="702900" indent="-342900">
               <a:lnSpc>
                 <a:spcPct val="150000"/>
               </a:lnSpc>
               <a:spcBef>
-                <a:spcPts val="0"/>
+                <a:spcPts val="600"/>
               </a:spcBef>
               <a:spcAft>
-                <a:spcPts val="0"/>
-              </a:spcAft>
-              <a:buAutoNum type="arabicPeriod" startAt="2"/>
-              <a:defRPr/>
+                <a:spcPts val="600"/>
+              </a:spcAft>
+              <a:buFont typeface="+mj-lt"/>
+              <a:buAutoNum type="arabicPeriod"/>
             </a:pPr>
             <a:r>
-              <a:rPr lang="zh-CN" altLang="en-US" sz="1700" b="0" dirty="0">
-                <a:solidFill>
-                  <a:schemeClr val="tx1"/>
+              <a:rPr lang="zh-CN" altLang="en-US" b="1" dirty="0">
+                <a:solidFill>
+                  <a:srgbClr val="044875"/>
                 </a:solidFill>
                 <a:latin typeface="微软雅黑" panose="020B0503020204020204" pitchFamily="34" charset="-122"/>
                 <a:ea typeface="微软雅黑" panose="020B0503020204020204" pitchFamily="34" charset="-122"/>
               </a:rPr>
-              <a:t>实现并优化</a:t>
-            </a:r>
-            <a:r>
-              <a:rPr lang="zh-CN" altLang="en-US" sz="1700" b="0" dirty="0">
-                <a:solidFill>
-                  <a:srgbClr val="FF0000"/>
+              <a:t>返回信息是否有编号（</a:t>
+            </a:r>
+            <a:r>
+              <a:rPr lang="en-US" altLang="zh-CN" b="1" dirty="0">
+                <a:solidFill>
+                  <a:srgbClr val="044875"/>
                 </a:solidFill>
                 <a:latin typeface="微软雅黑" panose="020B0503020204020204" pitchFamily="34" charset="-122"/>
                 <a:ea typeface="微软雅黑" panose="020B0503020204020204" pitchFamily="34" charset="-122"/>
               </a:rPr>
-              <a:t>符号解析</a:t>
-            </a:r>
-            <a:r>
-              <a:rPr lang="zh-CN" altLang="en-US" sz="1700" b="0" dirty="0">
-                <a:solidFill>
-                  <a:schemeClr val="tx1"/>
+              <a:t>token</a:t>
+            </a:r>
+            <a:r>
+              <a:rPr lang="zh-CN" altLang="en-US" b="1" dirty="0">
+                <a:solidFill>
+                  <a:srgbClr val="044875"/>
                 </a:solidFill>
                 <a:latin typeface="微软雅黑" panose="020B0503020204020204" pitchFamily="34" charset="-122"/>
                 <a:ea typeface="微软雅黑" panose="020B0503020204020204" pitchFamily="34" charset="-122"/>
               </a:rPr>
-              <a:t>功能，主要包括内核实现和外部插件实现</a:t>
-            </a:r>
-            <a:endParaRPr lang="en-US" altLang="zh-CN" sz="1700" b="0" dirty="0">
+              <a:t>）</a:t>
+            </a:r>
+            <a:endParaRPr lang="en-US" altLang="zh-CN" b="1" dirty="0">
               <a:solidFill>
-                <a:schemeClr val="tx1"/>
+                <a:srgbClr val="044875"/>
               </a:solidFill>
               <a:latin typeface="微软雅黑" panose="020B0503020204020204" pitchFamily="34" charset="-122"/>
               <a:ea typeface="微软雅黑" panose="020B0503020204020204" pitchFamily="34" charset="-122"/>
             </a:endParaRPr>
           </a:p>
           <a:p>
-            <a:pPr marL="742950" lvl="1" indent="-285750" eaLnBrk="1" fontAlgn="auto" hangingPunct="1">
+            <a:pPr marL="702900" indent="-342900">
               <a:lnSpc>
                 <a:spcPct val="150000"/>
               </a:lnSpc>
               <a:spcBef>
-                <a:spcPts val="0"/>
+                <a:spcPts val="600"/>
               </a:spcBef>
               <a:spcAft>
-                <a:spcPts val="0"/>
-              </a:spcAft>
-              <a:buFont typeface="Wingdings" panose="05000000000000000000" pitchFamily="2" charset="2"/>
-              <a:buChar char="Ø"/>
-              <a:defRPr/>
+                <a:spcPts val="600"/>
+              </a:spcAft>
+              <a:buFont typeface="+mj-lt"/>
+              <a:buAutoNum type="arabicPeriod"/>
             </a:pPr>
             <a:r>
-              <a:rPr lang="zh-CN" altLang="en-US" sz="1600" b="0" dirty="0">
-                <a:solidFill>
-                  <a:schemeClr val="accent5">
-                    <a:lumMod val="50000"/>
-                  </a:schemeClr>
+              <a:rPr lang="zh-CN" altLang="en-US" b="1" dirty="0">
+                <a:solidFill>
+                  <a:srgbClr val="044875"/>
                 </a:solidFill>
                 <a:latin typeface="微软雅黑" panose="020B0503020204020204" pitchFamily="34" charset="-122"/>
                 <a:ea typeface="微软雅黑" panose="020B0503020204020204" pitchFamily="34" charset="-122"/>
               </a:rPr>
-              <a:t>内核实现：在内核中搜索嵌入的符号表，可移植性强，但由于查找符号表时</a:t>
-            </a:r>
-            <a:r>
-              <a:rPr lang="en-US" altLang="zh-CN" sz="1600" b="0" dirty="0">
-                <a:solidFill>
-                  <a:schemeClr val="accent5">
-                    <a:lumMod val="50000"/>
-                  </a:schemeClr>
-                </a:solidFill>
-                <a:latin typeface="微软雅黑" panose="020B0503020204020204" pitchFamily="34" charset="-122"/>
-                <a:ea typeface="微软雅黑" panose="020B0503020204020204" pitchFamily="34" charset="-122"/>
-              </a:rPr>
-              <a:t>OS</a:t>
-            </a:r>
-            <a:r>
-              <a:rPr lang="zh-CN" altLang="en-US" sz="1600" b="0" dirty="0">
-                <a:solidFill>
-                  <a:schemeClr val="accent5">
-                    <a:lumMod val="50000"/>
-                  </a:schemeClr>
-                </a:solidFill>
-                <a:latin typeface="微软雅黑" panose="020B0503020204020204" pitchFamily="34" charset="-122"/>
-                <a:ea typeface="微软雅黑" panose="020B0503020204020204" pitchFamily="34" charset="-122"/>
-              </a:rPr>
-              <a:t>停止，效率较低</a:t>
-            </a:r>
-          </a:p>
-          <a:p>
-            <a:pPr lvl="0" eaLnBrk="1" fontAlgn="auto" hangingPunct="1">
+              <a:t>保存，获取</a:t>
+            </a:r>
+            <a:endParaRPr lang="en-US" altLang="zh-CN" b="1" dirty="0">
+              <a:solidFill>
+                <a:srgbClr val="044875"/>
+              </a:solidFill>
+              <a:latin typeface="微软雅黑" panose="020B0503020204020204" pitchFamily="34" charset="-122"/>
+              <a:ea typeface="微软雅黑" panose="020B0503020204020204" pitchFamily="34" charset="-122"/>
+            </a:endParaRPr>
+          </a:p>
+          <a:p>
+            <a:pPr marL="360000">
               <a:lnSpc>
                 <a:spcPct val="150000"/>
               </a:lnSpc>
               <a:spcBef>
-                <a:spcPts val="0"/>
+                <a:spcPts val="600"/>
               </a:spcBef>
               <a:spcAft>
-                <a:spcPts val="0"/>
-              </a:spcAft>
-              <a:defRPr/>
+                <a:spcPts val="600"/>
+              </a:spcAft>
             </a:pPr>
-            <a:r>
-              <a:rPr lang="en-US" altLang="zh-CN" sz="1700" b="0" dirty="0">
-                <a:solidFill>
-                  <a:schemeClr val="tx1"/>
-                </a:solidFill>
-                <a:latin typeface="微软雅黑" panose="020B0503020204020204" pitchFamily="34" charset="-122"/>
-                <a:ea typeface="微软雅黑" panose="020B0503020204020204" pitchFamily="34" charset="-122"/>
-              </a:rPr>
-              <a:t>3.   </a:t>
-            </a:r>
-            <a:r>
-              <a:rPr lang="zh-CN" altLang="en-US" sz="1700" b="0" dirty="0">
-                <a:solidFill>
-                  <a:schemeClr val="tx1"/>
-                </a:solidFill>
-                <a:latin typeface="微软雅黑" panose="020B0503020204020204" pitchFamily="34" charset="-122"/>
-                <a:ea typeface="微软雅黑" panose="020B0503020204020204" pitchFamily="34" charset="-122"/>
-              </a:rPr>
-              <a:t>进一步实现</a:t>
-            </a:r>
-            <a:r>
-              <a:rPr lang="zh-CN" altLang="en-US" sz="1700" b="0" dirty="0">
-                <a:solidFill>
-                  <a:srgbClr val="FF0000"/>
-                </a:solidFill>
-                <a:latin typeface="微软雅黑" panose="020B0503020204020204" pitchFamily="34" charset="-122"/>
-                <a:ea typeface="微软雅黑" panose="020B0503020204020204" pitchFamily="34" charset="-122"/>
-              </a:rPr>
-              <a:t>外部符号解析</a:t>
-            </a:r>
-            <a:r>
-              <a:rPr lang="zh-CN" altLang="en-US" sz="1700" b="0" dirty="0">
-                <a:solidFill>
-                  <a:schemeClr val="tx1"/>
-                </a:solidFill>
-                <a:latin typeface="微软雅黑" panose="020B0503020204020204" pitchFamily="34" charset="-122"/>
-                <a:ea typeface="微软雅黑" panose="020B0503020204020204" pitchFamily="34" charset="-122"/>
-              </a:rPr>
-              <a:t>，提升</a:t>
-            </a:r>
-            <a:r>
-              <a:rPr lang="en-US" altLang="zh-CN" sz="1700" b="0" dirty="0" err="1">
-                <a:solidFill>
-                  <a:schemeClr val="tx1"/>
-                </a:solidFill>
-                <a:latin typeface="微软雅黑" panose="020B0503020204020204" pitchFamily="34" charset="-122"/>
-                <a:ea typeface="微软雅黑" panose="020B0503020204020204" pitchFamily="34" charset="-122"/>
-              </a:rPr>
-              <a:t>Kprobe</a:t>
-            </a:r>
-            <a:r>
-              <a:rPr lang="zh-CN" altLang="en-US" sz="1700" b="0" dirty="0">
-                <a:solidFill>
-                  <a:schemeClr val="tx1"/>
-                </a:solidFill>
-                <a:latin typeface="微软雅黑" panose="020B0503020204020204" pitchFamily="34" charset="-122"/>
-                <a:ea typeface="微软雅黑" panose="020B0503020204020204" pitchFamily="34" charset="-122"/>
-              </a:rPr>
-              <a:t>运行效率</a:t>
-            </a:r>
-            <a:endParaRPr lang="en-US" altLang="zh-CN" sz="1700" b="0" dirty="0">
+            <a:endParaRPr lang="en-US" altLang="zh-CN" b="1" dirty="0">
               <a:solidFill>
-                <a:schemeClr val="tx1"/>
+                <a:srgbClr val="FF0000"/>
               </a:solidFill>
               <a:latin typeface="微软雅黑" panose="020B0503020204020204" pitchFamily="34" charset="-122"/>
               <a:ea typeface="微软雅黑" panose="020B0503020204020204" pitchFamily="34" charset="-122"/>
             </a:endParaRPr>
           </a:p>
-          <a:p>
-            <a:pPr lvl="0" eaLnBrk="1" fontAlgn="auto" hangingPunct="1">
+        </p:txBody>
+      </p:sp>
+      <p:sp>
+        <p:nvSpPr>
+          <p:cNvPr id="17" name="文本框 16">
+            <a:extLst>
+              <a:ext uri="{FF2B5EF4-FFF2-40B4-BE49-F238E27FC236}">
+                <a16:creationId xmlns:a16="http://schemas.microsoft.com/office/drawing/2014/main" id="{94237629-8CB5-4455-A2D7-6D842F1CB3A9}"/>
+              </a:ext>
+            </a:extLst>
+          </p:cNvPr>
+          <p:cNvSpPr txBox="1"/>
+          <p:nvPr/>
+        </p:nvSpPr>
+        <p:spPr>
+          <a:xfrm>
+            <a:off x="430227" y="891608"/>
+            <a:ext cx="6498387" cy="581057"/>
+          </a:xfrm>
+          <a:prstGeom prst="rect">
+            <a:avLst/>
+          </a:prstGeom>
+          <a:noFill/>
+        </p:spPr>
+        <p:txBody>
+          <a:bodyPr wrap="square">
+            <a:spAutoFit/>
+          </a:bodyPr>
+          <a:lstStyle/>
+          <a:p>
+            <a:pPr marL="342900" indent="-342900">
               <a:lnSpc>
                 <a:spcPct val="150000"/>
               </a:lnSpc>
               <a:spcBef>
-                <a:spcPts val="0"/>
+                <a:spcPts val="600"/>
               </a:spcBef>
               <a:spcAft>
-                <a:spcPts val="0"/>
-              </a:spcAft>
-              <a:defRPr/>
+                <a:spcPts val="600"/>
+              </a:spcAft>
+              <a:buFont typeface="Wingdings" panose="05000000000000000000" pitchFamily="2" charset="2"/>
+              <a:buChar char="l"/>
             </a:pPr>
             <a:r>
-              <a:rPr lang="en-US" altLang="zh-CN" sz="1700" b="0" dirty="0">
-                <a:solidFill>
-                  <a:schemeClr val="tx1"/>
-                </a:solidFill>
+              <a:rPr lang="zh-CN" altLang="en-US" sz="2400" b="1" kern="100" dirty="0">
                 <a:latin typeface="微软雅黑" panose="020B0503020204020204" pitchFamily="34" charset="-122"/>
                 <a:ea typeface="微软雅黑" panose="020B0503020204020204" pitchFamily="34" charset="-122"/>
               </a:rPr>
-              <a:t>      </a:t>
-            </a:r>
-            <a:r>
-              <a:rPr lang="zh-CN" altLang="en-US" sz="1700" b="0" dirty="0">
-                <a:solidFill>
-                  <a:schemeClr val="tx1"/>
-                </a:solidFill>
+              <a:t>基于</a:t>
+            </a:r>
+            <a:r>
+              <a:rPr lang="en-US" altLang="zh-CN" sz="2400" b="1" kern="100" dirty="0">
                 <a:latin typeface="微软雅黑" panose="020B0503020204020204" pitchFamily="34" charset="-122"/>
                 <a:ea typeface="微软雅黑" panose="020B0503020204020204" pitchFamily="34" charset="-122"/>
               </a:rPr>
-              <a:t>将符号解析功能转移到了</a:t>
-            </a:r>
-            <a:r>
-              <a:rPr lang="en-US" altLang="zh-CN" sz="1700" b="0" dirty="0" err="1">
-                <a:solidFill>
-                  <a:srgbClr val="FF0000"/>
-                </a:solidFill>
+              <a:t>GDB</a:t>
+            </a:r>
+            <a:r>
+              <a:rPr lang="zh-CN" altLang="en-US" sz="2400" b="1" kern="100" dirty="0">
                 <a:latin typeface="微软雅黑" panose="020B0503020204020204" pitchFamily="34" charset="-122"/>
                 <a:ea typeface="微软雅黑" panose="020B0503020204020204" pitchFamily="34" charset="-122"/>
               </a:rPr>
-              <a:t>VSCode</a:t>
-            </a:r>
-            <a:r>
-              <a:rPr lang="zh-CN" altLang="en-US" sz="1700" b="0" dirty="0">
-                <a:solidFill>
-                  <a:srgbClr val="FF0000"/>
-                </a:solidFill>
-                <a:latin typeface="微软雅黑" panose="020B0503020204020204" pitchFamily="34" charset="-122"/>
-                <a:ea typeface="微软雅黑" panose="020B0503020204020204" pitchFamily="34" charset="-122"/>
-              </a:rPr>
-              <a:t>插件</a:t>
-            </a:r>
-            <a:r>
-              <a:rPr lang="zh-CN" altLang="en-US" sz="1700" b="0" dirty="0">
-                <a:solidFill>
-                  <a:schemeClr val="tx1"/>
-                </a:solidFill>
-                <a:latin typeface="微软雅黑" panose="020B0503020204020204" pitchFamily="34" charset="-122"/>
-                <a:ea typeface="微软雅黑" panose="020B0503020204020204" pitchFamily="34" charset="-122"/>
-              </a:rPr>
-              <a:t>来实现。</a:t>
-            </a:r>
+              <a:t>的多个用户进程的符号表切换</a:t>
+            </a:r>
+            <a:endParaRPr lang="en-US" altLang="zh-CN" sz="2400" b="1" kern="100" dirty="0">
+              <a:latin typeface="微软雅黑" panose="020B0503020204020204" pitchFamily="34" charset="-122"/>
+              <a:ea typeface="微软雅黑" panose="020B0503020204020204" pitchFamily="34" charset="-122"/>
+            </a:endParaRPr>
           </a:p>
         </p:txBody>
       </p:sp>
@@ -8733,7 +8250,7 @@
           <p:cNvPr id="4" name="灯片编号占位符 3">
             <a:extLst>
               <a:ext uri="{FF2B5EF4-FFF2-40B4-BE49-F238E27FC236}">
-                <a16:creationId xmlns:a16="http://schemas.microsoft.com/office/drawing/2014/main" id="{208DA896-B37E-4180-AD92-69336E6A6110}"/>
+                <a16:creationId xmlns:a16="http://schemas.microsoft.com/office/drawing/2014/main" id="{7787C2DC-532E-4DB5-A9B7-BACB84559D7D}"/>
               </a:ext>
             </a:extLst>
           </p:cNvPr>
@@ -8758,12 +8275,1102 @@
           </a:p>
         </p:txBody>
       </p:sp>
+      <p:sp>
+        <p:nvSpPr>
+          <p:cNvPr id="5" name="矩形 4">
+            <a:extLst>
+              <a:ext uri="{FF2B5EF4-FFF2-40B4-BE49-F238E27FC236}">
+                <a16:creationId xmlns:a16="http://schemas.microsoft.com/office/drawing/2014/main" id="{4D354F4D-071D-4A74-A322-BFDDB24E1C0F}"/>
+              </a:ext>
+            </a:extLst>
+          </p:cNvPr>
+          <p:cNvSpPr/>
+          <p:nvPr/>
+        </p:nvSpPr>
+        <p:spPr>
+          <a:xfrm>
+            <a:off x="9257016" y="3215811"/>
+            <a:ext cx="2835667" cy="1114746"/>
+          </a:xfrm>
+          <a:prstGeom prst="rect">
+            <a:avLst/>
+          </a:prstGeom>
+          <a:noFill/>
+          <a:ln w="28575">
+            <a:solidFill>
+              <a:srgbClr val="FF0000"/>
+            </a:solidFill>
+          </a:ln>
+        </p:spPr>
+        <p:style>
+          <a:lnRef idx="2">
+            <a:schemeClr val="accent6"/>
+          </a:lnRef>
+          <a:fillRef idx="1">
+            <a:schemeClr val="lt1"/>
+          </a:fillRef>
+          <a:effectRef idx="0">
+            <a:schemeClr val="accent6"/>
+          </a:effectRef>
+          <a:fontRef idx="minor">
+            <a:schemeClr val="dk1"/>
+          </a:fontRef>
+        </p:style>
+        <p:txBody>
+          <a:bodyPr rtlCol="0" anchor="ctr"/>
+          <a:lstStyle/>
+          <a:p>
+            <a:pPr algn="ctr"/>
+            <a:endParaRPr lang="zh-CN" altLang="en-US"/>
+          </a:p>
+        </p:txBody>
+      </p:sp>
+      <p:pic>
+        <p:nvPicPr>
+          <p:cNvPr id="8" name="图片 7">
+            <a:extLst>
+              <a:ext uri="{FF2B5EF4-FFF2-40B4-BE49-F238E27FC236}">
+                <a16:creationId xmlns:a16="http://schemas.microsoft.com/office/drawing/2014/main" id="{BAC5CE61-9E85-41AB-AAD1-E3B748B914BF}"/>
+              </a:ext>
+            </a:extLst>
+          </p:cNvPr>
+          <p:cNvPicPr>
+            <a:picLocks noChangeAspect="1"/>
+          </p:cNvPicPr>
+          <p:nvPr/>
+        </p:nvPicPr>
+        <p:blipFill>
+          <a:blip r:embed="rId4"/>
+          <a:stretch>
+            <a:fillRect/>
+          </a:stretch>
+        </p:blipFill>
+        <p:spPr>
+          <a:xfrm>
+            <a:off x="4211413" y="2553336"/>
+            <a:ext cx="7944760" cy="2907379"/>
+          </a:xfrm>
+          <a:prstGeom prst="rect">
+            <a:avLst/>
+          </a:prstGeom>
+        </p:spPr>
+      </p:pic>
+      <p:pic>
+        <p:nvPicPr>
+          <p:cNvPr id="18" name="图片 17">
+            <a:extLst>
+              <a:ext uri="{FF2B5EF4-FFF2-40B4-BE49-F238E27FC236}">
+                <a16:creationId xmlns:a16="http://schemas.microsoft.com/office/drawing/2014/main" id="{12303CDE-6CB4-4DF8-9EB7-AFEC15CEB971}"/>
+              </a:ext>
+            </a:extLst>
+          </p:cNvPr>
+          <p:cNvPicPr/>
+          <p:nvPr/>
+        </p:nvPicPr>
+        <p:blipFill>
+          <a:blip r:embed="rId5"/>
+          <a:stretch>
+            <a:fillRect/>
+          </a:stretch>
+        </p:blipFill>
+        <p:spPr>
+          <a:xfrm>
+            <a:off x="4626357" y="2303503"/>
+            <a:ext cx="7260843" cy="3696359"/>
+          </a:xfrm>
+          <a:prstGeom prst="rect">
+            <a:avLst/>
+          </a:prstGeom>
+        </p:spPr>
+      </p:pic>
     </p:spTree>
     <p:extLst>
       <p:ext uri="{BB962C8B-B14F-4D97-AF65-F5344CB8AC3E}">
-        <p14:creationId xmlns:p14="http://schemas.microsoft.com/office/powerpoint/2010/main" val="1823858322"/>
+        <p14:creationId xmlns:p14="http://schemas.microsoft.com/office/powerpoint/2010/main" val="3499952491"/>
       </p:ext>
     </p:extLst>
+  </p:cSld>
+  <p:clrMapOvr>
+    <a:masterClrMapping/>
+  </p:clrMapOvr>
+  <p:timing>
+    <p:tnLst>
+      <p:par>
+        <p:cTn id="1" dur="indefinite" restart="never" nodeType="tmRoot">
+          <p:childTnLst>
+            <p:seq concurrent="1" nextAc="seek">
+              <p:cTn id="2" dur="indefinite" nodeType="mainSeq">
+                <p:childTnLst>
+                  <p:par>
+                    <p:cTn id="3" fill="hold">
+                      <p:stCondLst>
+                        <p:cond delay="indefinite"/>
+                      </p:stCondLst>
+                      <p:childTnLst>
+                        <p:par>
+                          <p:cTn id="4" fill="hold">
+                            <p:stCondLst>
+                              <p:cond delay="0"/>
+                            </p:stCondLst>
+                            <p:childTnLst>
+                              <p:par>
+                                <p:cTn id="5" presetID="1" presetClass="entr" presetSubtype="0" fill="hold" nodeType="clickEffect">
+                                  <p:stCondLst>
+                                    <p:cond delay="0"/>
+                                  </p:stCondLst>
+                                  <p:childTnLst>
+                                    <p:set>
+                                      <p:cBhvr>
+                                        <p:cTn id="6" dur="1" fill="hold">
+                                          <p:stCondLst>
+                                            <p:cond delay="0"/>
+                                          </p:stCondLst>
+                                        </p:cTn>
+                                        <p:tgtEl>
+                                          <p:spTgt spid="8"/>
+                                        </p:tgtEl>
+                                        <p:attrNameLst>
+                                          <p:attrName>style.visibility</p:attrName>
+                                        </p:attrNameLst>
+                                      </p:cBhvr>
+                                      <p:to>
+                                        <p:strVal val="visible"/>
+                                      </p:to>
+                                    </p:set>
+                                  </p:childTnLst>
+                                </p:cTn>
+                              </p:par>
+                            </p:childTnLst>
+                          </p:cTn>
+                        </p:par>
+                      </p:childTnLst>
+                    </p:cTn>
+                  </p:par>
+                  <p:par>
+                    <p:cTn id="7" fill="hold">
+                      <p:stCondLst>
+                        <p:cond delay="indefinite"/>
+                      </p:stCondLst>
+                      <p:childTnLst>
+                        <p:par>
+                          <p:cTn id="8" fill="hold">
+                            <p:stCondLst>
+                              <p:cond delay="0"/>
+                            </p:stCondLst>
+                            <p:childTnLst>
+                              <p:par>
+                                <p:cTn id="9" presetID="1" presetClass="entr" presetSubtype="0" fill="hold" nodeType="clickEffect">
+                                  <p:stCondLst>
+                                    <p:cond delay="0"/>
+                                  </p:stCondLst>
+                                  <p:childTnLst>
+                                    <p:set>
+                                      <p:cBhvr>
+                                        <p:cTn id="10" dur="1" fill="hold">
+                                          <p:stCondLst>
+                                            <p:cond delay="0"/>
+                                          </p:stCondLst>
+                                        </p:cTn>
+                                        <p:tgtEl>
+                                          <p:spTgt spid="18"/>
+                                        </p:tgtEl>
+                                        <p:attrNameLst>
+                                          <p:attrName>style.visibility</p:attrName>
+                                        </p:attrNameLst>
+                                      </p:cBhvr>
+                                      <p:to>
+                                        <p:strVal val="visible"/>
+                                      </p:to>
+                                    </p:set>
+                                  </p:childTnLst>
+                                </p:cTn>
+                              </p:par>
+                            </p:childTnLst>
+                          </p:cTn>
+                        </p:par>
+                      </p:childTnLst>
+                    </p:cTn>
+                  </p:par>
+                </p:childTnLst>
+              </p:cTn>
+              <p:prevCondLst>
+                <p:cond evt="onPrev" delay="0">
+                  <p:tgtEl>
+                    <p:sldTgt/>
+                  </p:tgtEl>
+                </p:cond>
+              </p:prevCondLst>
+              <p:nextCondLst>
+                <p:cond evt="onNext" delay="0">
+                  <p:tgtEl>
+                    <p:sldTgt/>
+                  </p:tgtEl>
+                </p:cond>
+              </p:nextCondLst>
+            </p:seq>
+          </p:childTnLst>
+        </p:cTn>
+      </p:par>
+    </p:tnLst>
+  </p:timing>
+</p:sld>
+</file>
+
+<file path=ppt/slides/slide11.xml><?xml version="1.0" encoding="utf-8"?>
+<p:sld xmlns:a="http://schemas.openxmlformats.org/drawingml/2006/main" xmlns:r="http://schemas.openxmlformats.org/officeDocument/2006/relationships" xmlns:p="http://schemas.openxmlformats.org/presentationml/2006/main">
+  <p:cSld>
+    <p:spTree>
+      <p:nvGrpSpPr>
+        <p:cNvPr id="1" name=""/>
+        <p:cNvGrpSpPr/>
+        <p:nvPr/>
+      </p:nvGrpSpPr>
+      <p:grpSpPr>
+        <a:xfrm>
+          <a:off x="0" y="0"/>
+          <a:ext cx="0" cy="0"/>
+          <a:chOff x="0" y="0"/>
+          <a:chExt cx="0" cy="0"/>
+        </a:xfrm>
+      </p:grpSpPr>
+      <p:sp>
+        <p:nvSpPr>
+          <p:cNvPr id="2" name="矩形 1"/>
+          <p:cNvSpPr/>
+          <p:nvPr/>
+        </p:nvSpPr>
+        <p:spPr>
+          <a:xfrm>
+            <a:off x="0" y="2014538"/>
+            <a:ext cx="12192000" cy="2849562"/>
+          </a:xfrm>
+          <a:prstGeom prst="rect">
+            <a:avLst/>
+          </a:prstGeom>
+          <a:solidFill>
+            <a:srgbClr val="044875"/>
+          </a:solidFill>
+          <a:ln>
+            <a:noFill/>
+          </a:ln>
+        </p:spPr>
+        <p:style>
+          <a:lnRef idx="2">
+            <a:schemeClr val="accent1">
+              <a:shade val="50000"/>
+            </a:schemeClr>
+          </a:lnRef>
+          <a:fillRef idx="1">
+            <a:schemeClr val="accent1"/>
+          </a:fillRef>
+          <a:effectRef idx="0">
+            <a:schemeClr val="accent1"/>
+          </a:effectRef>
+          <a:fontRef idx="minor">
+            <a:schemeClr val="lt1"/>
+          </a:fontRef>
+        </p:style>
+        <p:txBody>
+          <a:bodyPr anchor="ctr"/>
+          <a:lstStyle/>
+          <a:p>
+            <a:pPr algn="ctr" eaLnBrk="1" fontAlgn="auto" hangingPunct="1">
+              <a:spcBef>
+                <a:spcPts val="0"/>
+              </a:spcBef>
+              <a:spcAft>
+                <a:spcPts val="0"/>
+              </a:spcAft>
+              <a:defRPr/>
+            </a:pPr>
+            <a:endParaRPr lang="zh-CN" altLang="en-US"/>
+          </a:p>
+        </p:txBody>
+      </p:sp>
+      <p:sp>
+        <p:nvSpPr>
+          <p:cNvPr id="3" name="矩形 2"/>
+          <p:cNvSpPr/>
+          <p:nvPr/>
+        </p:nvSpPr>
+        <p:spPr>
+          <a:xfrm>
+            <a:off x="0" y="2663825"/>
+            <a:ext cx="1096963" cy="541338"/>
+          </a:xfrm>
+          <a:prstGeom prst="rect">
+            <a:avLst/>
+          </a:prstGeom>
+          <a:solidFill>
+            <a:srgbClr val="D6E0E6"/>
+          </a:solidFill>
+          <a:ln>
+            <a:noFill/>
+          </a:ln>
+        </p:spPr>
+        <p:style>
+          <a:lnRef idx="2">
+            <a:schemeClr val="accent1">
+              <a:shade val="50000"/>
+            </a:schemeClr>
+          </a:lnRef>
+          <a:fillRef idx="1">
+            <a:schemeClr val="accent1"/>
+          </a:fillRef>
+          <a:effectRef idx="0">
+            <a:schemeClr val="accent1"/>
+          </a:effectRef>
+          <a:fontRef idx="minor">
+            <a:schemeClr val="lt1"/>
+          </a:fontRef>
+        </p:style>
+        <p:txBody>
+          <a:bodyPr anchor="ctr"/>
+          <a:lstStyle/>
+          <a:p>
+            <a:pPr algn="ctr" eaLnBrk="1" fontAlgn="auto" hangingPunct="1">
+              <a:spcBef>
+                <a:spcPts val="0"/>
+              </a:spcBef>
+              <a:spcAft>
+                <a:spcPts val="0"/>
+              </a:spcAft>
+              <a:defRPr/>
+            </a:pPr>
+            <a:endParaRPr lang="zh-CN" altLang="en-US"/>
+          </a:p>
+        </p:txBody>
+      </p:sp>
+      <p:sp>
+        <p:nvSpPr>
+          <p:cNvPr id="4" name="文本框 3"/>
+          <p:cNvSpPr txBox="1">
+            <a:spLocks noChangeArrowheads="1"/>
+          </p:cNvSpPr>
+          <p:nvPr/>
+        </p:nvSpPr>
+        <p:spPr bwMode="auto">
+          <a:xfrm>
+            <a:off x="946150" y="2000250"/>
+            <a:ext cx="1539875" cy="1862138"/>
+          </a:xfrm>
+          <a:prstGeom prst="rect">
+            <a:avLst/>
+          </a:prstGeom>
+          <a:noFill/>
+          <a:ln>
+            <a:noFill/>
+          </a:ln>
+          <a:extLst>
+            <a:ext uri="{909E8E84-426E-40DD-AFC4-6F175D3DCCD1}">
+              <a14:hiddenFill xmlns:a14="http://schemas.microsoft.com/office/drawing/2010/main">
+                <a:solidFill>
+                  <a:srgbClr val="FFFFFF"/>
+                </a:solidFill>
+              </a14:hiddenFill>
+            </a:ext>
+            <a:ext uri="{91240B29-F687-4F45-9708-019B960494DF}">
+              <a14:hiddenLine xmlns:a14="http://schemas.microsoft.com/office/drawing/2010/main" w="9525">
+                <a:solidFill>
+                  <a:srgbClr val="000000"/>
+                </a:solidFill>
+                <a:miter lim="800000"/>
+                <a:headEnd/>
+                <a:tailEnd/>
+              </a14:hiddenLine>
+            </a:ext>
+          </a:extLst>
+        </p:spPr>
+        <p:txBody>
+          <a:bodyPr>
+            <a:spAutoFit/>
+          </a:bodyPr>
+          <a:lstStyle>
+            <a:lvl1pPr>
+              <a:defRPr sz="2800">
+                <a:solidFill>
+                  <a:schemeClr val="tx1"/>
+                </a:solidFill>
+                <a:latin typeface="Calibri" pitchFamily="34" charset="0"/>
+                <a:ea typeface="宋体" pitchFamily="2" charset="-122"/>
+              </a:defRPr>
+            </a:lvl1pPr>
+            <a:lvl2pPr marL="742950" indent="-285750">
+              <a:defRPr sz="2400">
+                <a:solidFill>
+                  <a:schemeClr val="tx1"/>
+                </a:solidFill>
+                <a:latin typeface="Calibri" pitchFamily="34" charset="0"/>
+                <a:ea typeface="宋体" pitchFamily="2" charset="-122"/>
+              </a:defRPr>
+            </a:lvl2pPr>
+            <a:lvl3pPr>
+              <a:defRPr sz="2000">
+                <a:solidFill>
+                  <a:schemeClr val="tx1"/>
+                </a:solidFill>
+                <a:latin typeface="Calibri" pitchFamily="34" charset="0"/>
+                <a:ea typeface="宋体" pitchFamily="2" charset="-122"/>
+              </a:defRPr>
+            </a:lvl3pPr>
+            <a:lvl4pPr>
+              <a:defRPr>
+                <a:solidFill>
+                  <a:schemeClr val="tx1"/>
+                </a:solidFill>
+                <a:latin typeface="Calibri" pitchFamily="34" charset="0"/>
+                <a:ea typeface="宋体" pitchFamily="2" charset="-122"/>
+              </a:defRPr>
+            </a:lvl4pPr>
+            <a:lvl5pPr>
+              <a:defRPr>
+                <a:solidFill>
+                  <a:schemeClr val="tx1"/>
+                </a:solidFill>
+                <a:latin typeface="Calibri" pitchFamily="34" charset="0"/>
+                <a:ea typeface="宋体" pitchFamily="2" charset="-122"/>
+              </a:defRPr>
+            </a:lvl5pPr>
+            <a:lvl6pPr eaLnBrk="0" fontAlgn="base" hangingPunct="0">
+              <a:spcAft>
+                <a:spcPct val="0"/>
+              </a:spcAft>
+              <a:buFont typeface="Arial" charset="0"/>
+              <a:defRPr>
+                <a:solidFill>
+                  <a:schemeClr val="tx1"/>
+                </a:solidFill>
+                <a:latin typeface="Calibri" pitchFamily="34" charset="0"/>
+                <a:ea typeface="宋体" pitchFamily="2" charset="-122"/>
+              </a:defRPr>
+            </a:lvl6pPr>
+            <a:lvl7pPr eaLnBrk="0" fontAlgn="base" hangingPunct="0">
+              <a:spcAft>
+                <a:spcPct val="0"/>
+              </a:spcAft>
+              <a:buFont typeface="Arial" charset="0"/>
+              <a:defRPr>
+                <a:solidFill>
+                  <a:schemeClr val="tx1"/>
+                </a:solidFill>
+                <a:latin typeface="Calibri" pitchFamily="34" charset="0"/>
+                <a:ea typeface="宋体" pitchFamily="2" charset="-122"/>
+              </a:defRPr>
+            </a:lvl7pPr>
+            <a:lvl8pPr eaLnBrk="0" fontAlgn="base" hangingPunct="0">
+              <a:spcAft>
+                <a:spcPct val="0"/>
+              </a:spcAft>
+              <a:buFont typeface="Arial" charset="0"/>
+              <a:defRPr>
+                <a:solidFill>
+                  <a:schemeClr val="tx1"/>
+                </a:solidFill>
+                <a:latin typeface="Calibri" pitchFamily="34" charset="0"/>
+                <a:ea typeface="宋体" pitchFamily="2" charset="-122"/>
+              </a:defRPr>
+            </a:lvl8pPr>
+            <a:lvl9pPr eaLnBrk="0" fontAlgn="base" hangingPunct="0">
+              <a:spcAft>
+                <a:spcPct val="0"/>
+              </a:spcAft>
+              <a:buFont typeface="Arial" charset="0"/>
+              <a:defRPr>
+                <a:solidFill>
+                  <a:schemeClr val="tx1"/>
+                </a:solidFill>
+                <a:latin typeface="Calibri" pitchFamily="34" charset="0"/>
+                <a:ea typeface="宋体" pitchFamily="2" charset="-122"/>
+              </a:defRPr>
+            </a:lvl9pPr>
+          </a:lstStyle>
+          <a:p>
+            <a:pPr algn="ctr" eaLnBrk="1" hangingPunct="1"/>
+            <a:r>
+              <a:rPr lang="en-US" altLang="zh-CN" sz="11500">
+                <a:solidFill>
+                  <a:schemeClr val="bg1"/>
+                </a:solidFill>
+                <a:latin typeface="Impact" pitchFamily="34" charset="0"/>
+              </a:rPr>
+              <a:t>3</a:t>
+            </a:r>
+            <a:endParaRPr lang="zh-CN" altLang="en-US" sz="11500">
+              <a:solidFill>
+                <a:schemeClr val="bg1"/>
+              </a:solidFill>
+              <a:latin typeface="Impact" pitchFamily="34" charset="0"/>
+            </a:endParaRPr>
+          </a:p>
+        </p:txBody>
+      </p:sp>
+      <p:sp>
+        <p:nvSpPr>
+          <p:cNvPr id="5" name="文本框 4"/>
+          <p:cNvSpPr txBox="1">
+            <a:spLocks noChangeArrowheads="1"/>
+          </p:cNvSpPr>
+          <p:nvPr/>
+        </p:nvSpPr>
+        <p:spPr bwMode="auto">
+          <a:xfrm>
+            <a:off x="419100" y="2638425"/>
+            <a:ext cx="571500" cy="585788"/>
+          </a:xfrm>
+          <a:prstGeom prst="rect">
+            <a:avLst/>
+          </a:prstGeom>
+          <a:noFill/>
+          <a:ln>
+            <a:noFill/>
+          </a:ln>
+          <a:extLst>
+            <a:ext uri="{909E8E84-426E-40DD-AFC4-6F175D3DCCD1}">
+              <a14:hiddenFill xmlns:a14="http://schemas.microsoft.com/office/drawing/2010/main">
+                <a:solidFill>
+                  <a:srgbClr val="FFFFFF"/>
+                </a:solidFill>
+              </a14:hiddenFill>
+            </a:ext>
+            <a:ext uri="{91240B29-F687-4F45-9708-019B960494DF}">
+              <a14:hiddenLine xmlns:a14="http://schemas.microsoft.com/office/drawing/2010/main" w="9525">
+                <a:solidFill>
+                  <a:srgbClr val="000000"/>
+                </a:solidFill>
+                <a:miter lim="800000"/>
+                <a:headEnd/>
+                <a:tailEnd/>
+              </a14:hiddenLine>
+            </a:ext>
+          </a:extLst>
+        </p:spPr>
+        <p:txBody>
+          <a:bodyPr>
+            <a:spAutoFit/>
+          </a:bodyPr>
+          <a:lstStyle>
+            <a:lvl1pPr>
+              <a:defRPr sz="2800">
+                <a:solidFill>
+                  <a:schemeClr val="tx1"/>
+                </a:solidFill>
+                <a:latin typeface="Calibri" pitchFamily="34" charset="0"/>
+                <a:ea typeface="宋体" pitchFamily="2" charset="-122"/>
+              </a:defRPr>
+            </a:lvl1pPr>
+            <a:lvl2pPr marL="742950" indent="-285750">
+              <a:defRPr sz="2400">
+                <a:solidFill>
+                  <a:schemeClr val="tx1"/>
+                </a:solidFill>
+                <a:latin typeface="Calibri" pitchFamily="34" charset="0"/>
+                <a:ea typeface="宋体" pitchFamily="2" charset="-122"/>
+              </a:defRPr>
+            </a:lvl2pPr>
+            <a:lvl3pPr>
+              <a:defRPr sz="2000">
+                <a:solidFill>
+                  <a:schemeClr val="tx1"/>
+                </a:solidFill>
+                <a:latin typeface="Calibri" pitchFamily="34" charset="0"/>
+                <a:ea typeface="宋体" pitchFamily="2" charset="-122"/>
+              </a:defRPr>
+            </a:lvl3pPr>
+            <a:lvl4pPr>
+              <a:defRPr>
+                <a:solidFill>
+                  <a:schemeClr val="tx1"/>
+                </a:solidFill>
+                <a:latin typeface="Calibri" pitchFamily="34" charset="0"/>
+                <a:ea typeface="宋体" pitchFamily="2" charset="-122"/>
+              </a:defRPr>
+            </a:lvl4pPr>
+            <a:lvl5pPr>
+              <a:defRPr>
+                <a:solidFill>
+                  <a:schemeClr val="tx1"/>
+                </a:solidFill>
+                <a:latin typeface="Calibri" pitchFamily="34" charset="0"/>
+                <a:ea typeface="宋体" pitchFamily="2" charset="-122"/>
+              </a:defRPr>
+            </a:lvl5pPr>
+            <a:lvl6pPr eaLnBrk="0" fontAlgn="base" hangingPunct="0">
+              <a:spcAft>
+                <a:spcPct val="0"/>
+              </a:spcAft>
+              <a:buFont typeface="Arial" charset="0"/>
+              <a:defRPr>
+                <a:solidFill>
+                  <a:schemeClr val="tx1"/>
+                </a:solidFill>
+                <a:latin typeface="Calibri" pitchFamily="34" charset="0"/>
+                <a:ea typeface="宋体" pitchFamily="2" charset="-122"/>
+              </a:defRPr>
+            </a:lvl6pPr>
+            <a:lvl7pPr eaLnBrk="0" fontAlgn="base" hangingPunct="0">
+              <a:spcAft>
+                <a:spcPct val="0"/>
+              </a:spcAft>
+              <a:buFont typeface="Arial" charset="0"/>
+              <a:defRPr>
+                <a:solidFill>
+                  <a:schemeClr val="tx1"/>
+                </a:solidFill>
+                <a:latin typeface="Calibri" pitchFamily="34" charset="0"/>
+                <a:ea typeface="宋体" pitchFamily="2" charset="-122"/>
+              </a:defRPr>
+            </a:lvl7pPr>
+            <a:lvl8pPr eaLnBrk="0" fontAlgn="base" hangingPunct="0">
+              <a:spcAft>
+                <a:spcPct val="0"/>
+              </a:spcAft>
+              <a:buFont typeface="Arial" charset="0"/>
+              <a:defRPr>
+                <a:solidFill>
+                  <a:schemeClr val="tx1"/>
+                </a:solidFill>
+                <a:latin typeface="Calibri" pitchFamily="34" charset="0"/>
+                <a:ea typeface="宋体" pitchFamily="2" charset="-122"/>
+              </a:defRPr>
+            </a:lvl8pPr>
+            <a:lvl9pPr eaLnBrk="0" fontAlgn="base" hangingPunct="0">
+              <a:spcAft>
+                <a:spcPct val="0"/>
+              </a:spcAft>
+              <a:buFont typeface="Arial" charset="0"/>
+              <a:defRPr>
+                <a:solidFill>
+                  <a:schemeClr val="tx1"/>
+                </a:solidFill>
+                <a:latin typeface="Calibri" pitchFamily="34" charset="0"/>
+                <a:ea typeface="宋体" pitchFamily="2" charset="-122"/>
+              </a:defRPr>
+            </a:lvl9pPr>
+          </a:lstStyle>
+          <a:p>
+            <a:pPr eaLnBrk="1" hangingPunct="1"/>
+            <a:r>
+              <a:rPr lang="zh-CN" altLang="en-US" sz="3200" b="1">
+                <a:solidFill>
+                  <a:srgbClr val="044875"/>
+                </a:solidFill>
+                <a:latin typeface="微软雅黑" pitchFamily="34" charset="-122"/>
+                <a:ea typeface="微软雅黑" pitchFamily="34" charset="-122"/>
+              </a:rPr>
+              <a:t>第</a:t>
+            </a:r>
+          </a:p>
+        </p:txBody>
+      </p:sp>
+      <p:sp>
+        <p:nvSpPr>
+          <p:cNvPr id="6" name="矩形 5"/>
+          <p:cNvSpPr/>
+          <p:nvPr/>
+        </p:nvSpPr>
+        <p:spPr>
+          <a:xfrm>
+            <a:off x="2498725" y="2663825"/>
+            <a:ext cx="9693275" cy="541338"/>
+          </a:xfrm>
+          <a:prstGeom prst="rect">
+            <a:avLst/>
+          </a:prstGeom>
+          <a:solidFill>
+            <a:srgbClr val="D6E0E6"/>
+          </a:solidFill>
+          <a:ln>
+            <a:noFill/>
+          </a:ln>
+        </p:spPr>
+        <p:style>
+          <a:lnRef idx="2">
+            <a:schemeClr val="accent1">
+              <a:shade val="50000"/>
+            </a:schemeClr>
+          </a:lnRef>
+          <a:fillRef idx="1">
+            <a:schemeClr val="accent1"/>
+          </a:fillRef>
+          <a:effectRef idx="0">
+            <a:schemeClr val="accent1"/>
+          </a:effectRef>
+          <a:fontRef idx="minor">
+            <a:schemeClr val="lt1"/>
+          </a:fontRef>
+        </p:style>
+        <p:txBody>
+          <a:bodyPr anchor="ctr"/>
+          <a:lstStyle/>
+          <a:p>
+            <a:pPr algn="ctr" eaLnBrk="1" fontAlgn="auto" hangingPunct="1">
+              <a:spcBef>
+                <a:spcPts val="0"/>
+              </a:spcBef>
+              <a:spcAft>
+                <a:spcPts val="0"/>
+              </a:spcAft>
+              <a:defRPr/>
+            </a:pPr>
+            <a:endParaRPr lang="zh-CN" altLang="en-US"/>
+          </a:p>
+        </p:txBody>
+      </p:sp>
+      <p:sp>
+        <p:nvSpPr>
+          <p:cNvPr id="7" name="文本框 6"/>
+          <p:cNvSpPr txBox="1">
+            <a:spLocks noChangeArrowheads="1"/>
+          </p:cNvSpPr>
+          <p:nvPr/>
+        </p:nvSpPr>
+        <p:spPr bwMode="auto">
+          <a:xfrm>
+            <a:off x="2525713" y="2638425"/>
+            <a:ext cx="1766887" cy="585788"/>
+          </a:xfrm>
+          <a:prstGeom prst="rect">
+            <a:avLst/>
+          </a:prstGeom>
+          <a:noFill/>
+          <a:ln>
+            <a:noFill/>
+          </a:ln>
+          <a:extLst>
+            <a:ext uri="{909E8E84-426E-40DD-AFC4-6F175D3DCCD1}">
+              <a14:hiddenFill xmlns:a14="http://schemas.microsoft.com/office/drawing/2010/main">
+                <a:solidFill>
+                  <a:srgbClr val="FFFFFF"/>
+                </a:solidFill>
+              </a14:hiddenFill>
+            </a:ext>
+            <a:ext uri="{91240B29-F687-4F45-9708-019B960494DF}">
+              <a14:hiddenLine xmlns:a14="http://schemas.microsoft.com/office/drawing/2010/main" w="9525">
+                <a:solidFill>
+                  <a:srgbClr val="000000"/>
+                </a:solidFill>
+                <a:miter lim="800000"/>
+                <a:headEnd/>
+                <a:tailEnd/>
+              </a14:hiddenLine>
+            </a:ext>
+          </a:extLst>
+        </p:spPr>
+        <p:txBody>
+          <a:bodyPr>
+            <a:spAutoFit/>
+          </a:bodyPr>
+          <a:lstStyle>
+            <a:lvl1pPr>
+              <a:defRPr sz="2800">
+                <a:solidFill>
+                  <a:schemeClr val="tx1"/>
+                </a:solidFill>
+                <a:latin typeface="Calibri" pitchFamily="34" charset="0"/>
+                <a:ea typeface="宋体" pitchFamily="2" charset="-122"/>
+              </a:defRPr>
+            </a:lvl1pPr>
+            <a:lvl2pPr marL="742950" indent="-285750">
+              <a:defRPr sz="2400">
+                <a:solidFill>
+                  <a:schemeClr val="tx1"/>
+                </a:solidFill>
+                <a:latin typeface="Calibri" pitchFamily="34" charset="0"/>
+                <a:ea typeface="宋体" pitchFamily="2" charset="-122"/>
+              </a:defRPr>
+            </a:lvl2pPr>
+            <a:lvl3pPr>
+              <a:defRPr sz="2000">
+                <a:solidFill>
+                  <a:schemeClr val="tx1"/>
+                </a:solidFill>
+                <a:latin typeface="Calibri" pitchFamily="34" charset="0"/>
+                <a:ea typeface="宋体" pitchFamily="2" charset="-122"/>
+              </a:defRPr>
+            </a:lvl3pPr>
+            <a:lvl4pPr>
+              <a:defRPr>
+                <a:solidFill>
+                  <a:schemeClr val="tx1"/>
+                </a:solidFill>
+                <a:latin typeface="Calibri" pitchFamily="34" charset="0"/>
+                <a:ea typeface="宋体" pitchFamily="2" charset="-122"/>
+              </a:defRPr>
+            </a:lvl4pPr>
+            <a:lvl5pPr>
+              <a:defRPr>
+                <a:solidFill>
+                  <a:schemeClr val="tx1"/>
+                </a:solidFill>
+                <a:latin typeface="Calibri" pitchFamily="34" charset="0"/>
+                <a:ea typeface="宋体" pitchFamily="2" charset="-122"/>
+              </a:defRPr>
+            </a:lvl5pPr>
+            <a:lvl6pPr eaLnBrk="0" fontAlgn="base" hangingPunct="0">
+              <a:spcAft>
+                <a:spcPct val="0"/>
+              </a:spcAft>
+              <a:buFont typeface="Arial" charset="0"/>
+              <a:defRPr>
+                <a:solidFill>
+                  <a:schemeClr val="tx1"/>
+                </a:solidFill>
+                <a:latin typeface="Calibri" pitchFamily="34" charset="0"/>
+                <a:ea typeface="宋体" pitchFamily="2" charset="-122"/>
+              </a:defRPr>
+            </a:lvl6pPr>
+            <a:lvl7pPr eaLnBrk="0" fontAlgn="base" hangingPunct="0">
+              <a:spcAft>
+                <a:spcPct val="0"/>
+              </a:spcAft>
+              <a:buFont typeface="Arial" charset="0"/>
+              <a:defRPr>
+                <a:solidFill>
+                  <a:schemeClr val="tx1"/>
+                </a:solidFill>
+                <a:latin typeface="Calibri" pitchFamily="34" charset="0"/>
+                <a:ea typeface="宋体" pitchFamily="2" charset="-122"/>
+              </a:defRPr>
+            </a:lvl7pPr>
+            <a:lvl8pPr eaLnBrk="0" fontAlgn="base" hangingPunct="0">
+              <a:spcAft>
+                <a:spcPct val="0"/>
+              </a:spcAft>
+              <a:buFont typeface="Arial" charset="0"/>
+              <a:defRPr>
+                <a:solidFill>
+                  <a:schemeClr val="tx1"/>
+                </a:solidFill>
+                <a:latin typeface="Calibri" pitchFamily="34" charset="0"/>
+                <a:ea typeface="宋体" pitchFamily="2" charset="-122"/>
+              </a:defRPr>
+            </a:lvl8pPr>
+            <a:lvl9pPr eaLnBrk="0" fontAlgn="base" hangingPunct="0">
+              <a:spcAft>
+                <a:spcPct val="0"/>
+              </a:spcAft>
+              <a:buFont typeface="Arial" charset="0"/>
+              <a:defRPr>
+                <a:solidFill>
+                  <a:schemeClr val="tx1"/>
+                </a:solidFill>
+                <a:latin typeface="Calibri" pitchFamily="34" charset="0"/>
+                <a:ea typeface="宋体" pitchFamily="2" charset="-122"/>
+              </a:defRPr>
+            </a:lvl9pPr>
+          </a:lstStyle>
+          <a:p>
+            <a:pPr eaLnBrk="1" hangingPunct="1"/>
+            <a:r>
+              <a:rPr lang="zh-CN" altLang="en-US" sz="3200" b="1">
+                <a:solidFill>
+                  <a:srgbClr val="044875"/>
+                </a:solidFill>
+                <a:latin typeface="微软雅黑" pitchFamily="34" charset="-122"/>
+                <a:ea typeface="微软雅黑" pitchFamily="34" charset="-122"/>
+              </a:rPr>
+              <a:t>部分</a:t>
+            </a:r>
+          </a:p>
+        </p:txBody>
+      </p:sp>
+      <p:sp>
+        <p:nvSpPr>
+          <p:cNvPr id="8" name="文本框 7"/>
+          <p:cNvSpPr txBox="1">
+            <a:spLocks noChangeArrowheads="1"/>
+          </p:cNvSpPr>
+          <p:nvPr/>
+        </p:nvSpPr>
+        <p:spPr bwMode="auto">
+          <a:xfrm>
+            <a:off x="3788416" y="3437475"/>
+            <a:ext cx="7697731" cy="1323439"/>
+          </a:xfrm>
+          <a:prstGeom prst="rect">
+            <a:avLst/>
+          </a:prstGeom>
+          <a:noFill/>
+          <a:ln>
+            <a:noFill/>
+          </a:ln>
+          <a:extLst>
+            <a:ext uri="{909E8E84-426E-40DD-AFC4-6F175D3DCCD1}">
+              <a14:hiddenFill xmlns:a14="http://schemas.microsoft.com/office/drawing/2010/main">
+                <a:solidFill>
+                  <a:srgbClr val="FFFFFF"/>
+                </a:solidFill>
+              </a14:hiddenFill>
+            </a:ext>
+            <a:ext uri="{91240B29-F687-4F45-9708-019B960494DF}">
+              <a14:hiddenLine xmlns:a14="http://schemas.microsoft.com/office/drawing/2010/main" w="9525">
+                <a:solidFill>
+                  <a:srgbClr val="000000"/>
+                </a:solidFill>
+                <a:miter lim="800000"/>
+                <a:headEnd/>
+                <a:tailEnd/>
+              </a14:hiddenLine>
+            </a:ext>
+          </a:extLst>
+        </p:spPr>
+        <p:txBody>
+          <a:bodyPr wrap="square">
+            <a:spAutoFit/>
+          </a:bodyPr>
+          <a:lstStyle>
+            <a:lvl1pPr>
+              <a:defRPr sz="2800">
+                <a:solidFill>
+                  <a:schemeClr val="tx1"/>
+                </a:solidFill>
+                <a:latin typeface="Calibri" pitchFamily="34" charset="0"/>
+                <a:ea typeface="宋体" pitchFamily="2" charset="-122"/>
+              </a:defRPr>
+            </a:lvl1pPr>
+            <a:lvl2pPr marL="742950" indent="-285750">
+              <a:defRPr sz="2400">
+                <a:solidFill>
+                  <a:schemeClr val="tx1"/>
+                </a:solidFill>
+                <a:latin typeface="Calibri" pitchFamily="34" charset="0"/>
+                <a:ea typeface="宋体" pitchFamily="2" charset="-122"/>
+              </a:defRPr>
+            </a:lvl2pPr>
+            <a:lvl3pPr>
+              <a:defRPr sz="2000">
+                <a:solidFill>
+                  <a:schemeClr val="tx1"/>
+                </a:solidFill>
+                <a:latin typeface="Calibri" pitchFamily="34" charset="0"/>
+                <a:ea typeface="宋体" pitchFamily="2" charset="-122"/>
+              </a:defRPr>
+            </a:lvl3pPr>
+            <a:lvl4pPr>
+              <a:defRPr>
+                <a:solidFill>
+                  <a:schemeClr val="tx1"/>
+                </a:solidFill>
+                <a:latin typeface="Calibri" pitchFamily="34" charset="0"/>
+                <a:ea typeface="宋体" pitchFamily="2" charset="-122"/>
+              </a:defRPr>
+            </a:lvl4pPr>
+            <a:lvl5pPr>
+              <a:defRPr>
+                <a:solidFill>
+                  <a:schemeClr val="tx1"/>
+                </a:solidFill>
+                <a:latin typeface="Calibri" pitchFamily="34" charset="0"/>
+                <a:ea typeface="宋体" pitchFamily="2" charset="-122"/>
+              </a:defRPr>
+            </a:lvl5pPr>
+            <a:lvl6pPr eaLnBrk="0" fontAlgn="base" hangingPunct="0">
+              <a:spcAft>
+                <a:spcPct val="0"/>
+              </a:spcAft>
+              <a:buFont typeface="Arial" charset="0"/>
+              <a:defRPr>
+                <a:solidFill>
+                  <a:schemeClr val="tx1"/>
+                </a:solidFill>
+                <a:latin typeface="Calibri" pitchFamily="34" charset="0"/>
+                <a:ea typeface="宋体" pitchFamily="2" charset="-122"/>
+              </a:defRPr>
+            </a:lvl6pPr>
+            <a:lvl7pPr eaLnBrk="0" fontAlgn="base" hangingPunct="0">
+              <a:spcAft>
+                <a:spcPct val="0"/>
+              </a:spcAft>
+              <a:buFont typeface="Arial" charset="0"/>
+              <a:defRPr>
+                <a:solidFill>
+                  <a:schemeClr val="tx1"/>
+                </a:solidFill>
+                <a:latin typeface="Calibri" pitchFamily="34" charset="0"/>
+                <a:ea typeface="宋体" pitchFamily="2" charset="-122"/>
+              </a:defRPr>
+            </a:lvl7pPr>
+            <a:lvl8pPr eaLnBrk="0" fontAlgn="base" hangingPunct="0">
+              <a:spcAft>
+                <a:spcPct val="0"/>
+              </a:spcAft>
+              <a:buFont typeface="Arial" charset="0"/>
+              <a:defRPr>
+                <a:solidFill>
+                  <a:schemeClr val="tx1"/>
+                </a:solidFill>
+                <a:latin typeface="Calibri" pitchFamily="34" charset="0"/>
+                <a:ea typeface="宋体" pitchFamily="2" charset="-122"/>
+              </a:defRPr>
+            </a:lvl8pPr>
+            <a:lvl9pPr eaLnBrk="0" fontAlgn="base" hangingPunct="0">
+              <a:spcAft>
+                <a:spcPct val="0"/>
+              </a:spcAft>
+              <a:buFont typeface="Arial" charset="0"/>
+              <a:defRPr>
+                <a:solidFill>
+                  <a:schemeClr val="tx1"/>
+                </a:solidFill>
+                <a:latin typeface="Calibri" pitchFamily="34" charset="0"/>
+                <a:ea typeface="宋体" pitchFamily="2" charset="-122"/>
+              </a:defRPr>
+            </a:lvl9pPr>
+          </a:lstStyle>
+          <a:p>
+            <a:pPr algn="ctr" eaLnBrk="1" hangingPunct="1"/>
+            <a:r>
+              <a:rPr lang="zh-CN" altLang="en-US" sz="4000" b="1" dirty="0">
+                <a:solidFill>
+                  <a:schemeClr val="bg1"/>
+                </a:solidFill>
+                <a:latin typeface="微软雅黑" pitchFamily="34" charset="-122"/>
+                <a:ea typeface="微软雅黑" pitchFamily="34" charset="-122"/>
+              </a:rPr>
+              <a:t>一种静态断点调试和动态跟踪结合的方法</a:t>
+            </a:r>
+          </a:p>
+        </p:txBody>
+      </p:sp>
+      <p:sp>
+        <p:nvSpPr>
+          <p:cNvPr id="9" name="灯片编号占位符 8">
+            <a:extLst>
+              <a:ext uri="{FF2B5EF4-FFF2-40B4-BE49-F238E27FC236}">
+                <a16:creationId xmlns:a16="http://schemas.microsoft.com/office/drawing/2014/main" id="{6E958428-9E6D-4ADB-89D0-EE6C0AC25EC3}"/>
+              </a:ext>
+            </a:extLst>
+          </p:cNvPr>
+          <p:cNvSpPr>
+            <a:spLocks noGrp="1"/>
+          </p:cNvSpPr>
+          <p:nvPr>
+            <p:ph type="sldNum" sz="quarter" idx="12"/>
+          </p:nvPr>
+        </p:nvSpPr>
+        <p:spPr/>
+        <p:txBody>
+          <a:bodyPr/>
+          <a:lstStyle/>
+          <a:p>
+            <a:fld id="{9D55DC8D-C4F0-4F0D-B826-92573808DA56}" type="slidenum">
+              <a:rPr lang="zh-CN" altLang="en-US" smtClean="0">
+                <a:solidFill>
+                  <a:schemeClr val="tx1"/>
+                </a:solidFill>
+              </a:rPr>
+              <a:pPr/>
+              <a:t>11</a:t>
+            </a:fld>
+            <a:endParaRPr lang="zh-CN" altLang="en-US" dirty="0">
+              <a:solidFill>
+                <a:schemeClr val="tx1"/>
+              </a:solidFill>
+            </a:endParaRPr>
+          </a:p>
+        </p:txBody>
+      </p:sp>
+    </p:spTree>
   </p:cSld>
   <p:clrMapOvr>
     <a:masterClrMapping/>
@@ -8771,7 +9378,7 @@
 </p:sld>
 </file>
 
-<file path=ppt/slides/slide11.xml><?xml version="1.0" encoding="utf-8"?>
+<file path=ppt/slides/slide12.xml><?xml version="1.0" encoding="utf-8"?>
 <p:sld xmlns:a="http://schemas.openxmlformats.org/drawingml/2006/main" xmlns:r="http://schemas.openxmlformats.org/officeDocument/2006/relationships" xmlns:p="http://schemas.openxmlformats.org/presentationml/2006/main">
   <p:cSld>
     <p:spTree>
@@ -9222,12 +9829,735 @@
           </a:p>
         </p:txBody>
       </p:sp>
+      <p:sp>
+        <p:nvSpPr>
+          <p:cNvPr id="13" name="文本框 12">
+            <a:extLst>
+              <a:ext uri="{FF2B5EF4-FFF2-40B4-BE49-F238E27FC236}">
+                <a16:creationId xmlns:a16="http://schemas.microsoft.com/office/drawing/2014/main" id="{5BA01ECD-8485-4A35-ABFE-C47C13CE7CAC}"/>
+              </a:ext>
+            </a:extLst>
+          </p:cNvPr>
+          <p:cNvSpPr txBox="1"/>
+          <p:nvPr/>
+        </p:nvSpPr>
+        <p:spPr>
+          <a:xfrm>
+            <a:off x="895973" y="856535"/>
+            <a:ext cx="9774576" cy="1138773"/>
+          </a:xfrm>
+          <a:prstGeom prst="rect">
+            <a:avLst/>
+          </a:prstGeom>
+          <a:noFill/>
+        </p:spPr>
+        <p:txBody>
+          <a:bodyPr wrap="square">
+            <a:spAutoFit/>
+          </a:bodyPr>
+          <a:lstStyle/>
+          <a:p>
+            <a:pPr marL="342900" indent="-342900">
+              <a:buFont typeface="Arial" panose="020B0604020202020204" pitchFamily="34" charset="0"/>
+              <a:buChar char="•"/>
+            </a:pPr>
+            <a:r>
+              <a:rPr lang="zh-CN" altLang="en-US" sz="1600" dirty="0">
+                <a:latin typeface="微软雅黑" panose="020B0503020204020204" pitchFamily="34" charset="-122"/>
+                <a:ea typeface="微软雅黑" panose="020B0503020204020204" pitchFamily="34" charset="-122"/>
+              </a:rPr>
+              <a:t>为了获取到更多的调试信息，并对被调试操作系统中执行的函数各项信息进行动态观测；</a:t>
+            </a:r>
+            <a:endParaRPr lang="en-US" altLang="zh-CN" sz="1600" dirty="0">
+              <a:latin typeface="微软雅黑" panose="020B0503020204020204" pitchFamily="34" charset="-122"/>
+              <a:ea typeface="微软雅黑" panose="020B0503020204020204" pitchFamily="34" charset="-122"/>
+            </a:endParaRPr>
+          </a:p>
+          <a:p>
+            <a:pPr marL="342900" indent="-342900">
+              <a:buFont typeface="Arial" panose="020B0604020202020204" pitchFamily="34" charset="0"/>
+              <a:buChar char="•"/>
+            </a:pPr>
+            <a:endParaRPr lang="en-US" altLang="zh-CN" sz="1600" dirty="0">
+              <a:latin typeface="微软雅黑" panose="020B0503020204020204" pitchFamily="34" charset="-122"/>
+              <a:ea typeface="微软雅黑" panose="020B0503020204020204" pitchFamily="34" charset="-122"/>
+            </a:endParaRPr>
+          </a:p>
+          <a:p>
+            <a:pPr marL="342900" indent="-342900">
+              <a:buFont typeface="Arial" panose="020B0604020202020204" pitchFamily="34" charset="0"/>
+              <a:buChar char="•"/>
+            </a:pPr>
+            <a:r>
+              <a:rPr lang="zh-CN" altLang="en-US" sz="1800" b="1" dirty="0">
+                <a:latin typeface="微软雅黑" panose="020B0503020204020204" pitchFamily="34" charset="-122"/>
+                <a:ea typeface="微软雅黑" panose="020B0503020204020204" pitchFamily="34" charset="-122"/>
+              </a:rPr>
+              <a:t>我们实现了</a:t>
+            </a:r>
+            <a:r>
+              <a:rPr lang="zh-CN" altLang="en-US" sz="1800" b="1" dirty="0">
+                <a:solidFill>
+                  <a:srgbClr val="FF0000"/>
+                </a:solidFill>
+                <a:latin typeface="微软雅黑" panose="020B0503020204020204" pitchFamily="34" charset="-122"/>
+                <a:ea typeface="微软雅黑" panose="020B0503020204020204" pitchFamily="34" charset="-122"/>
+              </a:rPr>
+              <a:t>一种静态断点调试和动态跟踪结合的方法</a:t>
+            </a:r>
+            <a:r>
+              <a:rPr lang="zh-CN" altLang="en-US" sz="1800" b="1" dirty="0">
+                <a:latin typeface="微软雅黑" panose="020B0503020204020204" pitchFamily="34" charset="-122"/>
+                <a:ea typeface="微软雅黑" panose="020B0503020204020204" pitchFamily="34" charset="-122"/>
+              </a:rPr>
+              <a:t>，将</a:t>
+            </a:r>
+            <a:r>
+              <a:rPr lang="en-US" altLang="zh-CN" sz="1800" b="1" dirty="0">
+                <a:solidFill>
+                  <a:schemeClr val="accent1"/>
+                </a:solidFill>
+                <a:latin typeface="微软雅黑" panose="020B0503020204020204" pitchFamily="34" charset="-122"/>
+                <a:ea typeface="微软雅黑" panose="020B0503020204020204" pitchFamily="34" charset="-122"/>
+              </a:rPr>
+              <a:t>GDB</a:t>
+            </a:r>
+            <a:r>
+              <a:rPr lang="zh-CN" altLang="en-US" sz="1800" b="1" dirty="0">
+                <a:solidFill>
+                  <a:schemeClr val="accent1"/>
+                </a:solidFill>
+                <a:latin typeface="微软雅黑" panose="020B0503020204020204" pitchFamily="34" charset="-122"/>
+                <a:ea typeface="微软雅黑" panose="020B0503020204020204" pitchFamily="34" charset="-122"/>
+              </a:rPr>
+              <a:t>的静态断点调试</a:t>
+            </a:r>
+            <a:r>
+              <a:rPr lang="zh-CN" altLang="en-US" sz="1800" b="1" dirty="0">
+                <a:latin typeface="微软雅黑" panose="020B0503020204020204" pitchFamily="34" charset="-122"/>
+                <a:ea typeface="微软雅黑" panose="020B0503020204020204" pitchFamily="34" charset="-122"/>
+              </a:rPr>
+              <a:t>和</a:t>
+            </a:r>
+            <a:r>
+              <a:rPr lang="zh-CN" altLang="en-US" sz="1800" b="1" dirty="0">
+                <a:solidFill>
+                  <a:schemeClr val="accent1"/>
+                </a:solidFill>
+                <a:latin typeface="微软雅黑" panose="020B0503020204020204" pitchFamily="34" charset="-122"/>
+                <a:ea typeface="微软雅黑" panose="020B0503020204020204" pitchFamily="34" charset="-122"/>
+              </a:rPr>
+              <a:t>基于</a:t>
+            </a:r>
+            <a:r>
+              <a:rPr lang="en-US" altLang="zh-CN" sz="1800" b="1" dirty="0" err="1">
+                <a:solidFill>
+                  <a:schemeClr val="accent1"/>
+                </a:solidFill>
+                <a:latin typeface="微软雅黑" panose="020B0503020204020204" pitchFamily="34" charset="-122"/>
+                <a:ea typeface="微软雅黑" panose="020B0503020204020204" pitchFamily="34" charset="-122"/>
+              </a:rPr>
+              <a:t>eBPF</a:t>
+            </a:r>
+            <a:r>
+              <a:rPr lang="zh-CN" altLang="en-US" sz="1800" b="1" dirty="0">
+                <a:solidFill>
+                  <a:schemeClr val="accent1"/>
+                </a:solidFill>
+                <a:latin typeface="微软雅黑" panose="020B0503020204020204" pitchFamily="34" charset="-122"/>
+                <a:ea typeface="微软雅黑" panose="020B0503020204020204" pitchFamily="34" charset="-122"/>
+              </a:rPr>
+              <a:t>和</a:t>
+            </a:r>
+            <a:r>
+              <a:rPr lang="en-US" altLang="zh-CN" sz="1800" b="1" dirty="0" err="1">
+                <a:solidFill>
+                  <a:schemeClr val="accent1"/>
+                </a:solidFill>
+                <a:latin typeface="微软雅黑" panose="020B0503020204020204" pitchFamily="34" charset="-122"/>
+                <a:ea typeface="微软雅黑" panose="020B0503020204020204" pitchFamily="34" charset="-122"/>
+              </a:rPr>
+              <a:t>kprobe</a:t>
+            </a:r>
+            <a:r>
+              <a:rPr lang="zh-CN" altLang="en-US" sz="1800" b="1" dirty="0">
+                <a:solidFill>
+                  <a:schemeClr val="accent1"/>
+                </a:solidFill>
+                <a:latin typeface="微软雅黑" panose="020B0503020204020204" pitchFamily="34" charset="-122"/>
+                <a:ea typeface="微软雅黑" panose="020B0503020204020204" pitchFamily="34" charset="-122"/>
+              </a:rPr>
+              <a:t>的动态跟踪调试</a:t>
+            </a:r>
+            <a:r>
+              <a:rPr lang="zh-CN" altLang="en-US" sz="1800" b="1" dirty="0">
+                <a:latin typeface="微软雅黑" panose="020B0503020204020204" pitchFamily="34" charset="-122"/>
+                <a:ea typeface="微软雅黑" panose="020B0503020204020204" pitchFamily="34" charset="-122"/>
+              </a:rPr>
+              <a:t>结合到了一起。</a:t>
+            </a:r>
+          </a:p>
+        </p:txBody>
+      </p:sp>
+      <p:sp>
+        <p:nvSpPr>
+          <p:cNvPr id="4" name="灯片编号占位符 3">
+            <a:extLst>
+              <a:ext uri="{FF2B5EF4-FFF2-40B4-BE49-F238E27FC236}">
+                <a16:creationId xmlns:a16="http://schemas.microsoft.com/office/drawing/2014/main" id="{208DA896-B37E-4180-AD92-69336E6A6110}"/>
+              </a:ext>
+            </a:extLst>
+          </p:cNvPr>
+          <p:cNvSpPr>
+            <a:spLocks noGrp="1"/>
+          </p:cNvSpPr>
+          <p:nvPr>
+            <p:ph type="sldNum" sz="quarter" idx="12"/>
+          </p:nvPr>
+        </p:nvSpPr>
+        <p:spPr/>
+        <p:txBody>
+          <a:bodyPr/>
+          <a:lstStyle/>
+          <a:p>
+            <a:fld id="{9D55DC8D-C4F0-4F0D-B826-92573808DA56}" type="slidenum">
+              <a:rPr lang="zh-CN" altLang="en-US" smtClean="0"/>
+              <a:pPr/>
+              <a:t>12</a:t>
+            </a:fld>
+            <a:endParaRPr lang="zh-CN" altLang="en-US"/>
+          </a:p>
+        </p:txBody>
+      </p:sp>
+      <p:sp>
+        <p:nvSpPr>
+          <p:cNvPr id="11" name="矩形 10">
+            <a:extLst>
+              <a:ext uri="{FF2B5EF4-FFF2-40B4-BE49-F238E27FC236}">
+                <a16:creationId xmlns:a16="http://schemas.microsoft.com/office/drawing/2014/main" id="{B2C71E03-97E8-47EB-827D-2FDC7A8244B6}"/>
+              </a:ext>
+            </a:extLst>
+          </p:cNvPr>
+          <p:cNvSpPr/>
+          <p:nvPr/>
+        </p:nvSpPr>
+        <p:spPr>
+          <a:xfrm>
+            <a:off x="1008090" y="2167734"/>
+            <a:ext cx="10093977" cy="1800493"/>
+          </a:xfrm>
+          <a:prstGeom prst="rect">
+            <a:avLst/>
+          </a:prstGeom>
+          <a:ln w="19050">
+            <a:solidFill>
+              <a:schemeClr val="bg1">
+                <a:lumMod val="50000"/>
+              </a:schemeClr>
+            </a:solidFill>
+            <a:prstDash val="dash"/>
+          </a:ln>
+        </p:spPr>
+        <p:txBody>
+          <a:bodyPr wrap="square">
+            <a:spAutoFit/>
+          </a:bodyPr>
+          <a:lstStyle>
+            <a:defPPr>
+              <a:defRPr lang="en-US"/>
+            </a:defPPr>
+            <a:lvl1pPr algn="l" rtl="0" eaLnBrk="0" fontAlgn="base" hangingPunct="0">
+              <a:spcBef>
+                <a:spcPct val="0"/>
+              </a:spcBef>
+              <a:spcAft>
+                <a:spcPct val="0"/>
+              </a:spcAft>
+              <a:defRPr sz="2400" b="1" kern="1200">
+                <a:solidFill>
+                  <a:schemeClr val="tx2"/>
+                </a:solidFill>
+                <a:latin typeface="FuturaA Md BT" charset="0"/>
+                <a:ea typeface="华文中宋" panose="02010600040101010101" pitchFamily="2" charset="-122"/>
+                <a:cs typeface="+mn-cs"/>
+              </a:defRPr>
+            </a:lvl1pPr>
+            <a:lvl2pPr marL="457200" algn="l" rtl="0" eaLnBrk="0" fontAlgn="base" hangingPunct="0">
+              <a:spcBef>
+                <a:spcPct val="0"/>
+              </a:spcBef>
+              <a:spcAft>
+                <a:spcPct val="0"/>
+              </a:spcAft>
+              <a:defRPr sz="2400" b="1" kern="1200">
+                <a:solidFill>
+                  <a:schemeClr val="tx2"/>
+                </a:solidFill>
+                <a:latin typeface="FuturaA Md BT" charset="0"/>
+                <a:ea typeface="华文中宋" panose="02010600040101010101" pitchFamily="2" charset="-122"/>
+                <a:cs typeface="+mn-cs"/>
+              </a:defRPr>
+            </a:lvl2pPr>
+            <a:lvl3pPr marL="914400" algn="l" rtl="0" eaLnBrk="0" fontAlgn="base" hangingPunct="0">
+              <a:spcBef>
+                <a:spcPct val="0"/>
+              </a:spcBef>
+              <a:spcAft>
+                <a:spcPct val="0"/>
+              </a:spcAft>
+              <a:defRPr sz="2400" b="1" kern="1200">
+                <a:solidFill>
+                  <a:schemeClr val="tx2"/>
+                </a:solidFill>
+                <a:latin typeface="FuturaA Md BT" charset="0"/>
+                <a:ea typeface="华文中宋" panose="02010600040101010101" pitchFamily="2" charset="-122"/>
+                <a:cs typeface="+mn-cs"/>
+              </a:defRPr>
+            </a:lvl3pPr>
+            <a:lvl4pPr marL="1371600" algn="l" rtl="0" eaLnBrk="0" fontAlgn="base" hangingPunct="0">
+              <a:spcBef>
+                <a:spcPct val="0"/>
+              </a:spcBef>
+              <a:spcAft>
+                <a:spcPct val="0"/>
+              </a:spcAft>
+              <a:defRPr sz="2400" b="1" kern="1200">
+                <a:solidFill>
+                  <a:schemeClr val="tx2"/>
+                </a:solidFill>
+                <a:latin typeface="FuturaA Md BT" charset="0"/>
+                <a:ea typeface="华文中宋" panose="02010600040101010101" pitchFamily="2" charset="-122"/>
+                <a:cs typeface="+mn-cs"/>
+              </a:defRPr>
+            </a:lvl4pPr>
+            <a:lvl5pPr marL="1828800" algn="l" rtl="0" eaLnBrk="0" fontAlgn="base" hangingPunct="0">
+              <a:spcBef>
+                <a:spcPct val="0"/>
+              </a:spcBef>
+              <a:spcAft>
+                <a:spcPct val="0"/>
+              </a:spcAft>
+              <a:defRPr sz="2400" b="1" kern="1200">
+                <a:solidFill>
+                  <a:schemeClr val="tx2"/>
+                </a:solidFill>
+                <a:latin typeface="FuturaA Md BT" charset="0"/>
+                <a:ea typeface="华文中宋" panose="02010600040101010101" pitchFamily="2" charset="-122"/>
+                <a:cs typeface="+mn-cs"/>
+              </a:defRPr>
+            </a:lvl5pPr>
+            <a:lvl6pPr marL="2286000" algn="l" defTabSz="914400" rtl="0" eaLnBrk="1" latinLnBrk="0" hangingPunct="1">
+              <a:defRPr sz="2400" b="1" kern="1200">
+                <a:solidFill>
+                  <a:schemeClr val="tx2"/>
+                </a:solidFill>
+                <a:latin typeface="FuturaA Md BT" charset="0"/>
+                <a:ea typeface="华文中宋" panose="02010600040101010101" pitchFamily="2" charset="-122"/>
+                <a:cs typeface="+mn-cs"/>
+              </a:defRPr>
+            </a:lvl6pPr>
+            <a:lvl7pPr marL="2743200" algn="l" defTabSz="914400" rtl="0" eaLnBrk="1" latinLnBrk="0" hangingPunct="1">
+              <a:defRPr sz="2400" b="1" kern="1200">
+                <a:solidFill>
+                  <a:schemeClr val="tx2"/>
+                </a:solidFill>
+                <a:latin typeface="FuturaA Md BT" charset="0"/>
+                <a:ea typeface="华文中宋" panose="02010600040101010101" pitchFamily="2" charset="-122"/>
+                <a:cs typeface="+mn-cs"/>
+              </a:defRPr>
+            </a:lvl7pPr>
+            <a:lvl8pPr marL="3200400" algn="l" defTabSz="914400" rtl="0" eaLnBrk="1" latinLnBrk="0" hangingPunct="1">
+              <a:defRPr sz="2400" b="1" kern="1200">
+                <a:solidFill>
+                  <a:schemeClr val="tx2"/>
+                </a:solidFill>
+                <a:latin typeface="FuturaA Md BT" charset="0"/>
+                <a:ea typeface="华文中宋" panose="02010600040101010101" pitchFamily="2" charset="-122"/>
+                <a:cs typeface="+mn-cs"/>
+              </a:defRPr>
+            </a:lvl8pPr>
+            <a:lvl9pPr marL="3657600" algn="l" defTabSz="914400" rtl="0" eaLnBrk="1" latinLnBrk="0" hangingPunct="1">
+              <a:defRPr sz="2400" b="1" kern="1200">
+                <a:solidFill>
+                  <a:schemeClr val="tx2"/>
+                </a:solidFill>
+                <a:latin typeface="FuturaA Md BT" charset="0"/>
+                <a:ea typeface="华文中宋" panose="02010600040101010101" pitchFamily="2" charset="-122"/>
+                <a:cs typeface="+mn-cs"/>
+              </a:defRPr>
+            </a:lvl9pPr>
+          </a:lstStyle>
+          <a:p>
+            <a:pPr marL="285750" marR="0" lvl="0" indent="-285750" eaLnBrk="1" fontAlgn="auto" hangingPunct="1">
+              <a:lnSpc>
+                <a:spcPct val="150000"/>
+              </a:lnSpc>
+              <a:spcBef>
+                <a:spcPts val="600"/>
+              </a:spcBef>
+              <a:spcAft>
+                <a:spcPts val="600"/>
+              </a:spcAft>
+              <a:buClrTx/>
+              <a:buSzTx/>
+              <a:buFont typeface="Wingdings" panose="05000000000000000000" pitchFamily="2" charset="2"/>
+              <a:buChar char="ü"/>
+              <a:defRPr/>
+            </a:pPr>
+            <a:r>
+              <a:rPr lang="en-US" altLang="zh-CN" sz="2000" dirty="0" err="1">
+                <a:solidFill>
+                  <a:schemeClr val="accent1">
+                    <a:lumMod val="75000"/>
+                  </a:schemeClr>
+                </a:solidFill>
+                <a:latin typeface="微软雅黑" panose="020B0503020204020204" pitchFamily="34" charset="-122"/>
+                <a:ea typeface="微软雅黑" panose="020B0503020204020204" pitchFamily="34" charset="-122"/>
+                <a:cs typeface="Times New Roman" panose="02020603050405020304" pitchFamily="18" charset="0"/>
+              </a:rPr>
+              <a:t>eBPF</a:t>
+            </a:r>
+            <a:r>
+              <a:rPr lang="zh-CN" altLang="en-US" sz="2000" dirty="0">
+                <a:solidFill>
+                  <a:schemeClr val="accent1">
+                    <a:lumMod val="75000"/>
+                  </a:schemeClr>
+                </a:solidFill>
+                <a:latin typeface="微软雅黑" panose="020B0503020204020204" pitchFamily="34" charset="-122"/>
+                <a:ea typeface="微软雅黑" panose="020B0503020204020204" pitchFamily="34" charset="-122"/>
+                <a:cs typeface="Times New Roman" panose="02020603050405020304" pitchFamily="18" charset="0"/>
+              </a:rPr>
+              <a:t>的数据输出：</a:t>
+            </a:r>
+            <a:endParaRPr lang="en-US" altLang="zh-CN" sz="2000" dirty="0">
+              <a:solidFill>
+                <a:schemeClr val="accent1">
+                  <a:lumMod val="75000"/>
+                </a:schemeClr>
+              </a:solidFill>
+              <a:latin typeface="微软雅黑" panose="020B0503020204020204" pitchFamily="34" charset="-122"/>
+              <a:ea typeface="微软雅黑" panose="020B0503020204020204" pitchFamily="34" charset="-122"/>
+              <a:cs typeface="Times New Roman" panose="02020603050405020304" pitchFamily="18" charset="0"/>
+            </a:endParaRPr>
+          </a:p>
+          <a:p>
+            <a:pPr marL="342900" marR="0" lvl="0" indent="-342900" eaLnBrk="1" fontAlgn="auto" hangingPunct="1">
+              <a:spcBef>
+                <a:spcPts val="600"/>
+              </a:spcBef>
+              <a:spcAft>
+                <a:spcPts val="600"/>
+              </a:spcAft>
+              <a:buClrTx/>
+              <a:buSzTx/>
+              <a:buFont typeface="+mj-lt"/>
+              <a:buAutoNum type="arabicPeriod"/>
+              <a:defRPr/>
+            </a:pPr>
+            <a:r>
+              <a:rPr lang="zh-CN" altLang="en-US" sz="1700" b="0" dirty="0">
+                <a:solidFill>
+                  <a:schemeClr val="tx1"/>
+                </a:solidFill>
+                <a:latin typeface="微软雅黑" panose="020B0503020204020204" pitchFamily="34" charset="-122"/>
+                <a:ea typeface="微软雅黑" panose="020B0503020204020204" pitchFamily="34" charset="-122"/>
+                <a:cs typeface="Times New Roman" panose="02020603050405020304" pitchFamily="18" charset="0"/>
+              </a:rPr>
+              <a:t>为了在调试界面进行</a:t>
+            </a:r>
+            <a:r>
+              <a:rPr lang="en-US" altLang="zh-CN" sz="1700" b="0" dirty="0" err="1">
+                <a:solidFill>
+                  <a:schemeClr val="tx1"/>
+                </a:solidFill>
+                <a:latin typeface="微软雅黑" panose="020B0503020204020204" pitchFamily="34" charset="-122"/>
+                <a:ea typeface="微软雅黑" panose="020B0503020204020204" pitchFamily="34" charset="-122"/>
+                <a:cs typeface="Times New Roman" panose="02020603050405020304" pitchFamily="18" charset="0"/>
+              </a:rPr>
+              <a:t>eBPF</a:t>
+            </a:r>
+            <a:r>
+              <a:rPr lang="zh-CN" altLang="en-US" sz="1700" b="0" dirty="0">
+                <a:solidFill>
+                  <a:schemeClr val="tx1"/>
+                </a:solidFill>
+                <a:latin typeface="微软雅黑" panose="020B0503020204020204" pitchFamily="34" charset="-122"/>
+                <a:ea typeface="微软雅黑" panose="020B0503020204020204" pitchFamily="34" charset="-122"/>
+                <a:cs typeface="Times New Roman" panose="02020603050405020304" pitchFamily="18" charset="0"/>
+              </a:rPr>
+              <a:t>调试， </a:t>
+            </a:r>
+            <a:r>
+              <a:rPr lang="en-US" altLang="zh-CN" sz="1700" b="0" dirty="0" err="1">
+                <a:solidFill>
+                  <a:schemeClr val="tx1"/>
+                </a:solidFill>
+                <a:latin typeface="微软雅黑" panose="020B0503020204020204" pitchFamily="34" charset="-122"/>
+                <a:ea typeface="微软雅黑" panose="020B0503020204020204" pitchFamily="34" charset="-122"/>
+                <a:cs typeface="Times New Roman" panose="02020603050405020304" pitchFamily="18" charset="0"/>
+              </a:rPr>
+              <a:t>eBPF</a:t>
+            </a:r>
+            <a:r>
+              <a:rPr lang="en-US" altLang="zh-CN" sz="1700" b="0" dirty="0">
+                <a:solidFill>
+                  <a:schemeClr val="tx1"/>
+                </a:solidFill>
+                <a:latin typeface="微软雅黑" panose="020B0503020204020204" pitchFamily="34" charset="-122"/>
+                <a:ea typeface="微软雅黑" panose="020B0503020204020204" pitchFamily="34" charset="-122"/>
+                <a:cs typeface="Times New Roman" panose="02020603050405020304" pitchFamily="18" charset="0"/>
+              </a:rPr>
+              <a:t> </a:t>
+            </a:r>
+            <a:r>
+              <a:rPr lang="zh-CN" altLang="en-US" sz="1700" b="0" dirty="0">
+                <a:solidFill>
+                  <a:schemeClr val="tx1"/>
+                </a:solidFill>
+                <a:latin typeface="微软雅黑" panose="020B0503020204020204" pitchFamily="34" charset="-122"/>
+                <a:ea typeface="微软雅黑" panose="020B0503020204020204" pitchFamily="34" charset="-122"/>
+                <a:cs typeface="Times New Roman" panose="02020603050405020304" pitchFamily="18" charset="0"/>
+              </a:rPr>
+              <a:t>调试数据需要</a:t>
+            </a:r>
+            <a:r>
+              <a:rPr lang="zh-CN" altLang="en-US" sz="1700" b="0" dirty="0">
+                <a:solidFill>
+                  <a:srgbClr val="FF0000"/>
+                </a:solidFill>
+                <a:latin typeface="微软雅黑" panose="020B0503020204020204" pitchFamily="34" charset="-122"/>
+                <a:ea typeface="微软雅黑" panose="020B0503020204020204" pitchFamily="34" charset="-122"/>
+                <a:cs typeface="Times New Roman" panose="02020603050405020304" pitchFamily="18" charset="0"/>
+              </a:rPr>
+              <a:t>输出到 </a:t>
+            </a:r>
+            <a:r>
+              <a:rPr lang="en-US" altLang="zh-CN" sz="1700" b="0" dirty="0" err="1">
+                <a:solidFill>
+                  <a:srgbClr val="FF0000"/>
+                </a:solidFill>
+                <a:latin typeface="微软雅黑" panose="020B0503020204020204" pitchFamily="34" charset="-122"/>
+                <a:ea typeface="微软雅黑" panose="020B0503020204020204" pitchFamily="34" charset="-122"/>
+                <a:cs typeface="Times New Roman" panose="02020603050405020304" pitchFamily="18" charset="0"/>
+              </a:rPr>
+              <a:t>VSCode</a:t>
+            </a:r>
+            <a:r>
+              <a:rPr lang="zh-CN" altLang="en-US" sz="1700" b="0" dirty="0">
+                <a:solidFill>
+                  <a:srgbClr val="FF0000"/>
+                </a:solidFill>
+                <a:latin typeface="微软雅黑" panose="020B0503020204020204" pitchFamily="34" charset="-122"/>
+                <a:ea typeface="微软雅黑" panose="020B0503020204020204" pitchFamily="34" charset="-122"/>
+                <a:cs typeface="Times New Roman" panose="02020603050405020304" pitchFamily="18" charset="0"/>
+              </a:rPr>
+              <a:t>。</a:t>
+            </a:r>
+          </a:p>
+          <a:p>
+            <a:pPr marL="342900" marR="0" lvl="0" indent="-342900" eaLnBrk="1" fontAlgn="auto" hangingPunct="1">
+              <a:spcBef>
+                <a:spcPts val="600"/>
+              </a:spcBef>
+              <a:spcAft>
+                <a:spcPts val="600"/>
+              </a:spcAft>
+              <a:buClrTx/>
+              <a:buSzTx/>
+              <a:buFont typeface="+mj-lt"/>
+              <a:buAutoNum type="arabicPeriod"/>
+              <a:defRPr/>
+            </a:pPr>
+            <a:r>
+              <a:rPr lang="zh-CN" altLang="en-US" sz="1700" b="0" dirty="0">
+                <a:solidFill>
+                  <a:schemeClr val="tx1"/>
+                </a:solidFill>
+                <a:latin typeface="微软雅黑" panose="020B0503020204020204" pitchFamily="34" charset="-122"/>
+                <a:ea typeface="微软雅黑" panose="020B0503020204020204" pitchFamily="34" charset="-122"/>
+                <a:cs typeface="Times New Roman" panose="02020603050405020304" pitchFamily="18" charset="0"/>
+              </a:rPr>
+              <a:t>使用</a:t>
+            </a:r>
+            <a:r>
+              <a:rPr lang="zh-CN" altLang="en-US" sz="1700" b="0" dirty="0">
+                <a:solidFill>
+                  <a:srgbClr val="FF0000"/>
+                </a:solidFill>
+                <a:latin typeface="微软雅黑" panose="020B0503020204020204" pitchFamily="34" charset="-122"/>
+                <a:ea typeface="微软雅黑" panose="020B0503020204020204" pitchFamily="34" charset="-122"/>
+                <a:cs typeface="Times New Roman" panose="02020603050405020304" pitchFamily="18" charset="0"/>
+              </a:rPr>
+              <a:t>专用串口</a:t>
+            </a:r>
+            <a:r>
+              <a:rPr lang="zh-CN" altLang="en-US" sz="1700" b="0" dirty="0">
+                <a:solidFill>
+                  <a:schemeClr val="tx1"/>
+                </a:solidFill>
+                <a:latin typeface="微软雅黑" panose="020B0503020204020204" pitchFamily="34" charset="-122"/>
+                <a:ea typeface="微软雅黑" panose="020B0503020204020204" pitchFamily="34" charset="-122"/>
+                <a:cs typeface="Times New Roman" panose="02020603050405020304" pitchFamily="18" charset="0"/>
+              </a:rPr>
+              <a:t>进行信息输出。</a:t>
+            </a:r>
+          </a:p>
+          <a:p>
+            <a:pPr marL="342900" marR="0" lvl="0" indent="-342900" eaLnBrk="1" fontAlgn="auto" hangingPunct="1">
+              <a:spcBef>
+                <a:spcPts val="600"/>
+              </a:spcBef>
+              <a:spcAft>
+                <a:spcPts val="600"/>
+              </a:spcAft>
+              <a:buClrTx/>
+              <a:buSzTx/>
+              <a:buFont typeface="+mj-lt"/>
+              <a:buAutoNum type="arabicPeriod"/>
+              <a:defRPr/>
+            </a:pPr>
+            <a:r>
+              <a:rPr lang="zh-CN" altLang="en-US" sz="1700" b="0" dirty="0">
+                <a:solidFill>
+                  <a:schemeClr val="tx1"/>
+                </a:solidFill>
+                <a:latin typeface="微软雅黑" panose="020B0503020204020204" pitchFamily="34" charset="-122"/>
+                <a:ea typeface="微软雅黑" panose="020B0503020204020204" pitchFamily="34" charset="-122"/>
+                <a:cs typeface="Times New Roman" panose="02020603050405020304" pitchFamily="18" charset="0"/>
+              </a:rPr>
+              <a:t>为了和原有的</a:t>
+            </a:r>
+            <a:r>
+              <a:rPr lang="en-US" altLang="zh-CN" sz="1700" b="0" dirty="0">
+                <a:solidFill>
+                  <a:schemeClr val="tx1"/>
+                </a:solidFill>
+                <a:latin typeface="微软雅黑" panose="020B0503020204020204" pitchFamily="34" charset="-122"/>
+                <a:ea typeface="微软雅黑" panose="020B0503020204020204" pitchFamily="34" charset="-122"/>
+                <a:cs typeface="Times New Roman" panose="02020603050405020304" pitchFamily="18" charset="0"/>
+              </a:rPr>
+              <a:t>GDB</a:t>
+            </a:r>
+            <a:r>
+              <a:rPr lang="zh-CN" altLang="en-US" sz="1700" b="0" dirty="0">
+                <a:solidFill>
+                  <a:schemeClr val="tx1"/>
+                </a:solidFill>
+                <a:latin typeface="微软雅黑" panose="020B0503020204020204" pitchFamily="34" charset="-122"/>
+                <a:ea typeface="微软雅黑" panose="020B0503020204020204" pitchFamily="34" charset="-122"/>
+                <a:cs typeface="Times New Roman" panose="02020603050405020304" pitchFamily="18" charset="0"/>
+              </a:rPr>
+              <a:t>断点配合使用，</a:t>
+            </a:r>
+            <a:r>
+              <a:rPr lang="en-US" altLang="zh-CN" sz="1700" b="0" dirty="0">
+                <a:solidFill>
+                  <a:schemeClr val="tx1"/>
+                </a:solidFill>
+                <a:latin typeface="微软雅黑" panose="020B0503020204020204" pitchFamily="34" charset="-122"/>
+                <a:ea typeface="微软雅黑" panose="020B0503020204020204" pitchFamily="34" charset="-122"/>
+                <a:cs typeface="Times New Roman" panose="02020603050405020304" pitchFamily="18" charset="0"/>
+              </a:rPr>
+              <a:t> </a:t>
+            </a:r>
+            <a:r>
+              <a:rPr lang="en-US" altLang="zh-CN" sz="1700" b="0" dirty="0" err="1">
+                <a:solidFill>
+                  <a:schemeClr val="tx1"/>
+                </a:solidFill>
+                <a:latin typeface="微软雅黑" panose="020B0503020204020204" pitchFamily="34" charset="-122"/>
+                <a:ea typeface="微软雅黑" panose="020B0503020204020204" pitchFamily="34" charset="-122"/>
+                <a:cs typeface="Times New Roman" panose="02020603050405020304" pitchFamily="18" charset="0"/>
+              </a:rPr>
+              <a:t>eBPF</a:t>
+            </a:r>
+            <a:r>
+              <a:rPr lang="zh-CN" altLang="en-US" sz="1700" b="0" dirty="0">
+                <a:solidFill>
+                  <a:schemeClr val="tx1"/>
+                </a:solidFill>
+                <a:latin typeface="微软雅黑" panose="020B0503020204020204" pitchFamily="34" charset="-122"/>
+                <a:ea typeface="微软雅黑" panose="020B0503020204020204" pitchFamily="34" charset="-122"/>
+                <a:cs typeface="Times New Roman" panose="02020603050405020304" pitchFamily="18" charset="0"/>
+              </a:rPr>
+              <a:t>处理模块将调试数据输入</a:t>
+            </a:r>
+            <a:r>
+              <a:rPr lang="en-US" altLang="zh-CN" sz="1700" b="0" dirty="0">
+                <a:solidFill>
+                  <a:schemeClr val="tx1"/>
+                </a:solidFill>
+                <a:latin typeface="微软雅黑" panose="020B0503020204020204" pitchFamily="34" charset="-122"/>
+                <a:ea typeface="微软雅黑" panose="020B0503020204020204" pitchFamily="34" charset="-122"/>
+                <a:cs typeface="Times New Roman" panose="02020603050405020304" pitchFamily="18" charset="0"/>
+              </a:rPr>
+              <a:t>GDB</a:t>
+            </a:r>
+            <a:r>
+              <a:rPr lang="zh-CN" altLang="en-US" sz="1700" b="0" dirty="0">
+                <a:solidFill>
+                  <a:schemeClr val="tx1"/>
+                </a:solidFill>
+                <a:latin typeface="微软雅黑" panose="020B0503020204020204" pitchFamily="34" charset="-122"/>
+                <a:ea typeface="微软雅黑" panose="020B0503020204020204" pitchFamily="34" charset="-122"/>
+                <a:cs typeface="Times New Roman" panose="02020603050405020304" pitchFamily="18" charset="0"/>
+              </a:rPr>
+              <a:t>，再由</a:t>
+            </a:r>
+            <a:r>
+              <a:rPr lang="en-US" altLang="zh-CN" sz="1700" b="0" dirty="0">
+                <a:solidFill>
+                  <a:schemeClr val="tx1"/>
+                </a:solidFill>
+                <a:latin typeface="微软雅黑" panose="020B0503020204020204" pitchFamily="34" charset="-122"/>
+                <a:ea typeface="微软雅黑" panose="020B0503020204020204" pitchFamily="34" charset="-122"/>
+                <a:cs typeface="Times New Roman" panose="02020603050405020304" pitchFamily="18" charset="0"/>
+              </a:rPr>
+              <a:t>GDB</a:t>
+            </a:r>
+            <a:r>
+              <a:rPr lang="zh-CN" altLang="en-US" sz="1700" b="0" dirty="0">
+                <a:solidFill>
+                  <a:schemeClr val="tx1"/>
+                </a:solidFill>
+                <a:latin typeface="微软雅黑" panose="020B0503020204020204" pitchFamily="34" charset="-122"/>
+                <a:ea typeface="微软雅黑" panose="020B0503020204020204" pitchFamily="34" charset="-122"/>
+                <a:cs typeface="Times New Roman" panose="02020603050405020304" pitchFamily="18" charset="0"/>
+              </a:rPr>
+              <a:t>输送到 </a:t>
+            </a:r>
+            <a:r>
+              <a:rPr lang="en-US" altLang="zh-CN" sz="1700" b="0" dirty="0" err="1">
+                <a:solidFill>
+                  <a:schemeClr val="tx1"/>
+                </a:solidFill>
+                <a:latin typeface="微软雅黑" panose="020B0503020204020204" pitchFamily="34" charset="-122"/>
+                <a:ea typeface="微软雅黑" panose="020B0503020204020204" pitchFamily="34" charset="-122"/>
+                <a:cs typeface="Times New Roman" panose="02020603050405020304" pitchFamily="18" charset="0"/>
+              </a:rPr>
+              <a:t>VSCode</a:t>
+            </a:r>
+            <a:r>
+              <a:rPr lang="zh-CN" altLang="en-US" sz="1700" b="0" dirty="0">
+                <a:solidFill>
+                  <a:schemeClr val="tx1"/>
+                </a:solidFill>
+                <a:latin typeface="微软雅黑" panose="020B0503020204020204" pitchFamily="34" charset="-122"/>
+                <a:ea typeface="微软雅黑" panose="020B0503020204020204" pitchFamily="34" charset="-122"/>
+                <a:cs typeface="Times New Roman" panose="02020603050405020304" pitchFamily="18" charset="0"/>
+              </a:rPr>
+              <a:t>。</a:t>
+            </a:r>
+          </a:p>
+        </p:txBody>
+      </p:sp>
       <p:pic>
         <p:nvPicPr>
-          <p:cNvPr id="11" name="图片 10">
+          <p:cNvPr id="12" name="图片 11">
             <a:extLst>
               <a:ext uri="{FF2B5EF4-FFF2-40B4-BE49-F238E27FC236}">
-                <a16:creationId xmlns:a16="http://schemas.microsoft.com/office/drawing/2014/main" id="{5C324340-CAC2-41B6-9D82-F519310D1479}"/>
+                <a16:creationId xmlns:a16="http://schemas.microsoft.com/office/drawing/2014/main" id="{5A3AD58A-3AB5-4309-9929-51AB281D28A0}"/>
               </a:ext>
             </a:extLst>
           </p:cNvPr>
@@ -9244,230 +10574,18 @@
         </p:blipFill>
         <p:spPr>
           <a:xfrm>
-            <a:off x="342311" y="1013813"/>
-            <a:ext cx="7743451" cy="2170327"/>
+            <a:off x="235859" y="4394598"/>
+            <a:ext cx="11720282" cy="1800493"/>
           </a:xfrm>
           <a:prstGeom prst="rect">
             <a:avLst/>
           </a:prstGeom>
         </p:spPr>
       </p:pic>
-      <p:pic>
-        <p:nvPicPr>
-          <p:cNvPr id="20" name="图片 19">
-            <a:extLst>
-              <a:ext uri="{FF2B5EF4-FFF2-40B4-BE49-F238E27FC236}">
-                <a16:creationId xmlns:a16="http://schemas.microsoft.com/office/drawing/2014/main" id="{7F8B50B3-CAE4-479B-8082-92456CB489FB}"/>
-              </a:ext>
-            </a:extLst>
-          </p:cNvPr>
-          <p:cNvPicPr>
-            <a:picLocks noChangeAspect="1"/>
-          </p:cNvPicPr>
-          <p:nvPr/>
-        </p:nvPicPr>
-        <p:blipFill>
-          <a:blip r:embed="rId4"/>
-          <a:stretch>
-            <a:fillRect/>
-          </a:stretch>
-        </p:blipFill>
-        <p:spPr>
-          <a:xfrm>
-            <a:off x="6948594" y="3501551"/>
-            <a:ext cx="5302577" cy="2662943"/>
-          </a:xfrm>
-          <a:prstGeom prst="rect">
-            <a:avLst/>
-          </a:prstGeom>
-        </p:spPr>
-      </p:pic>
-      <p:sp>
-        <p:nvSpPr>
-          <p:cNvPr id="22" name="文本框 21">
-            <a:extLst>
-              <a:ext uri="{FF2B5EF4-FFF2-40B4-BE49-F238E27FC236}">
-                <a16:creationId xmlns:a16="http://schemas.microsoft.com/office/drawing/2014/main" id="{839AD20F-B0D1-4204-BEF0-F2E4A064C00A}"/>
-              </a:ext>
-            </a:extLst>
-          </p:cNvPr>
-          <p:cNvSpPr txBox="1"/>
-          <p:nvPr/>
-        </p:nvSpPr>
-        <p:spPr>
-          <a:xfrm>
-            <a:off x="369974" y="4007141"/>
-            <a:ext cx="6523985" cy="1631216"/>
-          </a:xfrm>
-          <a:prstGeom prst="rect">
-            <a:avLst/>
-          </a:prstGeom>
-          <a:noFill/>
-        </p:spPr>
-        <p:txBody>
-          <a:bodyPr wrap="square" rtlCol="0">
-            <a:spAutoFit/>
-          </a:bodyPr>
-          <a:lstStyle/>
-          <a:p>
-            <a:r>
-              <a:rPr lang="zh-CN" altLang="en-US" sz="2000" dirty="0">
-                <a:latin typeface="微软雅黑" panose="020B0503020204020204" pitchFamily="34" charset="-122"/>
-                <a:ea typeface="微软雅黑" panose="020B0503020204020204" pitchFamily="34" charset="-122"/>
-              </a:rPr>
-              <a:t>基于</a:t>
-            </a:r>
-            <a:r>
-              <a:rPr lang="en-US" altLang="zh-CN" sz="2000" dirty="0" err="1">
-                <a:latin typeface="微软雅黑" panose="020B0503020204020204" pitchFamily="34" charset="-122"/>
-                <a:ea typeface="微软雅黑" panose="020B0503020204020204" pitchFamily="34" charset="-122"/>
-              </a:rPr>
-              <a:t>VSCode</a:t>
-            </a:r>
-            <a:r>
-              <a:rPr lang="zh-CN" altLang="en-US" sz="2000" dirty="0">
-                <a:latin typeface="微软雅黑" panose="020B0503020204020204" pitchFamily="34" charset="-122"/>
-                <a:ea typeface="微软雅黑" panose="020B0503020204020204" pitchFamily="34" charset="-122"/>
-              </a:rPr>
-              <a:t>提供的</a:t>
-            </a:r>
-            <a:r>
-              <a:rPr lang="zh-CN" altLang="en-US" sz="2000" dirty="0">
-                <a:solidFill>
-                  <a:srgbClr val="FF0000"/>
-                </a:solidFill>
-                <a:latin typeface="微软雅黑" panose="020B0503020204020204" pitchFamily="34" charset="-122"/>
-                <a:ea typeface="微软雅黑" panose="020B0503020204020204" pitchFamily="34" charset="-122"/>
-              </a:rPr>
-              <a:t>调试适配器协议</a:t>
-            </a:r>
-            <a:r>
-              <a:rPr lang="zh-CN" altLang="en-US" sz="2000" dirty="0">
-                <a:latin typeface="微软雅黑" panose="020B0503020204020204" pitchFamily="34" charset="-122"/>
-                <a:ea typeface="微软雅黑" panose="020B0503020204020204" pitchFamily="34" charset="-122"/>
-              </a:rPr>
-              <a:t>，设计了调试器架构</a:t>
-            </a:r>
-            <a:endParaRPr lang="en-US" altLang="zh-CN" sz="2000" dirty="0">
-              <a:latin typeface="微软雅黑" panose="020B0503020204020204" pitchFamily="34" charset="-122"/>
-              <a:ea typeface="微软雅黑" panose="020B0503020204020204" pitchFamily="34" charset="-122"/>
-            </a:endParaRPr>
-          </a:p>
-          <a:p>
-            <a:endParaRPr lang="en-US" altLang="zh-CN" sz="2000" dirty="0">
-              <a:latin typeface="微软雅黑" panose="020B0503020204020204" pitchFamily="34" charset="-122"/>
-              <a:ea typeface="微软雅黑" panose="020B0503020204020204" pitchFamily="34" charset="-122"/>
-            </a:endParaRPr>
-          </a:p>
-          <a:p>
-            <a:r>
-              <a:rPr lang="zh-CN" altLang="en-US" sz="2000" dirty="0">
-                <a:latin typeface="微软雅黑" panose="020B0503020204020204" pitchFamily="34" charset="-122"/>
-                <a:ea typeface="微软雅黑" panose="020B0503020204020204" pitchFamily="34" charset="-122"/>
-              </a:rPr>
-              <a:t>在操作系统中收集的调试信息（包括</a:t>
-            </a:r>
-            <a:r>
-              <a:rPr lang="en-US" altLang="zh-CN" sz="2000" dirty="0">
-                <a:solidFill>
-                  <a:srgbClr val="FF0000"/>
-                </a:solidFill>
-                <a:latin typeface="微软雅黑" panose="020B0503020204020204" pitchFamily="34" charset="-122"/>
-                <a:ea typeface="微软雅黑" panose="020B0503020204020204" pitchFamily="34" charset="-122"/>
-              </a:rPr>
-              <a:t>GDB</a:t>
-            </a:r>
-            <a:r>
-              <a:rPr lang="zh-CN" altLang="en-US" sz="2000" dirty="0">
-                <a:solidFill>
-                  <a:srgbClr val="FF0000"/>
-                </a:solidFill>
-                <a:latin typeface="微软雅黑" panose="020B0503020204020204" pitchFamily="34" charset="-122"/>
-                <a:ea typeface="微软雅黑" panose="020B0503020204020204" pitchFamily="34" charset="-122"/>
-              </a:rPr>
-              <a:t>服务器和</a:t>
-            </a:r>
-            <a:r>
-              <a:rPr lang="en-US" altLang="zh-CN" sz="2000" dirty="0" err="1">
-                <a:solidFill>
-                  <a:srgbClr val="FF0000"/>
-                </a:solidFill>
-                <a:latin typeface="微软雅黑" panose="020B0503020204020204" pitchFamily="34" charset="-122"/>
-                <a:ea typeface="微软雅黑" panose="020B0503020204020204" pitchFamily="34" charset="-122"/>
-              </a:rPr>
-              <a:t>eBPF</a:t>
-            </a:r>
-            <a:r>
-              <a:rPr lang="zh-CN" altLang="en-US" sz="2000" dirty="0">
-                <a:solidFill>
-                  <a:srgbClr val="FF0000"/>
-                </a:solidFill>
-                <a:latin typeface="微软雅黑" panose="020B0503020204020204" pitchFamily="34" charset="-122"/>
-                <a:ea typeface="微软雅黑" panose="020B0503020204020204" pitchFamily="34" charset="-122"/>
-              </a:rPr>
-              <a:t>收集到的</a:t>
-            </a:r>
-            <a:r>
-              <a:rPr lang="zh-CN" altLang="en-US" sz="2000" dirty="0">
-                <a:latin typeface="微软雅黑" panose="020B0503020204020204" pitchFamily="34" charset="-122"/>
-                <a:ea typeface="微软雅黑" panose="020B0503020204020204" pitchFamily="34" charset="-122"/>
-              </a:rPr>
-              <a:t>）都由</a:t>
-            </a:r>
-            <a:r>
-              <a:rPr lang="en-US" altLang="zh-CN" sz="2000" dirty="0">
-                <a:solidFill>
-                  <a:srgbClr val="FF0000"/>
-                </a:solidFill>
-                <a:latin typeface="微软雅黑" panose="020B0503020204020204" pitchFamily="34" charset="-122"/>
-                <a:ea typeface="微软雅黑" panose="020B0503020204020204" pitchFamily="34" charset="-122"/>
-              </a:rPr>
-              <a:t>GDB</a:t>
-            </a:r>
-            <a:r>
-              <a:rPr lang="zh-CN" altLang="en-US" sz="2000" dirty="0">
-                <a:latin typeface="微软雅黑" panose="020B0503020204020204" pitchFamily="34" charset="-122"/>
-                <a:ea typeface="微软雅黑" panose="020B0503020204020204" pitchFamily="34" charset="-122"/>
-              </a:rPr>
-              <a:t>传递给调试适配器，再由调试适配器传递给用户。</a:t>
-            </a:r>
-          </a:p>
-        </p:txBody>
-      </p:sp>
-      <p:sp>
-        <p:nvSpPr>
-          <p:cNvPr id="4" name="灯片编号占位符 3">
-            <a:extLst>
-              <a:ext uri="{FF2B5EF4-FFF2-40B4-BE49-F238E27FC236}">
-                <a16:creationId xmlns:a16="http://schemas.microsoft.com/office/drawing/2014/main" id="{916361BF-4CDB-4E5C-991F-58BE4C4BE6F9}"/>
-              </a:ext>
-            </a:extLst>
-          </p:cNvPr>
-          <p:cNvSpPr>
-            <a:spLocks noGrp="1"/>
-          </p:cNvSpPr>
-          <p:nvPr>
-            <p:ph type="sldNum" sz="quarter" idx="12"/>
-          </p:nvPr>
-        </p:nvSpPr>
-        <p:spPr/>
-        <p:txBody>
-          <a:bodyPr/>
-          <a:lstStyle/>
-          <a:p>
-            <a:fld id="{9D55DC8D-C4F0-4F0D-B826-92573808DA56}" type="slidenum">
-              <a:rPr lang="zh-CN" altLang="en-US" smtClean="0"/>
-              <a:pPr/>
-              <a:t>11</a:t>
-            </a:fld>
-            <a:endParaRPr lang="zh-CN" altLang="en-US"/>
-          </a:p>
-        </p:txBody>
-      </p:sp>
     </p:spTree>
     <p:extLst>
       <p:ext uri="{BB962C8B-B14F-4D97-AF65-F5344CB8AC3E}">
-        <p14:creationId xmlns:p14="http://schemas.microsoft.com/office/powerpoint/2010/main" val="3040419608"/>
+        <p14:creationId xmlns:p14="http://schemas.microsoft.com/office/powerpoint/2010/main" val="1823858322"/>
       </p:ext>
     </p:extLst>
   </p:cSld>
@@ -9477,7 +10595,7 @@
 </p:sld>
 </file>
 
-<file path=ppt/slides/slide12.xml><?xml version="1.0" encoding="utf-8"?>
+<file path=ppt/slides/slide13.xml><?xml version="1.0" encoding="utf-8"?>
 <p:sld xmlns:a="http://schemas.openxmlformats.org/drawingml/2006/main" xmlns:r="http://schemas.openxmlformats.org/officeDocument/2006/relationships" xmlns:p="http://schemas.openxmlformats.org/presentationml/2006/main">
   <p:cSld>
     <p:spTree>
@@ -9928,1053 +11046,6 @@
           </a:p>
         </p:txBody>
       </p:sp>
-      <p:sp>
-        <p:nvSpPr>
-          <p:cNvPr id="13" name="矩形 12">
-            <a:extLst>
-              <a:ext uri="{FF2B5EF4-FFF2-40B4-BE49-F238E27FC236}">
-                <a16:creationId xmlns:a16="http://schemas.microsoft.com/office/drawing/2014/main" id="{140F9DDE-1EF9-4320-8DA3-CD45E959432B}"/>
-              </a:ext>
-            </a:extLst>
-          </p:cNvPr>
-          <p:cNvSpPr/>
-          <p:nvPr/>
-        </p:nvSpPr>
-        <p:spPr>
-          <a:xfrm>
-            <a:off x="736272" y="1033061"/>
-            <a:ext cx="10093977" cy="1800493"/>
-          </a:xfrm>
-          <a:prstGeom prst="rect">
-            <a:avLst/>
-          </a:prstGeom>
-          <a:ln w="19050">
-            <a:solidFill>
-              <a:schemeClr val="bg1">
-                <a:lumMod val="50000"/>
-              </a:schemeClr>
-            </a:solidFill>
-            <a:prstDash val="dash"/>
-          </a:ln>
-        </p:spPr>
-        <p:txBody>
-          <a:bodyPr wrap="square">
-            <a:spAutoFit/>
-          </a:bodyPr>
-          <a:lstStyle>
-            <a:defPPr>
-              <a:defRPr lang="en-US"/>
-            </a:defPPr>
-            <a:lvl1pPr algn="l" rtl="0" eaLnBrk="0" fontAlgn="base" hangingPunct="0">
-              <a:spcBef>
-                <a:spcPct val="0"/>
-              </a:spcBef>
-              <a:spcAft>
-                <a:spcPct val="0"/>
-              </a:spcAft>
-              <a:defRPr sz="2400" b="1" kern="1200">
-                <a:solidFill>
-                  <a:schemeClr val="tx2"/>
-                </a:solidFill>
-                <a:latin typeface="FuturaA Md BT" charset="0"/>
-                <a:ea typeface="华文中宋" panose="02010600040101010101" pitchFamily="2" charset="-122"/>
-                <a:cs typeface="+mn-cs"/>
-              </a:defRPr>
-            </a:lvl1pPr>
-            <a:lvl2pPr marL="457200" algn="l" rtl="0" eaLnBrk="0" fontAlgn="base" hangingPunct="0">
-              <a:spcBef>
-                <a:spcPct val="0"/>
-              </a:spcBef>
-              <a:spcAft>
-                <a:spcPct val="0"/>
-              </a:spcAft>
-              <a:defRPr sz="2400" b="1" kern="1200">
-                <a:solidFill>
-                  <a:schemeClr val="tx2"/>
-                </a:solidFill>
-                <a:latin typeface="FuturaA Md BT" charset="0"/>
-                <a:ea typeface="华文中宋" panose="02010600040101010101" pitchFamily="2" charset="-122"/>
-                <a:cs typeface="+mn-cs"/>
-              </a:defRPr>
-            </a:lvl2pPr>
-            <a:lvl3pPr marL="914400" algn="l" rtl="0" eaLnBrk="0" fontAlgn="base" hangingPunct="0">
-              <a:spcBef>
-                <a:spcPct val="0"/>
-              </a:spcBef>
-              <a:spcAft>
-                <a:spcPct val="0"/>
-              </a:spcAft>
-              <a:defRPr sz="2400" b="1" kern="1200">
-                <a:solidFill>
-                  <a:schemeClr val="tx2"/>
-                </a:solidFill>
-                <a:latin typeface="FuturaA Md BT" charset="0"/>
-                <a:ea typeface="华文中宋" panose="02010600040101010101" pitchFamily="2" charset="-122"/>
-                <a:cs typeface="+mn-cs"/>
-              </a:defRPr>
-            </a:lvl3pPr>
-            <a:lvl4pPr marL="1371600" algn="l" rtl="0" eaLnBrk="0" fontAlgn="base" hangingPunct="0">
-              <a:spcBef>
-                <a:spcPct val="0"/>
-              </a:spcBef>
-              <a:spcAft>
-                <a:spcPct val="0"/>
-              </a:spcAft>
-              <a:defRPr sz="2400" b="1" kern="1200">
-                <a:solidFill>
-                  <a:schemeClr val="tx2"/>
-                </a:solidFill>
-                <a:latin typeface="FuturaA Md BT" charset="0"/>
-                <a:ea typeface="华文中宋" panose="02010600040101010101" pitchFamily="2" charset="-122"/>
-                <a:cs typeface="+mn-cs"/>
-              </a:defRPr>
-            </a:lvl4pPr>
-            <a:lvl5pPr marL="1828800" algn="l" rtl="0" eaLnBrk="0" fontAlgn="base" hangingPunct="0">
-              <a:spcBef>
-                <a:spcPct val="0"/>
-              </a:spcBef>
-              <a:spcAft>
-                <a:spcPct val="0"/>
-              </a:spcAft>
-              <a:defRPr sz="2400" b="1" kern="1200">
-                <a:solidFill>
-                  <a:schemeClr val="tx2"/>
-                </a:solidFill>
-                <a:latin typeface="FuturaA Md BT" charset="0"/>
-                <a:ea typeface="华文中宋" panose="02010600040101010101" pitchFamily="2" charset="-122"/>
-                <a:cs typeface="+mn-cs"/>
-              </a:defRPr>
-            </a:lvl5pPr>
-            <a:lvl6pPr marL="2286000" algn="l" defTabSz="914400" rtl="0" eaLnBrk="1" latinLnBrk="0" hangingPunct="1">
-              <a:defRPr sz="2400" b="1" kern="1200">
-                <a:solidFill>
-                  <a:schemeClr val="tx2"/>
-                </a:solidFill>
-                <a:latin typeface="FuturaA Md BT" charset="0"/>
-                <a:ea typeface="华文中宋" panose="02010600040101010101" pitchFamily="2" charset="-122"/>
-                <a:cs typeface="+mn-cs"/>
-              </a:defRPr>
-            </a:lvl6pPr>
-            <a:lvl7pPr marL="2743200" algn="l" defTabSz="914400" rtl="0" eaLnBrk="1" latinLnBrk="0" hangingPunct="1">
-              <a:defRPr sz="2400" b="1" kern="1200">
-                <a:solidFill>
-                  <a:schemeClr val="tx2"/>
-                </a:solidFill>
-                <a:latin typeface="FuturaA Md BT" charset="0"/>
-                <a:ea typeface="华文中宋" panose="02010600040101010101" pitchFamily="2" charset="-122"/>
-                <a:cs typeface="+mn-cs"/>
-              </a:defRPr>
-            </a:lvl7pPr>
-            <a:lvl8pPr marL="3200400" algn="l" defTabSz="914400" rtl="0" eaLnBrk="1" latinLnBrk="0" hangingPunct="1">
-              <a:defRPr sz="2400" b="1" kern="1200">
-                <a:solidFill>
-                  <a:schemeClr val="tx2"/>
-                </a:solidFill>
-                <a:latin typeface="FuturaA Md BT" charset="0"/>
-                <a:ea typeface="华文中宋" panose="02010600040101010101" pitchFamily="2" charset="-122"/>
-                <a:cs typeface="+mn-cs"/>
-              </a:defRPr>
-            </a:lvl8pPr>
-            <a:lvl9pPr marL="3657600" algn="l" defTabSz="914400" rtl="0" eaLnBrk="1" latinLnBrk="0" hangingPunct="1">
-              <a:defRPr sz="2400" b="1" kern="1200">
-                <a:solidFill>
-                  <a:schemeClr val="tx2"/>
-                </a:solidFill>
-                <a:latin typeface="FuturaA Md BT" charset="0"/>
-                <a:ea typeface="华文中宋" panose="02010600040101010101" pitchFamily="2" charset="-122"/>
-                <a:cs typeface="+mn-cs"/>
-              </a:defRPr>
-            </a:lvl9pPr>
-          </a:lstStyle>
-          <a:p>
-            <a:pPr marL="285750" marR="0" lvl="0" indent="-285750" eaLnBrk="1" fontAlgn="auto" hangingPunct="1">
-              <a:lnSpc>
-                <a:spcPct val="150000"/>
-              </a:lnSpc>
-              <a:spcBef>
-                <a:spcPts val="600"/>
-              </a:spcBef>
-              <a:spcAft>
-                <a:spcPts val="600"/>
-              </a:spcAft>
-              <a:buClrTx/>
-              <a:buSzTx/>
-              <a:buFont typeface="Wingdings" panose="05000000000000000000" pitchFamily="2" charset="2"/>
-              <a:buChar char="ü"/>
-              <a:defRPr/>
-            </a:pPr>
-            <a:r>
-              <a:rPr lang="en-US" altLang="zh-CN" sz="2000" dirty="0" err="1">
-                <a:solidFill>
-                  <a:schemeClr val="accent1">
-                    <a:lumMod val="75000"/>
-                  </a:schemeClr>
-                </a:solidFill>
-                <a:latin typeface="微软雅黑" panose="020B0503020204020204" pitchFamily="34" charset="-122"/>
-                <a:ea typeface="微软雅黑" panose="020B0503020204020204" pitchFamily="34" charset="-122"/>
-                <a:cs typeface="Times New Roman" panose="02020603050405020304" pitchFamily="18" charset="0"/>
-              </a:rPr>
-              <a:t>eBPF</a:t>
-            </a:r>
-            <a:r>
-              <a:rPr lang="zh-CN" altLang="en-US" sz="2000" dirty="0">
-                <a:solidFill>
-                  <a:schemeClr val="accent1">
-                    <a:lumMod val="75000"/>
-                  </a:schemeClr>
-                </a:solidFill>
-                <a:latin typeface="微软雅黑" panose="020B0503020204020204" pitchFamily="34" charset="-122"/>
-                <a:ea typeface="微软雅黑" panose="020B0503020204020204" pitchFamily="34" charset="-122"/>
-                <a:cs typeface="Times New Roman" panose="02020603050405020304" pitchFamily="18" charset="0"/>
-              </a:rPr>
-              <a:t>的数据输出：</a:t>
-            </a:r>
-            <a:endParaRPr lang="en-US" altLang="zh-CN" sz="2000" dirty="0">
-              <a:solidFill>
-                <a:schemeClr val="accent1">
-                  <a:lumMod val="75000"/>
-                </a:schemeClr>
-              </a:solidFill>
-              <a:latin typeface="微软雅黑" panose="020B0503020204020204" pitchFamily="34" charset="-122"/>
-              <a:ea typeface="微软雅黑" panose="020B0503020204020204" pitchFamily="34" charset="-122"/>
-              <a:cs typeface="Times New Roman" panose="02020603050405020304" pitchFamily="18" charset="0"/>
-            </a:endParaRPr>
-          </a:p>
-          <a:p>
-            <a:pPr marL="342900" marR="0" lvl="0" indent="-342900" eaLnBrk="1" fontAlgn="auto" hangingPunct="1">
-              <a:spcBef>
-                <a:spcPts val="600"/>
-              </a:spcBef>
-              <a:spcAft>
-                <a:spcPts val="600"/>
-              </a:spcAft>
-              <a:buClrTx/>
-              <a:buSzTx/>
-              <a:buFont typeface="+mj-lt"/>
-              <a:buAutoNum type="arabicPeriod"/>
-              <a:defRPr/>
-            </a:pPr>
-            <a:r>
-              <a:rPr lang="zh-CN" altLang="en-US" sz="1700" b="0" dirty="0">
-                <a:solidFill>
-                  <a:schemeClr val="tx1"/>
-                </a:solidFill>
-                <a:latin typeface="微软雅黑" panose="020B0503020204020204" pitchFamily="34" charset="-122"/>
-                <a:ea typeface="微软雅黑" panose="020B0503020204020204" pitchFamily="34" charset="-122"/>
-                <a:cs typeface="Times New Roman" panose="02020603050405020304" pitchFamily="18" charset="0"/>
-              </a:rPr>
-              <a:t>为了在调试界面进行</a:t>
-            </a:r>
-            <a:r>
-              <a:rPr lang="en-US" altLang="zh-CN" sz="1700" b="0" dirty="0" err="1">
-                <a:solidFill>
-                  <a:schemeClr val="tx1"/>
-                </a:solidFill>
-                <a:latin typeface="微软雅黑" panose="020B0503020204020204" pitchFamily="34" charset="-122"/>
-                <a:ea typeface="微软雅黑" panose="020B0503020204020204" pitchFamily="34" charset="-122"/>
-                <a:cs typeface="Times New Roman" panose="02020603050405020304" pitchFamily="18" charset="0"/>
-              </a:rPr>
-              <a:t>eBPF</a:t>
-            </a:r>
-            <a:r>
-              <a:rPr lang="zh-CN" altLang="en-US" sz="1700" b="0" dirty="0">
-                <a:solidFill>
-                  <a:schemeClr val="tx1"/>
-                </a:solidFill>
-                <a:latin typeface="微软雅黑" panose="020B0503020204020204" pitchFamily="34" charset="-122"/>
-                <a:ea typeface="微软雅黑" panose="020B0503020204020204" pitchFamily="34" charset="-122"/>
-                <a:cs typeface="Times New Roman" panose="02020603050405020304" pitchFamily="18" charset="0"/>
-              </a:rPr>
-              <a:t>调试， </a:t>
-            </a:r>
-            <a:r>
-              <a:rPr lang="en-US" altLang="zh-CN" sz="1700" b="0" dirty="0" err="1">
-                <a:solidFill>
-                  <a:schemeClr val="tx1"/>
-                </a:solidFill>
-                <a:latin typeface="微软雅黑" panose="020B0503020204020204" pitchFamily="34" charset="-122"/>
-                <a:ea typeface="微软雅黑" panose="020B0503020204020204" pitchFamily="34" charset="-122"/>
-                <a:cs typeface="Times New Roman" panose="02020603050405020304" pitchFamily="18" charset="0"/>
-              </a:rPr>
-              <a:t>eBPF</a:t>
-            </a:r>
-            <a:r>
-              <a:rPr lang="en-US" altLang="zh-CN" sz="1700" b="0" dirty="0">
-                <a:solidFill>
-                  <a:schemeClr val="tx1"/>
-                </a:solidFill>
-                <a:latin typeface="微软雅黑" panose="020B0503020204020204" pitchFamily="34" charset="-122"/>
-                <a:ea typeface="微软雅黑" panose="020B0503020204020204" pitchFamily="34" charset="-122"/>
-                <a:cs typeface="Times New Roman" panose="02020603050405020304" pitchFamily="18" charset="0"/>
-              </a:rPr>
-              <a:t> </a:t>
-            </a:r>
-            <a:r>
-              <a:rPr lang="zh-CN" altLang="en-US" sz="1700" b="0" dirty="0">
-                <a:solidFill>
-                  <a:schemeClr val="tx1"/>
-                </a:solidFill>
-                <a:latin typeface="微软雅黑" panose="020B0503020204020204" pitchFamily="34" charset="-122"/>
-                <a:ea typeface="微软雅黑" panose="020B0503020204020204" pitchFamily="34" charset="-122"/>
-                <a:cs typeface="Times New Roman" panose="02020603050405020304" pitchFamily="18" charset="0"/>
-              </a:rPr>
-              <a:t>调试数据需要</a:t>
-            </a:r>
-            <a:r>
-              <a:rPr lang="zh-CN" altLang="en-US" sz="1700" b="0" dirty="0">
-                <a:solidFill>
-                  <a:srgbClr val="FF0000"/>
-                </a:solidFill>
-                <a:latin typeface="微软雅黑" panose="020B0503020204020204" pitchFamily="34" charset="-122"/>
-                <a:ea typeface="微软雅黑" panose="020B0503020204020204" pitchFamily="34" charset="-122"/>
-                <a:cs typeface="Times New Roman" panose="02020603050405020304" pitchFamily="18" charset="0"/>
-              </a:rPr>
-              <a:t>输出到 </a:t>
-            </a:r>
-            <a:r>
-              <a:rPr lang="en-US" altLang="zh-CN" sz="1700" b="0" dirty="0" err="1">
-                <a:solidFill>
-                  <a:srgbClr val="FF0000"/>
-                </a:solidFill>
-                <a:latin typeface="微软雅黑" panose="020B0503020204020204" pitchFamily="34" charset="-122"/>
-                <a:ea typeface="微软雅黑" panose="020B0503020204020204" pitchFamily="34" charset="-122"/>
-                <a:cs typeface="Times New Roman" panose="02020603050405020304" pitchFamily="18" charset="0"/>
-              </a:rPr>
-              <a:t>VSCode</a:t>
-            </a:r>
-            <a:r>
-              <a:rPr lang="zh-CN" altLang="en-US" sz="1700" b="0" dirty="0">
-                <a:solidFill>
-                  <a:srgbClr val="FF0000"/>
-                </a:solidFill>
-                <a:latin typeface="微软雅黑" panose="020B0503020204020204" pitchFamily="34" charset="-122"/>
-                <a:ea typeface="微软雅黑" panose="020B0503020204020204" pitchFamily="34" charset="-122"/>
-                <a:cs typeface="Times New Roman" panose="02020603050405020304" pitchFamily="18" charset="0"/>
-              </a:rPr>
-              <a:t>。</a:t>
-            </a:r>
-          </a:p>
-          <a:p>
-            <a:pPr marL="342900" marR="0" lvl="0" indent="-342900" eaLnBrk="1" fontAlgn="auto" hangingPunct="1">
-              <a:spcBef>
-                <a:spcPts val="600"/>
-              </a:spcBef>
-              <a:spcAft>
-                <a:spcPts val="600"/>
-              </a:spcAft>
-              <a:buClrTx/>
-              <a:buSzTx/>
-              <a:buFont typeface="+mj-lt"/>
-              <a:buAutoNum type="arabicPeriod"/>
-              <a:defRPr/>
-            </a:pPr>
-            <a:r>
-              <a:rPr lang="zh-CN" altLang="en-US" sz="1700" b="0" dirty="0">
-                <a:solidFill>
-                  <a:schemeClr val="tx1"/>
-                </a:solidFill>
-                <a:latin typeface="微软雅黑" panose="020B0503020204020204" pitchFamily="34" charset="-122"/>
-                <a:ea typeface="微软雅黑" panose="020B0503020204020204" pitchFamily="34" charset="-122"/>
-                <a:cs typeface="Times New Roman" panose="02020603050405020304" pitchFamily="18" charset="0"/>
-              </a:rPr>
-              <a:t>使用</a:t>
-            </a:r>
-            <a:r>
-              <a:rPr lang="zh-CN" altLang="en-US" sz="1700" b="0" dirty="0">
-                <a:solidFill>
-                  <a:srgbClr val="FF0000"/>
-                </a:solidFill>
-                <a:latin typeface="微软雅黑" panose="020B0503020204020204" pitchFamily="34" charset="-122"/>
-                <a:ea typeface="微软雅黑" panose="020B0503020204020204" pitchFamily="34" charset="-122"/>
-                <a:cs typeface="Times New Roman" panose="02020603050405020304" pitchFamily="18" charset="0"/>
-              </a:rPr>
-              <a:t>专用串口</a:t>
-            </a:r>
-            <a:r>
-              <a:rPr lang="zh-CN" altLang="en-US" sz="1700" b="0" dirty="0">
-                <a:solidFill>
-                  <a:schemeClr val="tx1"/>
-                </a:solidFill>
-                <a:latin typeface="微软雅黑" panose="020B0503020204020204" pitchFamily="34" charset="-122"/>
-                <a:ea typeface="微软雅黑" panose="020B0503020204020204" pitchFamily="34" charset="-122"/>
-                <a:cs typeface="Times New Roman" panose="02020603050405020304" pitchFamily="18" charset="0"/>
-              </a:rPr>
-              <a:t>进行信息输出。</a:t>
-            </a:r>
-          </a:p>
-          <a:p>
-            <a:pPr marL="342900" marR="0" lvl="0" indent="-342900" eaLnBrk="1" fontAlgn="auto" hangingPunct="1">
-              <a:spcBef>
-                <a:spcPts val="600"/>
-              </a:spcBef>
-              <a:spcAft>
-                <a:spcPts val="600"/>
-              </a:spcAft>
-              <a:buClrTx/>
-              <a:buSzTx/>
-              <a:buFont typeface="+mj-lt"/>
-              <a:buAutoNum type="arabicPeriod"/>
-              <a:defRPr/>
-            </a:pPr>
-            <a:r>
-              <a:rPr lang="zh-CN" altLang="en-US" sz="1700" b="0" dirty="0">
-                <a:solidFill>
-                  <a:schemeClr val="tx1"/>
-                </a:solidFill>
-                <a:latin typeface="微软雅黑" panose="020B0503020204020204" pitchFamily="34" charset="-122"/>
-                <a:ea typeface="微软雅黑" panose="020B0503020204020204" pitchFamily="34" charset="-122"/>
-                <a:cs typeface="Times New Roman" panose="02020603050405020304" pitchFamily="18" charset="0"/>
-              </a:rPr>
-              <a:t>为了和原有的</a:t>
-            </a:r>
-            <a:r>
-              <a:rPr lang="en-US" altLang="zh-CN" sz="1700" b="0" dirty="0">
-                <a:solidFill>
-                  <a:schemeClr val="tx1"/>
-                </a:solidFill>
-                <a:latin typeface="微软雅黑" panose="020B0503020204020204" pitchFamily="34" charset="-122"/>
-                <a:ea typeface="微软雅黑" panose="020B0503020204020204" pitchFamily="34" charset="-122"/>
-                <a:cs typeface="Times New Roman" panose="02020603050405020304" pitchFamily="18" charset="0"/>
-              </a:rPr>
-              <a:t>GDB</a:t>
-            </a:r>
-            <a:r>
-              <a:rPr lang="zh-CN" altLang="en-US" sz="1700" b="0" dirty="0">
-                <a:solidFill>
-                  <a:schemeClr val="tx1"/>
-                </a:solidFill>
-                <a:latin typeface="微软雅黑" panose="020B0503020204020204" pitchFamily="34" charset="-122"/>
-                <a:ea typeface="微软雅黑" panose="020B0503020204020204" pitchFamily="34" charset="-122"/>
-                <a:cs typeface="Times New Roman" panose="02020603050405020304" pitchFamily="18" charset="0"/>
-              </a:rPr>
-              <a:t>断点配合使用，</a:t>
-            </a:r>
-            <a:r>
-              <a:rPr lang="en-US" altLang="zh-CN" sz="1700" b="0" dirty="0">
-                <a:solidFill>
-                  <a:schemeClr val="tx1"/>
-                </a:solidFill>
-                <a:latin typeface="微软雅黑" panose="020B0503020204020204" pitchFamily="34" charset="-122"/>
-                <a:ea typeface="微软雅黑" panose="020B0503020204020204" pitchFamily="34" charset="-122"/>
-                <a:cs typeface="Times New Roman" panose="02020603050405020304" pitchFamily="18" charset="0"/>
-              </a:rPr>
-              <a:t> </a:t>
-            </a:r>
-            <a:r>
-              <a:rPr lang="en-US" altLang="zh-CN" sz="1700" b="0" dirty="0" err="1">
-                <a:solidFill>
-                  <a:schemeClr val="tx1"/>
-                </a:solidFill>
-                <a:latin typeface="微软雅黑" panose="020B0503020204020204" pitchFamily="34" charset="-122"/>
-                <a:ea typeface="微软雅黑" panose="020B0503020204020204" pitchFamily="34" charset="-122"/>
-                <a:cs typeface="Times New Roman" panose="02020603050405020304" pitchFamily="18" charset="0"/>
-              </a:rPr>
-              <a:t>eBPF</a:t>
-            </a:r>
-            <a:r>
-              <a:rPr lang="zh-CN" altLang="en-US" sz="1700" b="0" dirty="0">
-                <a:solidFill>
-                  <a:schemeClr val="tx1"/>
-                </a:solidFill>
-                <a:latin typeface="微软雅黑" panose="020B0503020204020204" pitchFamily="34" charset="-122"/>
-                <a:ea typeface="微软雅黑" panose="020B0503020204020204" pitchFamily="34" charset="-122"/>
-                <a:cs typeface="Times New Roman" panose="02020603050405020304" pitchFamily="18" charset="0"/>
-              </a:rPr>
-              <a:t>处理模块将调试数据输入</a:t>
-            </a:r>
-            <a:r>
-              <a:rPr lang="en-US" altLang="zh-CN" sz="1700" b="0" dirty="0">
-                <a:solidFill>
-                  <a:schemeClr val="tx1"/>
-                </a:solidFill>
-                <a:latin typeface="微软雅黑" panose="020B0503020204020204" pitchFamily="34" charset="-122"/>
-                <a:ea typeface="微软雅黑" panose="020B0503020204020204" pitchFamily="34" charset="-122"/>
-                <a:cs typeface="Times New Roman" panose="02020603050405020304" pitchFamily="18" charset="0"/>
-              </a:rPr>
-              <a:t>GDB</a:t>
-            </a:r>
-            <a:r>
-              <a:rPr lang="zh-CN" altLang="en-US" sz="1700" b="0" dirty="0">
-                <a:solidFill>
-                  <a:schemeClr val="tx1"/>
-                </a:solidFill>
-                <a:latin typeface="微软雅黑" panose="020B0503020204020204" pitchFamily="34" charset="-122"/>
-                <a:ea typeface="微软雅黑" panose="020B0503020204020204" pitchFamily="34" charset="-122"/>
-                <a:cs typeface="Times New Roman" panose="02020603050405020304" pitchFamily="18" charset="0"/>
-              </a:rPr>
-              <a:t>，再由</a:t>
-            </a:r>
-            <a:r>
-              <a:rPr lang="en-US" altLang="zh-CN" sz="1700" b="0" dirty="0">
-                <a:solidFill>
-                  <a:schemeClr val="tx1"/>
-                </a:solidFill>
-                <a:latin typeface="微软雅黑" panose="020B0503020204020204" pitchFamily="34" charset="-122"/>
-                <a:ea typeface="微软雅黑" panose="020B0503020204020204" pitchFamily="34" charset="-122"/>
-                <a:cs typeface="Times New Roman" panose="02020603050405020304" pitchFamily="18" charset="0"/>
-              </a:rPr>
-              <a:t>GDB</a:t>
-            </a:r>
-            <a:r>
-              <a:rPr lang="zh-CN" altLang="en-US" sz="1700" b="0" dirty="0">
-                <a:solidFill>
-                  <a:schemeClr val="tx1"/>
-                </a:solidFill>
-                <a:latin typeface="微软雅黑" panose="020B0503020204020204" pitchFamily="34" charset="-122"/>
-                <a:ea typeface="微软雅黑" panose="020B0503020204020204" pitchFamily="34" charset="-122"/>
-                <a:cs typeface="Times New Roman" panose="02020603050405020304" pitchFamily="18" charset="0"/>
-              </a:rPr>
-              <a:t>输送到 </a:t>
-            </a:r>
-            <a:r>
-              <a:rPr lang="en-US" altLang="zh-CN" sz="1700" b="0" dirty="0" err="1">
-                <a:solidFill>
-                  <a:schemeClr val="tx1"/>
-                </a:solidFill>
-                <a:latin typeface="微软雅黑" panose="020B0503020204020204" pitchFamily="34" charset="-122"/>
-                <a:ea typeface="微软雅黑" panose="020B0503020204020204" pitchFamily="34" charset="-122"/>
-                <a:cs typeface="Times New Roman" panose="02020603050405020304" pitchFamily="18" charset="0"/>
-              </a:rPr>
-              <a:t>VSCode</a:t>
-            </a:r>
-            <a:r>
-              <a:rPr lang="zh-CN" altLang="en-US" sz="1700" b="0" dirty="0">
-                <a:solidFill>
-                  <a:schemeClr val="tx1"/>
-                </a:solidFill>
-                <a:latin typeface="微软雅黑" panose="020B0503020204020204" pitchFamily="34" charset="-122"/>
-                <a:ea typeface="微软雅黑" panose="020B0503020204020204" pitchFamily="34" charset="-122"/>
-                <a:cs typeface="Times New Roman" panose="02020603050405020304" pitchFamily="18" charset="0"/>
-              </a:rPr>
-              <a:t>。</a:t>
-            </a:r>
-          </a:p>
-        </p:txBody>
-      </p:sp>
-      <p:pic>
-        <p:nvPicPr>
-          <p:cNvPr id="7" name="图片 6">
-            <a:extLst>
-              <a:ext uri="{FF2B5EF4-FFF2-40B4-BE49-F238E27FC236}">
-                <a16:creationId xmlns:a16="http://schemas.microsoft.com/office/drawing/2014/main" id="{9189945F-F771-4B9F-8808-651EF5F05306}"/>
-              </a:ext>
-            </a:extLst>
-          </p:cNvPr>
-          <p:cNvPicPr>
-            <a:picLocks noChangeAspect="1"/>
-          </p:cNvPicPr>
-          <p:nvPr/>
-        </p:nvPicPr>
-        <p:blipFill>
-          <a:blip r:embed="rId3"/>
-          <a:stretch>
-            <a:fillRect/>
-          </a:stretch>
-        </p:blipFill>
-        <p:spPr>
-          <a:xfrm>
-            <a:off x="199899" y="3747330"/>
-            <a:ext cx="11720282" cy="1800493"/>
-          </a:xfrm>
-          <a:prstGeom prst="rect">
-            <a:avLst/>
-          </a:prstGeom>
-        </p:spPr>
-      </p:pic>
-      <p:sp>
-        <p:nvSpPr>
-          <p:cNvPr id="4" name="灯片编号占位符 3">
-            <a:extLst>
-              <a:ext uri="{FF2B5EF4-FFF2-40B4-BE49-F238E27FC236}">
-                <a16:creationId xmlns:a16="http://schemas.microsoft.com/office/drawing/2014/main" id="{292FF68D-E3D3-4841-9537-8266D64DE139}"/>
-              </a:ext>
-            </a:extLst>
-          </p:cNvPr>
-          <p:cNvSpPr>
-            <a:spLocks noGrp="1"/>
-          </p:cNvSpPr>
-          <p:nvPr>
-            <p:ph type="sldNum" sz="quarter" idx="12"/>
-          </p:nvPr>
-        </p:nvSpPr>
-        <p:spPr/>
-        <p:txBody>
-          <a:bodyPr/>
-          <a:lstStyle/>
-          <a:p>
-            <a:fld id="{9D55DC8D-C4F0-4F0D-B826-92573808DA56}" type="slidenum">
-              <a:rPr lang="zh-CN" altLang="en-US" smtClean="0"/>
-              <a:pPr/>
-              <a:t>12</a:t>
-            </a:fld>
-            <a:endParaRPr lang="zh-CN" altLang="en-US"/>
-          </a:p>
-        </p:txBody>
-      </p:sp>
-    </p:spTree>
-    <p:extLst>
-      <p:ext uri="{BB962C8B-B14F-4D97-AF65-F5344CB8AC3E}">
-        <p14:creationId xmlns:p14="http://schemas.microsoft.com/office/powerpoint/2010/main" val="461484249"/>
-      </p:ext>
-    </p:extLst>
-  </p:cSld>
-  <p:clrMapOvr>
-    <a:masterClrMapping/>
-  </p:clrMapOvr>
-</p:sld>
-</file>
-
-<file path=ppt/slides/slide13.xml><?xml version="1.0" encoding="utf-8"?>
-<p:sld xmlns:a="http://schemas.openxmlformats.org/drawingml/2006/main" xmlns:r="http://schemas.openxmlformats.org/officeDocument/2006/relationships" xmlns:p="http://schemas.openxmlformats.org/presentationml/2006/main">
-  <p:cSld>
-    <p:spTree>
-      <p:nvGrpSpPr>
-        <p:cNvPr id="1" name=""/>
-        <p:cNvGrpSpPr/>
-        <p:nvPr/>
-      </p:nvGrpSpPr>
-      <p:grpSpPr>
-        <a:xfrm>
-          <a:off x="0" y="0"/>
-          <a:ext cx="0" cy="0"/>
-          <a:chOff x="0" y="0"/>
-          <a:chExt cx="0" cy="0"/>
-        </a:xfrm>
-      </p:grpSpPr>
-      <p:sp>
-        <p:nvSpPr>
-          <p:cNvPr id="2" name="矩形 1"/>
-          <p:cNvSpPr/>
-          <p:nvPr/>
-        </p:nvSpPr>
-        <p:spPr>
-          <a:xfrm>
-            <a:off x="0" y="254000"/>
-            <a:ext cx="609600" cy="238125"/>
-          </a:xfrm>
-          <a:prstGeom prst="rect">
-            <a:avLst/>
-          </a:prstGeom>
-          <a:solidFill>
-            <a:srgbClr val="044875"/>
-          </a:solidFill>
-          <a:ln>
-            <a:noFill/>
-          </a:ln>
-        </p:spPr>
-        <p:style>
-          <a:lnRef idx="2">
-            <a:schemeClr val="accent1">
-              <a:shade val="50000"/>
-            </a:schemeClr>
-          </a:lnRef>
-          <a:fillRef idx="1">
-            <a:schemeClr val="accent1"/>
-          </a:fillRef>
-          <a:effectRef idx="0">
-            <a:schemeClr val="accent1"/>
-          </a:effectRef>
-          <a:fontRef idx="minor">
-            <a:schemeClr val="lt1"/>
-          </a:fontRef>
-        </p:style>
-        <p:txBody>
-          <a:bodyPr anchor="ctr"/>
-          <a:lstStyle/>
-          <a:p>
-            <a:pPr algn="ctr" eaLnBrk="1" fontAlgn="auto" hangingPunct="1">
-              <a:spcBef>
-                <a:spcPts val="0"/>
-              </a:spcBef>
-              <a:spcAft>
-                <a:spcPts val="0"/>
-              </a:spcAft>
-              <a:defRPr/>
-            </a:pPr>
-            <a:endParaRPr lang="zh-CN" altLang="en-US"/>
-          </a:p>
-        </p:txBody>
-      </p:sp>
-      <p:sp>
-        <p:nvSpPr>
-          <p:cNvPr id="3" name="矩形 2"/>
-          <p:cNvSpPr/>
-          <p:nvPr/>
-        </p:nvSpPr>
-        <p:spPr>
-          <a:xfrm>
-            <a:off x="3313592" y="254000"/>
-            <a:ext cx="8878407" cy="236537"/>
-          </a:xfrm>
-          <a:prstGeom prst="rect">
-            <a:avLst/>
-          </a:prstGeom>
-          <a:solidFill>
-            <a:srgbClr val="044875"/>
-          </a:solidFill>
-          <a:ln>
-            <a:noFill/>
-          </a:ln>
-        </p:spPr>
-        <p:style>
-          <a:lnRef idx="2">
-            <a:schemeClr val="accent1">
-              <a:shade val="50000"/>
-            </a:schemeClr>
-          </a:lnRef>
-          <a:fillRef idx="1">
-            <a:schemeClr val="accent1"/>
-          </a:fillRef>
-          <a:effectRef idx="0">
-            <a:schemeClr val="accent1"/>
-          </a:effectRef>
-          <a:fontRef idx="minor">
-            <a:schemeClr val="lt1"/>
-          </a:fontRef>
-        </p:style>
-        <p:txBody>
-          <a:bodyPr anchor="ctr"/>
-          <a:lstStyle/>
-          <a:p>
-            <a:pPr algn="ctr" eaLnBrk="1" fontAlgn="auto" hangingPunct="1">
-              <a:spcBef>
-                <a:spcPts val="0"/>
-              </a:spcBef>
-              <a:spcAft>
-                <a:spcPts val="0"/>
-              </a:spcAft>
-              <a:defRPr/>
-            </a:pPr>
-            <a:endParaRPr lang="zh-CN" altLang="en-US"/>
-          </a:p>
-        </p:txBody>
-      </p:sp>
-      <p:grpSp>
-        <p:nvGrpSpPr>
-          <p:cNvPr id="21" name="组合 20"/>
-          <p:cNvGrpSpPr>
-            <a:grpSpLocks/>
-          </p:cNvGrpSpPr>
-          <p:nvPr/>
-        </p:nvGrpSpPr>
-        <p:grpSpPr bwMode="auto">
-          <a:xfrm>
-            <a:off x="502737" y="82550"/>
-            <a:ext cx="3148022" cy="585788"/>
-            <a:chOff x="503436" y="82976"/>
-            <a:chExt cx="3146852" cy="584775"/>
-          </a:xfrm>
-        </p:grpSpPr>
-        <p:sp>
-          <p:nvSpPr>
-            <p:cNvPr id="7251" name="文本框 3"/>
-            <p:cNvSpPr txBox="1">
-              <a:spLocks noChangeArrowheads="1"/>
-            </p:cNvSpPr>
-            <p:nvPr/>
-          </p:nvSpPr>
-          <p:spPr bwMode="auto">
-            <a:xfrm>
-              <a:off x="800100" y="111278"/>
-              <a:ext cx="2850188" cy="522315"/>
-            </a:xfrm>
-            <a:prstGeom prst="rect">
-              <a:avLst/>
-            </a:prstGeom>
-            <a:noFill/>
-            <a:ln>
-              <a:noFill/>
-            </a:ln>
-            <a:extLst>
-              <a:ext uri="{909E8E84-426E-40DD-AFC4-6F175D3DCCD1}">
-                <a14:hiddenFill xmlns:a14="http://schemas.microsoft.com/office/drawing/2010/main">
-                  <a:solidFill>
-                    <a:srgbClr val="FFFFFF"/>
-                  </a:solidFill>
-                </a14:hiddenFill>
-              </a:ext>
-              <a:ext uri="{91240B29-F687-4F45-9708-019B960494DF}">
-                <a14:hiddenLine xmlns:a14="http://schemas.microsoft.com/office/drawing/2010/main" w="9525">
-                  <a:solidFill>
-                    <a:srgbClr val="000000"/>
-                  </a:solidFill>
-                  <a:miter lim="800000"/>
-                  <a:headEnd/>
-                  <a:tailEnd/>
-                </a14:hiddenLine>
-              </a:ext>
-            </a:extLst>
-          </p:spPr>
-          <p:txBody>
-            <a:bodyPr wrap="square">
-              <a:spAutoFit/>
-            </a:bodyPr>
-            <a:lstStyle>
-              <a:lvl1pPr>
-                <a:defRPr sz="2800">
-                  <a:solidFill>
-                    <a:schemeClr val="tx1"/>
-                  </a:solidFill>
-                  <a:latin typeface="Calibri" pitchFamily="34" charset="0"/>
-                  <a:ea typeface="宋体" pitchFamily="2" charset="-122"/>
-                </a:defRPr>
-              </a:lvl1pPr>
-              <a:lvl2pPr marL="742950" indent="-285750">
-                <a:defRPr sz="2400">
-                  <a:solidFill>
-                    <a:schemeClr val="tx1"/>
-                  </a:solidFill>
-                  <a:latin typeface="Calibri" pitchFamily="34" charset="0"/>
-                  <a:ea typeface="宋体" pitchFamily="2" charset="-122"/>
-                </a:defRPr>
-              </a:lvl2pPr>
-              <a:lvl3pPr>
-                <a:defRPr sz="2000">
-                  <a:solidFill>
-                    <a:schemeClr val="tx1"/>
-                  </a:solidFill>
-                  <a:latin typeface="Calibri" pitchFamily="34" charset="0"/>
-                  <a:ea typeface="宋体" pitchFamily="2" charset="-122"/>
-                </a:defRPr>
-              </a:lvl3pPr>
-              <a:lvl4pPr>
-                <a:defRPr>
-                  <a:solidFill>
-                    <a:schemeClr val="tx1"/>
-                  </a:solidFill>
-                  <a:latin typeface="Calibri" pitchFamily="34" charset="0"/>
-                  <a:ea typeface="宋体" pitchFamily="2" charset="-122"/>
-                </a:defRPr>
-              </a:lvl4pPr>
-              <a:lvl5pPr>
-                <a:defRPr>
-                  <a:solidFill>
-                    <a:schemeClr val="tx1"/>
-                  </a:solidFill>
-                  <a:latin typeface="Calibri" pitchFamily="34" charset="0"/>
-                  <a:ea typeface="宋体" pitchFamily="2" charset="-122"/>
-                </a:defRPr>
-              </a:lvl5pPr>
-              <a:lvl6pPr eaLnBrk="0" fontAlgn="base" hangingPunct="0">
-                <a:spcAft>
-                  <a:spcPct val="0"/>
-                </a:spcAft>
-                <a:buFont typeface="Arial" charset="0"/>
-                <a:defRPr>
-                  <a:solidFill>
-                    <a:schemeClr val="tx1"/>
-                  </a:solidFill>
-                  <a:latin typeface="Calibri" pitchFamily="34" charset="0"/>
-                  <a:ea typeface="宋体" pitchFamily="2" charset="-122"/>
-                </a:defRPr>
-              </a:lvl6pPr>
-              <a:lvl7pPr eaLnBrk="0" fontAlgn="base" hangingPunct="0">
-                <a:spcAft>
-                  <a:spcPct val="0"/>
-                </a:spcAft>
-                <a:buFont typeface="Arial" charset="0"/>
-                <a:defRPr>
-                  <a:solidFill>
-                    <a:schemeClr val="tx1"/>
-                  </a:solidFill>
-                  <a:latin typeface="Calibri" pitchFamily="34" charset="0"/>
-                  <a:ea typeface="宋体" pitchFamily="2" charset="-122"/>
-                </a:defRPr>
-              </a:lvl7pPr>
-              <a:lvl8pPr eaLnBrk="0" fontAlgn="base" hangingPunct="0">
-                <a:spcAft>
-                  <a:spcPct val="0"/>
-                </a:spcAft>
-                <a:buFont typeface="Arial" charset="0"/>
-                <a:defRPr>
-                  <a:solidFill>
-                    <a:schemeClr val="tx1"/>
-                  </a:solidFill>
-                  <a:latin typeface="Calibri" pitchFamily="34" charset="0"/>
-                  <a:ea typeface="宋体" pitchFamily="2" charset="-122"/>
-                </a:defRPr>
-              </a:lvl8pPr>
-              <a:lvl9pPr eaLnBrk="0" fontAlgn="base" hangingPunct="0">
-                <a:spcAft>
-                  <a:spcPct val="0"/>
-                </a:spcAft>
-                <a:buFont typeface="Arial" charset="0"/>
-                <a:defRPr>
-                  <a:solidFill>
-                    <a:schemeClr val="tx1"/>
-                  </a:solidFill>
-                  <a:latin typeface="Calibri" pitchFamily="34" charset="0"/>
-                  <a:ea typeface="宋体" pitchFamily="2" charset="-122"/>
-                </a:defRPr>
-              </a:lvl9pPr>
-            </a:lstStyle>
-            <a:p>
-              <a:pPr algn="ctr" eaLnBrk="1" hangingPunct="1"/>
-              <a:r>
-                <a:rPr lang="zh-CN" altLang="en-US" dirty="0">
-                  <a:solidFill>
-                    <a:srgbClr val="044875"/>
-                  </a:solidFill>
-                  <a:latin typeface="微软雅黑" pitchFamily="34" charset="-122"/>
-                  <a:ea typeface="微软雅黑" pitchFamily="34" charset="-122"/>
-                </a:rPr>
-                <a:t>研究内容</a:t>
-              </a:r>
-            </a:p>
-          </p:txBody>
-        </p:sp>
-        <p:sp>
-          <p:nvSpPr>
-            <p:cNvPr id="6" name="文本框 5"/>
-            <p:cNvSpPr txBox="1"/>
-            <p:nvPr/>
-          </p:nvSpPr>
-          <p:spPr>
-            <a:xfrm>
-              <a:off x="503436" y="82976"/>
-              <a:ext cx="723631" cy="584775"/>
-            </a:xfrm>
-            <a:prstGeom prst="rect">
-              <a:avLst/>
-            </a:prstGeom>
-            <a:noFill/>
-          </p:spPr>
-          <p:txBody>
-            <a:bodyPr>
-              <a:spAutoFit/>
-            </a:bodyPr>
-            <a:lstStyle/>
-            <a:p>
-              <a:pPr algn="ctr" eaLnBrk="1" hangingPunct="1">
-                <a:defRPr/>
-              </a:pPr>
-              <a:r>
-                <a:rPr lang="en-US" altLang="zh-CN" sz="3200" dirty="0">
-                  <a:solidFill>
-                    <a:srgbClr val="044875"/>
-                  </a:solidFill>
-                  <a:latin typeface="Impact" pitchFamily="34" charset="0"/>
-                </a:rPr>
-                <a:t>03</a:t>
-              </a:r>
-              <a:endParaRPr lang="zh-CN" altLang="en-US" sz="3200" dirty="0">
-                <a:solidFill>
-                  <a:srgbClr val="044875"/>
-                </a:solidFill>
-                <a:latin typeface="Impact" pitchFamily="34" charset="0"/>
-              </a:endParaRPr>
-            </a:p>
-          </p:txBody>
-        </p:sp>
-      </p:grpSp>
-      <p:sp>
-        <p:nvSpPr>
-          <p:cNvPr id="15" name="矩形 14"/>
-          <p:cNvSpPr/>
-          <p:nvPr/>
-        </p:nvSpPr>
-        <p:spPr>
-          <a:xfrm>
-            <a:off x="11566525" y="6621463"/>
-            <a:ext cx="625475" cy="236537"/>
-          </a:xfrm>
-          <a:prstGeom prst="rect">
-            <a:avLst/>
-          </a:prstGeom>
-          <a:solidFill>
-            <a:srgbClr val="044875"/>
-          </a:solidFill>
-          <a:ln>
-            <a:noFill/>
-          </a:ln>
-        </p:spPr>
-        <p:style>
-          <a:lnRef idx="2">
-            <a:schemeClr val="accent1">
-              <a:shade val="50000"/>
-            </a:schemeClr>
-          </a:lnRef>
-          <a:fillRef idx="1">
-            <a:schemeClr val="accent1"/>
-          </a:fillRef>
-          <a:effectRef idx="0">
-            <a:schemeClr val="accent1"/>
-          </a:effectRef>
-          <a:fontRef idx="minor">
-            <a:schemeClr val="lt1"/>
-          </a:fontRef>
-        </p:style>
-        <p:txBody>
-          <a:bodyPr anchor="ctr"/>
-          <a:lstStyle/>
-          <a:p>
-            <a:pPr algn="ctr" eaLnBrk="1" fontAlgn="auto" hangingPunct="1">
-              <a:spcBef>
-                <a:spcPts val="0"/>
-              </a:spcBef>
-              <a:spcAft>
-                <a:spcPts val="0"/>
-              </a:spcAft>
-              <a:defRPr/>
-            </a:pPr>
-            <a:endParaRPr lang="zh-CN" altLang="en-US"/>
-          </a:p>
-        </p:txBody>
-      </p:sp>
-      <p:sp>
-        <p:nvSpPr>
-          <p:cNvPr id="16" name="矩形 15"/>
-          <p:cNvSpPr/>
-          <p:nvPr/>
-        </p:nvSpPr>
-        <p:spPr>
-          <a:xfrm>
-            <a:off x="-1" y="6621463"/>
-            <a:ext cx="11566525" cy="236537"/>
-          </a:xfrm>
-          <a:prstGeom prst="rect">
-            <a:avLst/>
-          </a:prstGeom>
-          <a:solidFill>
-            <a:srgbClr val="044875"/>
-          </a:solidFill>
-          <a:ln>
-            <a:noFill/>
-          </a:ln>
-        </p:spPr>
-        <p:style>
-          <a:lnRef idx="2">
-            <a:schemeClr val="accent1">
-              <a:shade val="50000"/>
-            </a:schemeClr>
-          </a:lnRef>
-          <a:fillRef idx="1">
-            <a:schemeClr val="accent1"/>
-          </a:fillRef>
-          <a:effectRef idx="0">
-            <a:schemeClr val="accent1"/>
-          </a:effectRef>
-          <a:fontRef idx="minor">
-            <a:schemeClr val="lt1"/>
-          </a:fontRef>
-        </p:style>
-        <p:txBody>
-          <a:bodyPr anchor="ctr"/>
-          <a:lstStyle/>
-          <a:p>
-            <a:pPr algn="ctr" eaLnBrk="1" fontAlgn="auto" hangingPunct="1">
-              <a:spcBef>
-                <a:spcPts val="0"/>
-              </a:spcBef>
-              <a:spcAft>
-                <a:spcPts val="0"/>
-              </a:spcAft>
-              <a:defRPr/>
-            </a:pPr>
-            <a:endParaRPr lang="zh-CN" altLang="en-US"/>
-          </a:p>
-        </p:txBody>
-      </p:sp>
       <p:pic>
         <p:nvPicPr>
           <p:cNvPr id="14" name="图片 13">
@@ -11323,222 +11394,6 @@
   <p:clrMapOvr>
     <a:masterClrMapping/>
   </p:clrMapOvr>
-  <p:timing>
-    <p:tnLst>
-      <p:par>
-        <p:cTn id="1" dur="indefinite" restart="never" nodeType="tmRoot">
-          <p:childTnLst>
-            <p:seq concurrent="1" nextAc="seek">
-              <p:cTn id="2" dur="indefinite" nodeType="mainSeq">
-                <p:childTnLst>
-                  <p:par>
-                    <p:cTn id="3" fill="hold">
-                      <p:stCondLst>
-                        <p:cond delay="indefinite"/>
-                      </p:stCondLst>
-                      <p:childTnLst>
-                        <p:par>
-                          <p:cTn id="4" fill="hold">
-                            <p:stCondLst>
-                              <p:cond delay="0"/>
-                            </p:stCondLst>
-                            <p:childTnLst>
-                              <p:par>
-                                <p:cTn id="5" presetID="2" presetClass="entr" presetSubtype="4" fill="hold" grpId="0" nodeType="clickEffect">
-                                  <p:stCondLst>
-                                    <p:cond delay="0"/>
-                                  </p:stCondLst>
-                                  <p:childTnLst>
-                                    <p:set>
-                                      <p:cBhvr>
-                                        <p:cTn id="6" dur="1" fill="hold">
-                                          <p:stCondLst>
-                                            <p:cond delay="0"/>
-                                          </p:stCondLst>
-                                        </p:cTn>
-                                        <p:tgtEl>
-                                          <p:spTgt spid="17"/>
-                                        </p:tgtEl>
-                                        <p:attrNameLst>
-                                          <p:attrName>style.visibility</p:attrName>
-                                        </p:attrNameLst>
-                                      </p:cBhvr>
-                                      <p:to>
-                                        <p:strVal val="visible"/>
-                                      </p:to>
-                                    </p:set>
-                                    <p:anim calcmode="lin" valueType="num">
-                                      <p:cBhvr additive="base">
-                                        <p:cTn id="7" dur="500" fill="hold"/>
-                                        <p:tgtEl>
-                                          <p:spTgt spid="17"/>
-                                        </p:tgtEl>
-                                        <p:attrNameLst>
-                                          <p:attrName>ppt_x</p:attrName>
-                                        </p:attrNameLst>
-                                      </p:cBhvr>
-                                      <p:tavLst>
-                                        <p:tav tm="0">
-                                          <p:val>
-                                            <p:strVal val="#ppt_x"/>
-                                          </p:val>
-                                        </p:tav>
-                                        <p:tav tm="100000">
-                                          <p:val>
-                                            <p:strVal val="#ppt_x"/>
-                                          </p:val>
-                                        </p:tav>
-                                      </p:tavLst>
-                                    </p:anim>
-                                    <p:anim calcmode="lin" valueType="num">
-                                      <p:cBhvr additive="base">
-                                        <p:cTn id="8" dur="500" fill="hold"/>
-                                        <p:tgtEl>
-                                          <p:spTgt spid="17"/>
-                                        </p:tgtEl>
-                                        <p:attrNameLst>
-                                          <p:attrName>ppt_y</p:attrName>
-                                        </p:attrNameLst>
-                                      </p:cBhvr>
-                                      <p:tavLst>
-                                        <p:tav tm="0">
-                                          <p:val>
-                                            <p:strVal val="1+#ppt_h/2"/>
-                                          </p:val>
-                                        </p:tav>
-                                        <p:tav tm="100000">
-                                          <p:val>
-                                            <p:strVal val="#ppt_y"/>
-                                          </p:val>
-                                        </p:tav>
-                                      </p:tavLst>
-                                    </p:anim>
-                                  </p:childTnLst>
-                                </p:cTn>
-                              </p:par>
-                            </p:childTnLst>
-                          </p:cTn>
-                        </p:par>
-                      </p:childTnLst>
-                    </p:cTn>
-                  </p:par>
-                  <p:par>
-                    <p:cTn id="9" fill="hold">
-                      <p:stCondLst>
-                        <p:cond delay="indefinite"/>
-                      </p:stCondLst>
-                      <p:childTnLst>
-                        <p:par>
-                          <p:cTn id="10" fill="hold">
-                            <p:stCondLst>
-                              <p:cond delay="0"/>
-                            </p:stCondLst>
-                            <p:childTnLst>
-                              <p:par>
-                                <p:cTn id="11" presetID="2" presetClass="entr" presetSubtype="4" fill="hold" grpId="0" nodeType="clickEffect">
-                                  <p:stCondLst>
-                                    <p:cond delay="0"/>
-                                  </p:stCondLst>
-                                  <p:childTnLst>
-                                    <p:set>
-                                      <p:cBhvr>
-                                        <p:cTn id="12" dur="1" fill="hold">
-                                          <p:stCondLst>
-                                            <p:cond delay="0"/>
-                                          </p:stCondLst>
-                                        </p:cTn>
-                                        <p:tgtEl>
-                                          <p:spTgt spid="18"/>
-                                        </p:tgtEl>
-                                        <p:attrNameLst>
-                                          <p:attrName>style.visibility</p:attrName>
-                                        </p:attrNameLst>
-                                      </p:cBhvr>
-                                      <p:to>
-                                        <p:strVal val="visible"/>
-                                      </p:to>
-                                    </p:set>
-                                    <p:anim calcmode="lin" valueType="num">
-                                      <p:cBhvr additive="base">
-                                        <p:cTn id="13" dur="500" fill="hold"/>
-                                        <p:tgtEl>
-                                          <p:spTgt spid="18"/>
-                                        </p:tgtEl>
-                                        <p:attrNameLst>
-                                          <p:attrName>ppt_x</p:attrName>
-                                        </p:attrNameLst>
-                                      </p:cBhvr>
-                                      <p:tavLst>
-                                        <p:tav tm="0">
-                                          <p:val>
-                                            <p:strVal val="#ppt_x"/>
-                                          </p:val>
-                                        </p:tav>
-                                        <p:tav tm="100000">
-                                          <p:val>
-                                            <p:strVal val="#ppt_x"/>
-                                          </p:val>
-                                        </p:tav>
-                                      </p:tavLst>
-                                    </p:anim>
-                                    <p:anim calcmode="lin" valueType="num">
-                                      <p:cBhvr additive="base">
-                                        <p:cTn id="14" dur="500" fill="hold"/>
-                                        <p:tgtEl>
-                                          <p:spTgt spid="18"/>
-                                        </p:tgtEl>
-                                        <p:attrNameLst>
-                                          <p:attrName>ppt_y</p:attrName>
-                                        </p:attrNameLst>
-                                      </p:cBhvr>
-                                      <p:tavLst>
-                                        <p:tav tm="0">
-                                          <p:val>
-                                            <p:strVal val="1+#ppt_h/2"/>
-                                          </p:val>
-                                        </p:tav>
-                                        <p:tav tm="100000">
-                                          <p:val>
-                                            <p:strVal val="#ppt_y"/>
-                                          </p:val>
-                                        </p:tav>
-                                      </p:tavLst>
-                                    </p:anim>
-                                  </p:childTnLst>
-                                </p:cTn>
-                              </p:par>
-                            </p:childTnLst>
-                          </p:cTn>
-                        </p:par>
-                      </p:childTnLst>
-                    </p:cTn>
-                  </p:par>
-                </p:childTnLst>
-              </p:cTn>
-              <p:prevCondLst>
-                <p:cond evt="onPrev" delay="0">
-                  <p:tgtEl>
-                    <p:sldTgt/>
-                  </p:tgtEl>
-                </p:cond>
-              </p:prevCondLst>
-              <p:nextCondLst>
-                <p:cond evt="onNext" delay="0">
-                  <p:tgtEl>
-                    <p:sldTgt/>
-                  </p:tgtEl>
-                </p:cond>
-              </p:nextCondLst>
-            </p:seq>
-          </p:childTnLst>
-        </p:cTn>
-      </p:par>
-    </p:tnLst>
-    <p:bldLst>
-      <p:bldP spid="17" grpId="0"/>
-      <p:bldP spid="18" grpId="0"/>
-    </p:bldLst>
-  </p:timing>
 </p:sld>
 </file>
 
@@ -16653,7 +16508,7 @@
         <p:spPr>
           <a:xfrm>
             <a:off x="1005778" y="895783"/>
-            <a:ext cx="10180444" cy="5208605"/>
+            <a:ext cx="10180444" cy="5670270"/>
           </a:xfrm>
           <a:prstGeom prst="rect">
             <a:avLst/>
@@ -16748,7 +16603,7 @@
                 <a:latin typeface="微软雅黑" panose="020B0503020204020204" pitchFamily="34" charset="-122"/>
                 <a:ea typeface="微软雅黑" panose="020B0503020204020204" pitchFamily="34" charset="-122"/>
               </a:rPr>
-              <a:t>      设计断点组管理模块，边界监测点，实现对</a:t>
+              <a:t>      设计断点组管理模块，边界监测点，使调试器能够感知操作系统特权级的变化，获取进程控制块中的进程标识符，实现对</a:t>
             </a:r>
             <a:r>
               <a:rPr lang="en-US" altLang="zh-CN" sz="2000" dirty="0">
@@ -21350,70 +21205,14 @@
       </p:grpSpPr>
       <p:sp>
         <p:nvSpPr>
-          <p:cNvPr id="59" name="矩形 58"/>
-          <p:cNvSpPr/>
-          <p:nvPr/>
-        </p:nvSpPr>
-        <p:spPr>
-          <a:xfrm>
-            <a:off x="5734710" y="886010"/>
-            <a:ext cx="5970019" cy="5363556"/>
-          </a:xfrm>
-          <a:prstGeom prst="rect">
-            <a:avLst/>
-          </a:prstGeom>
-          <a:solidFill>
-            <a:schemeClr val="bg1">
-              <a:lumMod val="95000"/>
-            </a:schemeClr>
-          </a:solidFill>
-          <a:ln>
-            <a:noFill/>
-          </a:ln>
-        </p:spPr>
-        <p:style>
-          <a:lnRef idx="2">
-            <a:schemeClr val="accent1">
-              <a:shade val="50000"/>
-            </a:schemeClr>
-          </a:lnRef>
-          <a:fillRef idx="1">
-            <a:schemeClr val="accent1"/>
-          </a:fillRef>
-          <a:effectRef idx="0">
-            <a:schemeClr val="accent1"/>
-          </a:effectRef>
-          <a:fontRef idx="minor">
-            <a:schemeClr val="lt1"/>
-          </a:fontRef>
-        </p:style>
-        <p:txBody>
-          <a:bodyPr anchor="ctr"/>
-          <a:lstStyle/>
-          <a:p>
-            <a:pPr algn="ctr" eaLnBrk="1" fontAlgn="auto" hangingPunct="1">
-              <a:spcBef>
-                <a:spcPts val="0"/>
-              </a:spcBef>
-              <a:spcAft>
-                <a:spcPts val="0"/>
-              </a:spcAft>
-              <a:defRPr/>
-            </a:pPr>
-            <a:endParaRPr lang="zh-CN" altLang="en-US"/>
-          </a:p>
-        </p:txBody>
-      </p:sp>
-      <p:sp>
-        <p:nvSpPr>
           <p:cNvPr id="60" name="文本框 59"/>
           <p:cNvSpPr txBox="1"/>
           <p:nvPr/>
         </p:nvSpPr>
         <p:spPr>
           <a:xfrm>
-            <a:off x="5710971" y="1456883"/>
-            <a:ext cx="5970019" cy="4744889"/>
+            <a:off x="1151562" y="1163026"/>
+            <a:ext cx="9888876" cy="923330"/>
           </a:xfrm>
           <a:prstGeom prst="rect">
             <a:avLst/>
@@ -21496,30 +21295,21 @@
                 <a:latin typeface="+mj-ea"/>
                 <a:ea typeface="+mj-ea"/>
               </a:rPr>
-              <a:t>在学术界与产业界有大量的研究与开发工作。</a:t>
-            </a:r>
-          </a:p>
-          <a:p>
-            <a:pPr marL="285750" indent="-285750" algn="just" eaLnBrk="1" fontAlgn="auto" hangingPunct="1">
-              <a:spcBef>
-                <a:spcPts val="2400"/>
-              </a:spcBef>
-              <a:spcAft>
-                <a:spcPts val="2400"/>
-              </a:spcAft>
-              <a:buClr>
-                <a:srgbClr val="044875"/>
-              </a:buClr>
-              <a:buFont typeface="Wingdings" panose="05000000000000000000" pitchFamily="2" charset="2"/>
-              <a:buChar char="Ø"/>
-              <a:defRPr/>
-            </a:pPr>
+              <a:t>在学术界与产业界有大量的研究与开发工作，针对</a:t>
+            </a:r>
+            <a:r>
+              <a:rPr lang="en-US" altLang="zh-CN" dirty="0">
+                <a:latin typeface="+mj-ea"/>
+                <a:ea typeface="+mj-ea"/>
+              </a:rPr>
+              <a:t>Rust</a:t>
+            </a:r>
             <a:r>
               <a:rPr lang="zh-CN" altLang="en-US" dirty="0">
                 <a:latin typeface="+mj-ea"/>
                 <a:ea typeface="+mj-ea"/>
               </a:rPr>
-              <a:t>缺少一款适配的</a:t>
+              <a:t>操作系统的多进程</a:t>
             </a:r>
             <a:r>
               <a:rPr lang="zh-CN" altLang="en-US" dirty="0">
@@ -21529,65 +21319,7 @@
                 <a:latin typeface="+mj-ea"/>
                 <a:ea typeface="+mj-ea"/>
               </a:rPr>
-              <a:t>源代码级调试工具</a:t>
-            </a:r>
-            <a:r>
-              <a:rPr lang="zh-CN" altLang="en-US" dirty="0">
-                <a:latin typeface="+mj-ea"/>
-                <a:ea typeface="+mj-ea"/>
-              </a:rPr>
-              <a:t>；</a:t>
-            </a:r>
-            <a:endParaRPr lang="en-US" altLang="zh-CN" dirty="0">
-              <a:latin typeface="+mj-ea"/>
-              <a:ea typeface="+mj-ea"/>
-            </a:endParaRPr>
-          </a:p>
-          <a:p>
-            <a:pPr marL="285750" indent="-285750" algn="just" eaLnBrk="1" fontAlgn="auto" hangingPunct="1">
-              <a:spcBef>
-                <a:spcPts val="2400"/>
-              </a:spcBef>
-              <a:spcAft>
-                <a:spcPts val="2400"/>
-              </a:spcAft>
-              <a:buClr>
-                <a:srgbClr val="044875"/>
-              </a:buClr>
-              <a:buFont typeface="Wingdings" panose="05000000000000000000" pitchFamily="2" charset="2"/>
-              <a:buChar char="Ø"/>
-              <a:defRPr/>
-            </a:pPr>
-            <a:r>
-              <a:rPr lang="zh-CN" altLang="en-US" dirty="0">
-                <a:latin typeface="+mj-ea"/>
-                <a:ea typeface="+mj-ea"/>
-              </a:rPr>
-              <a:t>针对</a:t>
-            </a:r>
-            <a:r>
-              <a:rPr lang="en-US" altLang="zh-CN" dirty="0">
-                <a:latin typeface="+mj-ea"/>
-                <a:ea typeface="+mj-ea"/>
-              </a:rPr>
-              <a:t>Rust</a:t>
-            </a:r>
-            <a:r>
-              <a:rPr lang="zh-CN" altLang="en-US" dirty="0">
-                <a:latin typeface="+mj-ea"/>
-                <a:ea typeface="+mj-ea"/>
-              </a:rPr>
-              <a:t>操作系统的多进程</a:t>
-            </a:r>
-            <a:r>
-              <a:rPr lang="zh-CN" altLang="en-US" dirty="0">
-                <a:solidFill>
-                  <a:srgbClr val="FF0000"/>
-                </a:solidFill>
-                <a:latin typeface="+mj-ea"/>
-                <a:ea typeface="+mj-ea"/>
-              </a:rPr>
-              <a:t>调试工具和方法相对缺乏</a:t>
+              <a:t>调试工具和方法相对缺乏，面对着诸多问题和挑战</a:t>
             </a:r>
             <a:r>
               <a:rPr lang="zh-CN" altLang="en-US" dirty="0">
@@ -21601,141 +21333,6 @@
                 <a:schemeClr val="bg2">
                   <a:lumMod val="25000"/>
                 </a:schemeClr>
-              </a:solidFill>
-              <a:latin typeface="+mj-ea"/>
-              <a:ea typeface="+mj-ea"/>
-              <a:cs typeface="Arial" panose="020B0604020202020204" pitchFamily="34" charset="0"/>
-            </a:endParaRPr>
-          </a:p>
-          <a:p>
-            <a:pPr marL="285750" indent="-285750" algn="just" eaLnBrk="1" fontAlgn="auto" hangingPunct="1">
-              <a:spcBef>
-                <a:spcPts val="2400"/>
-              </a:spcBef>
-              <a:spcAft>
-                <a:spcPts val="2400"/>
-              </a:spcAft>
-              <a:buClr>
-                <a:srgbClr val="044875"/>
-              </a:buClr>
-              <a:buFont typeface="Wingdings" panose="05000000000000000000" pitchFamily="2" charset="2"/>
-              <a:buChar char="Ø"/>
-              <a:defRPr/>
-            </a:pPr>
-            <a:r>
-              <a:rPr lang="zh-CN" altLang="en-US" dirty="0">
-                <a:solidFill>
-                  <a:schemeClr val="bg2">
-                    <a:lumMod val="25000"/>
-                  </a:schemeClr>
-                </a:solidFill>
-                <a:latin typeface="+mj-ea"/>
-                <a:ea typeface="+mj-ea"/>
-                <a:cs typeface="Arial" panose="020B0604020202020204" pitchFamily="34" charset="0"/>
-              </a:rPr>
-              <a:t>本课题旨在为</a:t>
-            </a:r>
-            <a:r>
-              <a:rPr lang="en-US" altLang="zh-CN" dirty="0">
-                <a:solidFill>
-                  <a:schemeClr val="bg2">
-                    <a:lumMod val="25000"/>
-                  </a:schemeClr>
-                </a:solidFill>
-                <a:latin typeface="+mj-ea"/>
-                <a:ea typeface="+mj-ea"/>
-                <a:cs typeface="Arial" panose="020B0604020202020204" pitchFamily="34" charset="0"/>
-              </a:rPr>
-              <a:t>Rust</a:t>
-            </a:r>
-            <a:r>
-              <a:rPr lang="zh-CN" altLang="en-US" dirty="0">
-                <a:solidFill>
-                  <a:schemeClr val="bg2">
-                    <a:lumMod val="25000"/>
-                  </a:schemeClr>
-                </a:solidFill>
-                <a:latin typeface="+mj-ea"/>
-                <a:ea typeface="+mj-ea"/>
-                <a:cs typeface="Arial" panose="020B0604020202020204" pitchFamily="34" charset="0"/>
-              </a:rPr>
-              <a:t>操作系统提供</a:t>
-            </a:r>
-            <a:r>
-              <a:rPr lang="zh-CN" altLang="en-US" dirty="0">
-                <a:solidFill>
-                  <a:srgbClr val="FF0000"/>
-                </a:solidFill>
-                <a:latin typeface="+mj-ea"/>
-                <a:ea typeface="+mj-ea"/>
-                <a:cs typeface="Arial" panose="020B0604020202020204" pitchFamily="34" charset="0"/>
-              </a:rPr>
-              <a:t>多进程调试方法</a:t>
-            </a:r>
-            <a:r>
-              <a:rPr lang="zh-CN" altLang="en-US" dirty="0">
-                <a:solidFill>
-                  <a:schemeClr val="bg2">
-                    <a:lumMod val="25000"/>
-                  </a:schemeClr>
-                </a:solidFill>
-                <a:latin typeface="+mj-ea"/>
-                <a:ea typeface="+mj-ea"/>
-                <a:cs typeface="Arial" panose="020B0604020202020204" pitchFamily="34" charset="0"/>
-              </a:rPr>
-              <a:t>，对操作系统中的各种进程进行调试和跟踪，并提供一款强大且灵活的</a:t>
-            </a:r>
-            <a:r>
-              <a:rPr lang="zh-CN" altLang="en-US" dirty="0">
-                <a:solidFill>
-                  <a:srgbClr val="FF0000"/>
-                </a:solidFill>
-                <a:latin typeface="+mj-ea"/>
-                <a:ea typeface="+mj-ea"/>
-                <a:cs typeface="Arial" panose="020B0604020202020204" pitchFamily="34" charset="0"/>
-              </a:rPr>
-              <a:t>源代码级操作系统调试工具</a:t>
-            </a:r>
-            <a:r>
-              <a:rPr lang="zh-CN" altLang="en-US" dirty="0">
-                <a:solidFill>
-                  <a:schemeClr val="bg2">
-                    <a:lumMod val="25000"/>
-                  </a:schemeClr>
-                </a:solidFill>
-                <a:latin typeface="+mj-ea"/>
-                <a:ea typeface="+mj-ea"/>
-                <a:cs typeface="Arial" panose="020B0604020202020204" pitchFamily="34" charset="0"/>
-              </a:rPr>
-              <a:t>。</a:t>
-            </a:r>
-            <a:endParaRPr lang="en-US" altLang="zh-CN" dirty="0">
-              <a:solidFill>
-                <a:schemeClr val="bg2">
-                  <a:lumMod val="25000"/>
-                </a:schemeClr>
-              </a:solidFill>
-              <a:latin typeface="+mj-ea"/>
-              <a:ea typeface="+mj-ea"/>
-              <a:cs typeface="Arial" panose="020B0604020202020204" pitchFamily="34" charset="0"/>
-            </a:endParaRPr>
-          </a:p>
-          <a:p>
-            <a:pPr eaLnBrk="1" fontAlgn="auto" hangingPunct="1">
-              <a:lnSpc>
-                <a:spcPts val="2200"/>
-              </a:lnSpc>
-              <a:spcBef>
-                <a:spcPts val="0"/>
-              </a:spcBef>
-              <a:spcAft>
-                <a:spcPts val="0"/>
-              </a:spcAft>
-              <a:defRPr/>
-            </a:pPr>
-            <a:endParaRPr lang="en-US" altLang="zh-CN" sz="2800" dirty="0">
-              <a:solidFill>
-                <a:schemeClr val="bg1"/>
               </a:solidFill>
               <a:latin typeface="+mj-ea"/>
               <a:ea typeface="+mj-ea"/>
@@ -22343,459 +21940,6 @@
           </a:p>
         </p:txBody>
       </p:sp>
-      <p:grpSp>
-        <p:nvGrpSpPr>
-          <p:cNvPr id="52" name="组合 51"/>
-          <p:cNvGrpSpPr>
-            <a:grpSpLocks/>
-          </p:cNvGrpSpPr>
-          <p:nvPr/>
-        </p:nvGrpSpPr>
-        <p:grpSpPr bwMode="auto">
-          <a:xfrm flipV="1">
-            <a:off x="5734710" y="727012"/>
-            <a:ext cx="7057265" cy="156070"/>
-            <a:chOff x="5982652" y="1917541"/>
-            <a:chExt cx="6978016" cy="523220"/>
-          </a:xfrm>
-        </p:grpSpPr>
-        <p:sp>
-          <p:nvSpPr>
-            <p:cNvPr id="53" name="矩形 52"/>
-            <p:cNvSpPr/>
-            <p:nvPr/>
-          </p:nvSpPr>
-          <p:spPr>
-            <a:xfrm>
-              <a:off x="5982652" y="1917541"/>
-              <a:ext cx="5904719" cy="523220"/>
-            </a:xfrm>
-            <a:prstGeom prst="rect">
-              <a:avLst/>
-            </a:prstGeom>
-            <a:solidFill>
-              <a:srgbClr val="044875"/>
-            </a:solidFill>
-            <a:ln>
-              <a:noFill/>
-            </a:ln>
-          </p:spPr>
-          <p:style>
-            <a:lnRef idx="2">
-              <a:schemeClr val="accent1">
-                <a:shade val="50000"/>
-              </a:schemeClr>
-            </a:lnRef>
-            <a:fillRef idx="1">
-              <a:schemeClr val="accent1"/>
-            </a:fillRef>
-            <a:effectRef idx="0">
-              <a:schemeClr val="accent1"/>
-            </a:effectRef>
-            <a:fontRef idx="minor">
-              <a:schemeClr val="lt1"/>
-            </a:fontRef>
-          </p:style>
-          <p:txBody>
-            <a:bodyPr anchor="ctr"/>
-            <a:lstStyle/>
-            <a:p>
-              <a:pPr algn="ctr" eaLnBrk="1" fontAlgn="auto" hangingPunct="1">
-                <a:spcBef>
-                  <a:spcPts val="0"/>
-                </a:spcBef>
-                <a:spcAft>
-                  <a:spcPts val="0"/>
-                </a:spcAft>
-                <a:defRPr/>
-              </a:pPr>
-              <a:endParaRPr lang="zh-CN" altLang="en-US"/>
-            </a:p>
-          </p:txBody>
-        </p:sp>
-        <p:sp>
-          <p:nvSpPr>
-            <p:cNvPr id="6169" name="文本框 53"/>
-            <p:cNvSpPr txBox="1">
-              <a:spLocks noChangeArrowheads="1"/>
-            </p:cNvSpPr>
-            <p:nvPr/>
-          </p:nvSpPr>
-          <p:spPr bwMode="auto">
-            <a:xfrm>
-              <a:off x="5982652" y="1991920"/>
-              <a:ext cx="6978016" cy="385857"/>
-            </a:xfrm>
-            <a:prstGeom prst="rect">
-              <a:avLst/>
-            </a:prstGeom>
-            <a:noFill/>
-            <a:ln>
-              <a:noFill/>
-            </a:ln>
-            <a:extLst>
-              <a:ext uri="{909E8E84-426E-40DD-AFC4-6F175D3DCCD1}">
-                <a14:hiddenFill xmlns:a14="http://schemas.microsoft.com/office/drawing/2010/main">
-                  <a:solidFill>
-                    <a:srgbClr val="FFFFFF"/>
-                  </a:solidFill>
-                </a14:hiddenFill>
-              </a:ext>
-              <a:ext uri="{91240B29-F687-4F45-9708-019B960494DF}">
-                <a14:hiddenLine xmlns:a14="http://schemas.microsoft.com/office/drawing/2010/main" w="9525">
-                  <a:solidFill>
-                    <a:srgbClr val="000000"/>
-                  </a:solidFill>
-                  <a:miter lim="800000"/>
-                  <a:headEnd/>
-                  <a:tailEnd/>
-                </a14:hiddenLine>
-              </a:ext>
-            </a:extLst>
-          </p:spPr>
-          <p:txBody>
-            <a:bodyPr>
-              <a:spAutoFit/>
-            </a:bodyPr>
-            <a:lstStyle>
-              <a:lvl1pPr>
-                <a:defRPr sz="2800">
-                  <a:solidFill>
-                    <a:schemeClr val="tx1"/>
-                  </a:solidFill>
-                  <a:latin typeface="Calibri" pitchFamily="34" charset="0"/>
-                  <a:ea typeface="宋体" pitchFamily="2" charset="-122"/>
-                </a:defRPr>
-              </a:lvl1pPr>
-              <a:lvl2pPr marL="742950" indent="-285750">
-                <a:defRPr sz="2400">
-                  <a:solidFill>
-                    <a:schemeClr val="tx1"/>
-                  </a:solidFill>
-                  <a:latin typeface="Calibri" pitchFamily="34" charset="0"/>
-                  <a:ea typeface="宋体" pitchFamily="2" charset="-122"/>
-                </a:defRPr>
-              </a:lvl2pPr>
-              <a:lvl3pPr>
-                <a:defRPr sz="2000">
-                  <a:solidFill>
-                    <a:schemeClr val="tx1"/>
-                  </a:solidFill>
-                  <a:latin typeface="Calibri" pitchFamily="34" charset="0"/>
-                  <a:ea typeface="宋体" pitchFamily="2" charset="-122"/>
-                </a:defRPr>
-              </a:lvl3pPr>
-              <a:lvl4pPr>
-                <a:defRPr>
-                  <a:solidFill>
-                    <a:schemeClr val="tx1"/>
-                  </a:solidFill>
-                  <a:latin typeface="Calibri" pitchFamily="34" charset="0"/>
-                  <a:ea typeface="宋体" pitchFamily="2" charset="-122"/>
-                </a:defRPr>
-              </a:lvl4pPr>
-              <a:lvl5pPr>
-                <a:defRPr>
-                  <a:solidFill>
-                    <a:schemeClr val="tx1"/>
-                  </a:solidFill>
-                  <a:latin typeface="Calibri" pitchFamily="34" charset="0"/>
-                  <a:ea typeface="宋体" pitchFamily="2" charset="-122"/>
-                </a:defRPr>
-              </a:lvl5pPr>
-              <a:lvl6pPr eaLnBrk="0" fontAlgn="base" hangingPunct="0">
-                <a:spcAft>
-                  <a:spcPct val="0"/>
-                </a:spcAft>
-                <a:buFont typeface="Arial" charset="0"/>
-                <a:defRPr>
-                  <a:solidFill>
-                    <a:schemeClr val="tx1"/>
-                  </a:solidFill>
-                  <a:latin typeface="Calibri" pitchFamily="34" charset="0"/>
-                  <a:ea typeface="宋体" pitchFamily="2" charset="-122"/>
-                </a:defRPr>
-              </a:lvl6pPr>
-              <a:lvl7pPr eaLnBrk="0" fontAlgn="base" hangingPunct="0">
-                <a:spcAft>
-                  <a:spcPct val="0"/>
-                </a:spcAft>
-                <a:buFont typeface="Arial" charset="0"/>
-                <a:defRPr>
-                  <a:solidFill>
-                    <a:schemeClr val="tx1"/>
-                  </a:solidFill>
-                  <a:latin typeface="Calibri" pitchFamily="34" charset="0"/>
-                  <a:ea typeface="宋体" pitchFamily="2" charset="-122"/>
-                </a:defRPr>
-              </a:lvl7pPr>
-              <a:lvl8pPr eaLnBrk="0" fontAlgn="base" hangingPunct="0">
-                <a:spcAft>
-                  <a:spcPct val="0"/>
-                </a:spcAft>
-                <a:buFont typeface="Arial" charset="0"/>
-                <a:defRPr>
-                  <a:solidFill>
-                    <a:schemeClr val="tx1"/>
-                  </a:solidFill>
-                  <a:latin typeface="Calibri" pitchFamily="34" charset="0"/>
-                  <a:ea typeface="宋体" pitchFamily="2" charset="-122"/>
-                </a:defRPr>
-              </a:lvl8pPr>
-              <a:lvl9pPr eaLnBrk="0" fontAlgn="base" hangingPunct="0">
-                <a:spcAft>
-                  <a:spcPct val="0"/>
-                </a:spcAft>
-                <a:buFont typeface="Arial" charset="0"/>
-                <a:defRPr>
-                  <a:solidFill>
-                    <a:schemeClr val="tx1"/>
-                  </a:solidFill>
-                  <a:latin typeface="Calibri" pitchFamily="34" charset="0"/>
-                  <a:ea typeface="宋体" pitchFamily="2" charset="-122"/>
-                </a:defRPr>
-              </a:lvl9pPr>
-            </a:lstStyle>
-            <a:p>
-              <a:pPr eaLnBrk="1" hangingPunct="1">
-                <a:lnSpc>
-                  <a:spcPts val="2200"/>
-                </a:lnSpc>
-              </a:pPr>
-              <a:endParaRPr lang="en-US" altLang="zh-CN" sz="2400" dirty="0">
-                <a:solidFill>
-                  <a:schemeClr val="bg1"/>
-                </a:solidFill>
-                <a:cs typeface="Arial" charset="0"/>
-              </a:endParaRPr>
-            </a:p>
-          </p:txBody>
-        </p:sp>
-      </p:grpSp>
-      <p:cxnSp>
-        <p:nvCxnSpPr>
-          <p:cNvPr id="74" name="直接连接符 73"/>
-          <p:cNvCxnSpPr/>
-          <p:nvPr/>
-        </p:nvCxnSpPr>
-        <p:spPr>
-          <a:xfrm>
-            <a:off x="6095999" y="2725588"/>
-            <a:ext cx="5380037" cy="0"/>
-          </a:xfrm>
-          <a:prstGeom prst="line">
-            <a:avLst/>
-          </a:prstGeom>
-          <a:ln w="12700">
-            <a:solidFill>
-              <a:srgbClr val="044875"/>
-            </a:solidFill>
-            <a:prstDash val="lgDashDotDot"/>
-            <a:headEnd type="stealth"/>
-            <a:tailEnd type="stealth"/>
-          </a:ln>
-        </p:spPr>
-        <p:style>
-          <a:lnRef idx="1">
-            <a:schemeClr val="accent1"/>
-          </a:lnRef>
-          <a:fillRef idx="0">
-            <a:schemeClr val="accent1"/>
-          </a:fillRef>
-          <a:effectRef idx="0">
-            <a:schemeClr val="accent1"/>
-          </a:effectRef>
-          <a:fontRef idx="minor">
-            <a:schemeClr val="tx1"/>
-          </a:fontRef>
-        </p:style>
-      </p:cxnSp>
-      <p:sp>
-        <p:nvSpPr>
-          <p:cNvPr id="35" name="矩形 34">
-            <a:extLst>
-              <a:ext uri="{FF2B5EF4-FFF2-40B4-BE49-F238E27FC236}">
-                <a16:creationId xmlns:a16="http://schemas.microsoft.com/office/drawing/2014/main" id="{0605F45A-D0F0-4D61-9166-859FFFC444A2}"/>
-              </a:ext>
-            </a:extLst>
-          </p:cNvPr>
-          <p:cNvSpPr/>
-          <p:nvPr/>
-        </p:nvSpPr>
-        <p:spPr bwMode="auto">
-          <a:xfrm>
-            <a:off x="349321" y="744994"/>
-            <a:ext cx="5194101" cy="5387087"/>
-          </a:xfrm>
-          <a:prstGeom prst="rect">
-            <a:avLst/>
-          </a:prstGeom>
-          <a:solidFill>
-            <a:srgbClr val="044875">
-              <a:alpha val="15000"/>
-            </a:srgbClr>
-          </a:solidFill>
-          <a:ln>
-            <a:noFill/>
-          </a:ln>
-        </p:spPr>
-        <p:style>
-          <a:lnRef idx="2">
-            <a:schemeClr val="accent1">
-              <a:shade val="50000"/>
-            </a:schemeClr>
-          </a:lnRef>
-          <a:fillRef idx="1">
-            <a:schemeClr val="accent1"/>
-          </a:fillRef>
-          <a:effectRef idx="0">
-            <a:schemeClr val="accent1"/>
-          </a:effectRef>
-          <a:fontRef idx="minor">
-            <a:schemeClr val="lt1"/>
-          </a:fontRef>
-        </p:style>
-        <p:txBody>
-          <a:bodyPr anchor="ctr"/>
-          <a:lstStyle>
-            <a:defPPr>
-              <a:defRPr lang="zh-CN"/>
-            </a:defPPr>
-            <a:lvl1pPr algn="l" rtl="0" eaLnBrk="0" fontAlgn="base" hangingPunct="0">
-              <a:spcBef>
-                <a:spcPct val="0"/>
-              </a:spcBef>
-              <a:spcAft>
-                <a:spcPct val="0"/>
-              </a:spcAft>
-              <a:defRPr kern="1200">
-                <a:solidFill>
-                  <a:schemeClr val="lt1"/>
-                </a:solidFill>
-                <a:latin typeface="+mn-lt"/>
-                <a:ea typeface="+mn-ea"/>
-                <a:cs typeface="+mn-cs"/>
-              </a:defRPr>
-            </a:lvl1pPr>
-            <a:lvl2pPr marL="457200" algn="l" rtl="0" eaLnBrk="0" fontAlgn="base" hangingPunct="0">
-              <a:spcBef>
-                <a:spcPct val="0"/>
-              </a:spcBef>
-              <a:spcAft>
-                <a:spcPct val="0"/>
-              </a:spcAft>
-              <a:defRPr kern="1200">
-                <a:solidFill>
-                  <a:schemeClr val="lt1"/>
-                </a:solidFill>
-                <a:latin typeface="+mn-lt"/>
-                <a:ea typeface="+mn-ea"/>
-                <a:cs typeface="+mn-cs"/>
-              </a:defRPr>
-            </a:lvl2pPr>
-            <a:lvl3pPr marL="914400" algn="l" rtl="0" eaLnBrk="0" fontAlgn="base" hangingPunct="0">
-              <a:spcBef>
-                <a:spcPct val="0"/>
-              </a:spcBef>
-              <a:spcAft>
-                <a:spcPct val="0"/>
-              </a:spcAft>
-              <a:defRPr kern="1200">
-                <a:solidFill>
-                  <a:schemeClr val="lt1"/>
-                </a:solidFill>
-                <a:latin typeface="+mn-lt"/>
-                <a:ea typeface="+mn-ea"/>
-                <a:cs typeface="+mn-cs"/>
-              </a:defRPr>
-            </a:lvl3pPr>
-            <a:lvl4pPr marL="1371600" algn="l" rtl="0" eaLnBrk="0" fontAlgn="base" hangingPunct="0">
-              <a:spcBef>
-                <a:spcPct val="0"/>
-              </a:spcBef>
-              <a:spcAft>
-                <a:spcPct val="0"/>
-              </a:spcAft>
-              <a:defRPr kern="1200">
-                <a:solidFill>
-                  <a:schemeClr val="lt1"/>
-                </a:solidFill>
-                <a:latin typeface="+mn-lt"/>
-                <a:ea typeface="+mn-ea"/>
-                <a:cs typeface="+mn-cs"/>
-              </a:defRPr>
-            </a:lvl4pPr>
-            <a:lvl5pPr marL="1828800" algn="l" rtl="0" eaLnBrk="0" fontAlgn="base" hangingPunct="0">
-              <a:spcBef>
-                <a:spcPct val="0"/>
-              </a:spcBef>
-              <a:spcAft>
-                <a:spcPct val="0"/>
-              </a:spcAft>
-              <a:defRPr kern="1200">
-                <a:solidFill>
-                  <a:schemeClr val="lt1"/>
-                </a:solidFill>
-                <a:latin typeface="+mn-lt"/>
-                <a:ea typeface="+mn-ea"/>
-                <a:cs typeface="+mn-cs"/>
-              </a:defRPr>
-            </a:lvl5pPr>
-            <a:lvl6pPr marL="2286000" algn="l" defTabSz="914400" rtl="0" eaLnBrk="1" latinLnBrk="0" hangingPunct="1">
-              <a:defRPr kern="1200">
-                <a:solidFill>
-                  <a:schemeClr val="lt1"/>
-                </a:solidFill>
-                <a:latin typeface="+mn-lt"/>
-                <a:ea typeface="+mn-ea"/>
-                <a:cs typeface="+mn-cs"/>
-              </a:defRPr>
-            </a:lvl6pPr>
-            <a:lvl7pPr marL="2743200" algn="l" defTabSz="914400" rtl="0" eaLnBrk="1" latinLnBrk="0" hangingPunct="1">
-              <a:defRPr kern="1200">
-                <a:solidFill>
-                  <a:schemeClr val="lt1"/>
-                </a:solidFill>
-                <a:latin typeface="+mn-lt"/>
-                <a:ea typeface="+mn-ea"/>
-                <a:cs typeface="+mn-cs"/>
-              </a:defRPr>
-            </a:lvl7pPr>
-            <a:lvl8pPr marL="3200400" algn="l" defTabSz="914400" rtl="0" eaLnBrk="1" latinLnBrk="0" hangingPunct="1">
-              <a:defRPr kern="1200">
-                <a:solidFill>
-                  <a:schemeClr val="lt1"/>
-                </a:solidFill>
-                <a:latin typeface="+mn-lt"/>
-                <a:ea typeface="+mn-ea"/>
-                <a:cs typeface="+mn-cs"/>
-              </a:defRPr>
-            </a:lvl8pPr>
-            <a:lvl9pPr marL="3657600" algn="l" defTabSz="914400" rtl="0" eaLnBrk="1" latinLnBrk="0" hangingPunct="1">
-              <a:defRPr kern="1200">
-                <a:solidFill>
-                  <a:schemeClr val="lt1"/>
-                </a:solidFill>
-                <a:latin typeface="+mn-lt"/>
-                <a:ea typeface="+mn-ea"/>
-                <a:cs typeface="+mn-cs"/>
-              </a:defRPr>
-            </a:lvl9pPr>
-          </a:lstStyle>
-          <a:p>
-            <a:pPr algn="ctr" eaLnBrk="1" fontAlgn="auto" hangingPunct="1">
-              <a:spcBef>
-                <a:spcPts val="0"/>
-              </a:spcBef>
-              <a:spcAft>
-                <a:spcPts val="0"/>
-              </a:spcAft>
-              <a:defRPr/>
-            </a:pPr>
-            <a:endParaRPr lang="zh-CN" altLang="en-US" dirty="0"/>
-          </a:p>
-        </p:txBody>
-      </p:sp>
       <p:sp>
         <p:nvSpPr>
           <p:cNvPr id="27" name="矩形 26">
@@ -22916,86 +22060,6 @@
           </a:p>
         </p:txBody>
       </p:sp>
-      <p:cxnSp>
-        <p:nvCxnSpPr>
-          <p:cNvPr id="29" name="直接连接符 28">
-            <a:extLst>
-              <a:ext uri="{FF2B5EF4-FFF2-40B4-BE49-F238E27FC236}">
-                <a16:creationId xmlns:a16="http://schemas.microsoft.com/office/drawing/2014/main" id="{BDC3311A-0E62-412C-89C3-16307A0A143D}"/>
-              </a:ext>
-            </a:extLst>
-          </p:cNvPr>
-          <p:cNvCxnSpPr/>
-          <p:nvPr/>
-        </p:nvCxnSpPr>
-        <p:spPr>
-          <a:xfrm>
-            <a:off x="6096000" y="4273845"/>
-            <a:ext cx="5380037" cy="0"/>
-          </a:xfrm>
-          <a:prstGeom prst="line">
-            <a:avLst/>
-          </a:prstGeom>
-          <a:ln w="12700">
-            <a:solidFill>
-              <a:srgbClr val="044875"/>
-            </a:solidFill>
-            <a:prstDash val="lgDashDotDot"/>
-            <a:headEnd type="stealth"/>
-            <a:tailEnd type="stealth"/>
-          </a:ln>
-        </p:spPr>
-        <p:style>
-          <a:lnRef idx="1">
-            <a:schemeClr val="accent1"/>
-          </a:lnRef>
-          <a:fillRef idx="0">
-            <a:schemeClr val="accent1"/>
-          </a:fillRef>
-          <a:effectRef idx="0">
-            <a:schemeClr val="accent1"/>
-          </a:effectRef>
-          <a:fontRef idx="minor">
-            <a:schemeClr val="tx1"/>
-          </a:fontRef>
-        </p:style>
-      </p:cxnSp>
-      <p:pic>
-        <p:nvPicPr>
-          <p:cNvPr id="24" name="图片 23">
-            <a:extLst>
-              <a:ext uri="{FF2B5EF4-FFF2-40B4-BE49-F238E27FC236}">
-                <a16:creationId xmlns:a16="http://schemas.microsoft.com/office/drawing/2014/main" id="{F154DFCC-0E94-4482-B200-013673D2645A}"/>
-              </a:ext>
-            </a:extLst>
-          </p:cNvPr>
-          <p:cNvPicPr>
-            <a:picLocks noChangeAspect="1"/>
-          </p:cNvPicPr>
-          <p:nvPr/>
-        </p:nvPicPr>
-        <p:blipFill>
-          <a:blip r:embed="rId3">
-            <a:extLst>
-              <a:ext uri="{28A0092B-C50C-407E-A947-70E740481C1C}">
-                <a14:useLocalDpi xmlns:a14="http://schemas.microsoft.com/office/drawing/2010/main" val="0"/>
-              </a:ext>
-            </a:extLst>
-          </a:blip>
-          <a:stretch>
-            <a:fillRect/>
-          </a:stretch>
-        </p:blipFill>
-        <p:spPr>
-          <a:xfrm>
-            <a:off x="487271" y="867397"/>
-            <a:ext cx="4949870" cy="5071066"/>
-          </a:xfrm>
-          <a:prstGeom prst="rect">
-            <a:avLst/>
-          </a:prstGeom>
-        </p:spPr>
-      </p:pic>
       <p:sp>
         <p:nvSpPr>
           <p:cNvPr id="5" name="灯片编号占位符 4">
@@ -23023,6 +22087,180 @@
               <a:t>4</a:t>
             </a:fld>
             <a:endParaRPr lang="zh-CN" altLang="en-US"/>
+          </a:p>
+        </p:txBody>
+      </p:sp>
+      <p:sp>
+        <p:nvSpPr>
+          <p:cNvPr id="10" name="文本框 9">
+            <a:extLst>
+              <a:ext uri="{FF2B5EF4-FFF2-40B4-BE49-F238E27FC236}">
+                <a16:creationId xmlns:a16="http://schemas.microsoft.com/office/drawing/2014/main" id="{D61E4C48-9B7D-423F-8417-46A1BD68344F}"/>
+              </a:ext>
+            </a:extLst>
+          </p:cNvPr>
+          <p:cNvSpPr txBox="1"/>
+          <p:nvPr/>
+        </p:nvSpPr>
+        <p:spPr>
+          <a:xfrm>
+            <a:off x="1053956" y="2716767"/>
+            <a:ext cx="10414963" cy="2677656"/>
+          </a:xfrm>
+          <a:prstGeom prst="rect">
+            <a:avLst/>
+          </a:prstGeom>
+          <a:noFill/>
+        </p:spPr>
+        <p:txBody>
+          <a:bodyPr wrap="square" rtlCol="0">
+            <a:spAutoFit/>
+          </a:bodyPr>
+          <a:lstStyle/>
+          <a:p>
+            <a:r>
+              <a:rPr lang="zh-CN" altLang="en-US" sz="2400" dirty="0">
+                <a:latin typeface="微软雅黑" panose="020B0503020204020204" pitchFamily="34" charset="-122"/>
+                <a:ea typeface="微软雅黑" panose="020B0503020204020204" pitchFamily="34" charset="-122"/>
+                <a:cs typeface="Arial" panose="020B0604020202020204" pitchFamily="34" charset="0"/>
+              </a:rPr>
+              <a:t>操作系统分为用户态和内核态，源代码级调试器</a:t>
+            </a:r>
+            <a:r>
+              <a:rPr lang="zh-CN" altLang="en-US" sz="2400" dirty="0">
+                <a:solidFill>
+                  <a:srgbClr val="FF0000"/>
+                </a:solidFill>
+                <a:latin typeface="微软雅黑" panose="020B0503020204020204" pitchFamily="34" charset="-122"/>
+                <a:ea typeface="微软雅黑" panose="020B0503020204020204" pitchFamily="34" charset="-122"/>
+                <a:cs typeface="Arial" panose="020B0604020202020204" pitchFamily="34" charset="0"/>
+              </a:rPr>
+              <a:t>无法感知操作系统中特权级的变化</a:t>
+            </a:r>
+            <a:r>
+              <a:rPr lang="zh-CN" altLang="en-US" sz="2400" dirty="0">
+                <a:latin typeface="微软雅黑" panose="020B0503020204020204" pitchFamily="34" charset="-122"/>
+                <a:ea typeface="微软雅黑" panose="020B0503020204020204" pitchFamily="34" charset="-122"/>
+                <a:cs typeface="Arial" panose="020B0604020202020204" pitchFamily="34" charset="0"/>
+              </a:rPr>
+              <a:t>，无法进行跨特权级的多进程调试。</a:t>
+            </a:r>
+            <a:endParaRPr lang="en-US" altLang="zh-CN" sz="2400" dirty="0">
+              <a:latin typeface="微软雅黑" panose="020B0503020204020204" pitchFamily="34" charset="-122"/>
+              <a:ea typeface="微软雅黑" panose="020B0503020204020204" pitchFamily="34" charset="-122"/>
+              <a:cs typeface="Arial" panose="020B0604020202020204" pitchFamily="34" charset="0"/>
+            </a:endParaRPr>
+          </a:p>
+          <a:p>
+            <a:endParaRPr lang="en-US" altLang="zh-CN" sz="2400" dirty="0">
+              <a:latin typeface="微软雅黑" panose="020B0503020204020204" pitchFamily="34" charset="-122"/>
+              <a:ea typeface="微软雅黑" panose="020B0503020204020204" pitchFamily="34" charset="-122"/>
+              <a:cs typeface="Arial" panose="020B0604020202020204" pitchFamily="34" charset="0"/>
+            </a:endParaRPr>
+          </a:p>
+          <a:p>
+            <a:r>
+              <a:rPr lang="en-US" altLang="zh-CN" sz="2400" dirty="0">
+                <a:latin typeface="微软雅黑" panose="020B0503020204020204" pitchFamily="34" charset="-122"/>
+                <a:ea typeface="微软雅黑" panose="020B0503020204020204" pitchFamily="34" charset="-122"/>
+                <a:cs typeface="Arial" panose="020B0604020202020204" pitchFamily="34" charset="0"/>
+              </a:rPr>
+              <a:t>GDB</a:t>
+            </a:r>
+            <a:r>
+              <a:rPr lang="zh-CN" altLang="en-US" sz="2400" dirty="0">
+                <a:latin typeface="微软雅黑" panose="020B0503020204020204" pitchFamily="34" charset="-122"/>
+                <a:ea typeface="微软雅黑" panose="020B0503020204020204" pitchFamily="34" charset="-122"/>
+                <a:cs typeface="Arial" panose="020B0604020202020204" pitchFamily="34" charset="0"/>
+              </a:rPr>
+              <a:t>调试器更适合在模拟器里使用，对于</a:t>
+            </a:r>
+            <a:r>
+              <a:rPr lang="zh-CN" altLang="en-US" sz="2400" dirty="0">
+                <a:solidFill>
+                  <a:srgbClr val="FF0000"/>
+                </a:solidFill>
+                <a:latin typeface="微软雅黑" panose="020B0503020204020204" pitchFamily="34" charset="-122"/>
+                <a:ea typeface="微软雅黑" panose="020B0503020204020204" pitchFamily="34" charset="-122"/>
+                <a:cs typeface="Arial" panose="020B0604020202020204" pitchFamily="34" charset="0"/>
+              </a:rPr>
+              <a:t>真实硬件和生产环境</a:t>
+            </a:r>
+            <a:r>
+              <a:rPr lang="zh-CN" altLang="en-US" sz="2400" dirty="0">
+                <a:latin typeface="微软雅黑" panose="020B0503020204020204" pitchFamily="34" charset="-122"/>
+                <a:ea typeface="微软雅黑" panose="020B0503020204020204" pitchFamily="34" charset="-122"/>
+                <a:cs typeface="Arial" panose="020B0604020202020204" pitchFamily="34" charset="0"/>
+              </a:rPr>
+              <a:t>下，</a:t>
+            </a:r>
+            <a:r>
+              <a:rPr lang="en-US" altLang="zh-CN" sz="2400" dirty="0">
+                <a:latin typeface="微软雅黑" panose="020B0503020204020204" pitchFamily="34" charset="-122"/>
+                <a:ea typeface="微软雅黑" panose="020B0503020204020204" pitchFamily="34" charset="-122"/>
+                <a:cs typeface="Arial" panose="020B0604020202020204" pitchFamily="34" charset="0"/>
+              </a:rPr>
+              <a:t>GDB</a:t>
+            </a:r>
+            <a:r>
+              <a:rPr lang="zh-CN" altLang="en-US" sz="2400" dirty="0">
+                <a:latin typeface="微软雅黑" panose="020B0503020204020204" pitchFamily="34" charset="-122"/>
+                <a:ea typeface="微软雅黑" panose="020B0503020204020204" pitchFamily="34" charset="-122"/>
+                <a:cs typeface="Arial" panose="020B0604020202020204" pitchFamily="34" charset="0"/>
+              </a:rPr>
+              <a:t>开销较大，引入了</a:t>
+            </a:r>
+            <a:r>
+              <a:rPr lang="en-US" altLang="zh-CN" sz="2400" dirty="0" err="1">
+                <a:latin typeface="微软雅黑" panose="020B0503020204020204" pitchFamily="34" charset="-122"/>
+                <a:ea typeface="微软雅黑" panose="020B0503020204020204" pitchFamily="34" charset="-122"/>
+                <a:cs typeface="Arial" panose="020B0604020202020204" pitchFamily="34" charset="0"/>
+              </a:rPr>
+              <a:t>eBPF</a:t>
+            </a:r>
+            <a:r>
+              <a:rPr lang="zh-CN" altLang="en-US" sz="2400" dirty="0">
+                <a:latin typeface="微软雅黑" panose="020B0503020204020204" pitchFamily="34" charset="-122"/>
+                <a:ea typeface="微软雅黑" panose="020B0503020204020204" pitchFamily="34" charset="-122"/>
+                <a:cs typeface="Arial" panose="020B0604020202020204" pitchFamily="34" charset="0"/>
+              </a:rPr>
+              <a:t>技术。</a:t>
+            </a:r>
+            <a:endParaRPr lang="en-US" altLang="zh-CN" sz="2400" dirty="0">
+              <a:latin typeface="微软雅黑" panose="020B0503020204020204" pitchFamily="34" charset="-122"/>
+              <a:ea typeface="微软雅黑" panose="020B0503020204020204" pitchFamily="34" charset="-122"/>
+              <a:cs typeface="Arial" panose="020B0604020202020204" pitchFamily="34" charset="0"/>
+            </a:endParaRPr>
+          </a:p>
+          <a:p>
+            <a:endParaRPr lang="en-US" altLang="zh-CN" sz="2400" dirty="0">
+              <a:latin typeface="微软雅黑" panose="020B0503020204020204" pitchFamily="34" charset="-122"/>
+              <a:ea typeface="微软雅黑" panose="020B0503020204020204" pitchFamily="34" charset="-122"/>
+              <a:cs typeface="Arial" panose="020B0604020202020204" pitchFamily="34" charset="0"/>
+            </a:endParaRPr>
+          </a:p>
+          <a:p>
+            <a:r>
+              <a:rPr lang="zh-CN" altLang="en-US" sz="2400" dirty="0">
+                <a:latin typeface="微软雅黑" panose="020B0503020204020204" pitchFamily="34" charset="-122"/>
+                <a:ea typeface="微软雅黑" panose="020B0503020204020204" pitchFamily="34" charset="-122"/>
+              </a:rPr>
+              <a:t>缺少对用户友好的</a:t>
+            </a:r>
+            <a:r>
+              <a:rPr lang="en-US" altLang="zh-CN" sz="2400" dirty="0">
+                <a:latin typeface="微软雅黑" panose="020B0503020204020204" pitchFamily="34" charset="-122"/>
+                <a:ea typeface="微软雅黑" panose="020B0503020204020204" pitchFamily="34" charset="-122"/>
+              </a:rPr>
+              <a:t>Rust</a:t>
+            </a:r>
+            <a:r>
+              <a:rPr lang="zh-CN" altLang="en-US" sz="2400" dirty="0">
+                <a:latin typeface="微软雅黑" panose="020B0503020204020204" pitchFamily="34" charset="-122"/>
+                <a:ea typeface="微软雅黑" panose="020B0503020204020204" pitchFamily="34" charset="-122"/>
+              </a:rPr>
+              <a:t>操作系统源代码级调试器。</a:t>
+            </a:r>
           </a:p>
         </p:txBody>
       </p:sp>
@@ -23853,7 +23091,7 @@
                 <a:ea typeface="微软雅黑" panose="020B0503020204020204" pitchFamily="34" charset="-122"/>
                 <a:cs typeface="Times New Roman" panose="02020603050405020304" pitchFamily="18" charset="0"/>
               </a:rPr>
-              <a:t>，提供一种静态断点的调试和动态跟踪结合的方法，支持对多进程的跟踪和监测；</a:t>
+              <a:t>，提供一种静态断点的调试和动态跟踪结合的方法，支持动态获取调试信息；</a:t>
             </a:r>
             <a:endParaRPr lang="en-US" altLang="zh-CN" sz="2000" b="1" dirty="0">
               <a:solidFill>
@@ -23889,20 +23127,14 @@
             </a:r>
             <a:r>
               <a:rPr lang="zh-CN" altLang="en-US" sz="2000" dirty="0">
-                <a:solidFill>
-                  <a:schemeClr val="tx1"/>
-                </a:solidFill>
                 <a:latin typeface="微软雅黑" panose="020B0503020204020204" pitchFamily="34" charset="-122"/>
                 <a:ea typeface="微软雅黑" panose="020B0503020204020204" pitchFamily="34" charset="-122"/>
                 <a:cs typeface="Times New Roman" panose="02020603050405020304" pitchFamily="18" charset="0"/>
               </a:rPr>
-              <a:t>将</a:t>
+              <a:t>设计实现</a:t>
             </a:r>
             <a:r>
               <a:rPr lang="en-US" altLang="zh-CN" sz="2000" dirty="0" err="1">
-                <a:solidFill>
-                  <a:schemeClr val="tx1"/>
-                </a:solidFill>
                 <a:latin typeface="微软雅黑" panose="020B0503020204020204" pitchFamily="34" charset="-122"/>
                 <a:ea typeface="微软雅黑" panose="020B0503020204020204" pitchFamily="34" charset="-122"/>
                 <a:cs typeface="Times New Roman" panose="02020603050405020304" pitchFamily="18" charset="0"/>
@@ -23911,17 +23143,14 @@
             </a:r>
             <a:r>
               <a:rPr lang="zh-CN" altLang="en-US" sz="2000" dirty="0">
-                <a:solidFill>
-                  <a:schemeClr val="tx1"/>
-                </a:solidFill>
                 <a:latin typeface="微软雅黑" panose="020B0503020204020204" pitchFamily="34" charset="-122"/>
                 <a:ea typeface="微软雅黑" panose="020B0503020204020204" pitchFamily="34" charset="-122"/>
                 <a:cs typeface="Times New Roman" panose="02020603050405020304" pitchFamily="18" charset="0"/>
               </a:rPr>
-              <a:t>虚拟机、</a:t>
-            </a:r>
-            <a:r>
-              <a:rPr lang="en-US" altLang="zh-CN" sz="2000" dirty="0" err="1">
+              <a:t>处理模块</a:t>
+            </a:r>
+            <a:r>
+              <a:rPr lang="zh-CN" altLang="en-US" sz="2000" dirty="0">
                 <a:solidFill>
                   <a:schemeClr val="tx1"/>
                 </a:solidFill>
@@ -23929,40 +23158,7 @@
                 <a:ea typeface="微软雅黑" panose="020B0503020204020204" pitchFamily="34" charset="-122"/>
                 <a:cs typeface="Times New Roman" panose="02020603050405020304" pitchFamily="18" charset="0"/>
               </a:rPr>
-              <a:t>kprobe</a:t>
-            </a:r>
-            <a:r>
-              <a:rPr lang="zh-CN" altLang="en-US" sz="2000" dirty="0">
-                <a:solidFill>
-                  <a:schemeClr val="tx1"/>
-                </a:solidFill>
-                <a:latin typeface="微软雅黑" panose="020B0503020204020204" pitchFamily="34" charset="-122"/>
-                <a:ea typeface="微软雅黑" panose="020B0503020204020204" pitchFamily="34" charset="-122"/>
-                <a:cs typeface="Times New Roman" panose="02020603050405020304" pitchFamily="18" charset="0"/>
-              </a:rPr>
-              <a:t>移植到</a:t>
-            </a:r>
-            <a:r>
-              <a:rPr lang="en-US" altLang="zh-CN" sz="2000" dirty="0" err="1">
-                <a:solidFill>
-                  <a:schemeClr val="tx1"/>
-                </a:solidFill>
-                <a:latin typeface="微软雅黑" panose="020B0503020204020204" pitchFamily="34" charset="-122"/>
-                <a:ea typeface="微软雅黑" panose="020B0503020204020204" pitchFamily="34" charset="-122"/>
-                <a:cs typeface="Times New Roman" panose="02020603050405020304" pitchFamily="18" charset="0"/>
-              </a:rPr>
-              <a:t>rCore</a:t>
-            </a:r>
-            <a:r>
-              <a:rPr lang="zh-CN" altLang="en-US" sz="2000" dirty="0">
-                <a:solidFill>
-                  <a:schemeClr val="tx1"/>
-                </a:solidFill>
-                <a:latin typeface="微软雅黑" panose="020B0503020204020204" pitchFamily="34" charset="-122"/>
-                <a:ea typeface="微软雅黑" panose="020B0503020204020204" pitchFamily="34" charset="-122"/>
-                <a:cs typeface="Times New Roman" panose="02020603050405020304" pitchFamily="18" charset="0"/>
-              </a:rPr>
-              <a:t>，提供串口支持，数据流整合</a:t>
+              <a:t>，数据流整合</a:t>
             </a:r>
           </a:p>
           <a:p>
@@ -25659,7 +24855,7 @@
                 <a:latin typeface="微软雅黑" panose="020B0503020204020204" pitchFamily="34" charset="-122"/>
                 <a:ea typeface="微软雅黑" panose="020B0503020204020204" pitchFamily="34" charset="-122"/>
               </a:rPr>
-              <a:t>，让调试器能够感知到被调试操作系统进行了特权级切换，从而实现跨特权级的源代码级操作系统调试。</a:t>
+              <a:t>，使调试器能够感知到被调试操作系统进行了特权级切换，从而实现跨特权级的源代码级操作系统调试。</a:t>
             </a:r>
             <a:endParaRPr lang="zh-CN" altLang="en-US" b="1" dirty="0">
               <a:solidFill>
@@ -25820,8 +25016,8 @@
         </p:blipFill>
         <p:spPr>
           <a:xfrm>
-            <a:off x="6341635" y="3982093"/>
-            <a:ext cx="5394602" cy="2298818"/>
+            <a:off x="5924788" y="3329158"/>
+            <a:ext cx="6156085" cy="2623311"/>
           </a:xfrm>
           <a:prstGeom prst="rect">
             <a:avLst/>
@@ -26322,6 +25518,824 @@
           </a:p>
         </p:txBody>
       </p:sp>
+      <p:sp>
+        <p:nvSpPr>
+          <p:cNvPr id="19" name="文本框 18">
+            <a:extLst>
+              <a:ext uri="{FF2B5EF4-FFF2-40B4-BE49-F238E27FC236}">
+                <a16:creationId xmlns:a16="http://schemas.microsoft.com/office/drawing/2014/main" id="{5E4CB123-C175-41C6-98EF-2A1316AA0C9C}"/>
+              </a:ext>
+            </a:extLst>
+          </p:cNvPr>
+          <p:cNvSpPr txBox="1"/>
+          <p:nvPr/>
+        </p:nvSpPr>
+        <p:spPr>
+          <a:xfrm>
+            <a:off x="449622" y="1132135"/>
+            <a:ext cx="8926767" cy="461665"/>
+          </a:xfrm>
+          <a:prstGeom prst="rect">
+            <a:avLst/>
+          </a:prstGeom>
+          <a:noFill/>
+        </p:spPr>
+        <p:txBody>
+          <a:bodyPr wrap="square">
+            <a:spAutoFit/>
+          </a:bodyPr>
+          <a:lstStyle/>
+          <a:p>
+            <a:pPr marL="342900" indent="-342900">
+              <a:buFont typeface="Wingdings" panose="05000000000000000000" pitchFamily="2" charset="2"/>
+              <a:buChar char="l"/>
+            </a:pPr>
+            <a:r>
+              <a:rPr lang="zh-CN" altLang="en-US" sz="2400" b="1" kern="100" dirty="0">
+                <a:solidFill>
+                  <a:schemeClr val="tx1"/>
+                </a:solidFill>
+                <a:latin typeface="微软雅黑" panose="020B0503020204020204" pitchFamily="34" charset="-122"/>
+                <a:ea typeface="微软雅黑" panose="020B0503020204020204" pitchFamily="34" charset="-122"/>
+              </a:rPr>
+              <a:t>用户态进入内核态的调试选项</a:t>
+            </a:r>
+          </a:p>
+        </p:txBody>
+      </p:sp>
+      <p:sp>
+        <p:nvSpPr>
+          <p:cNvPr id="4" name="灯片编号占位符 3">
+            <a:extLst>
+              <a:ext uri="{FF2B5EF4-FFF2-40B4-BE49-F238E27FC236}">
+                <a16:creationId xmlns:a16="http://schemas.microsoft.com/office/drawing/2014/main" id="{7E5ABA5D-4224-4E96-9545-D7A7AFC17802}"/>
+              </a:ext>
+            </a:extLst>
+          </p:cNvPr>
+          <p:cNvSpPr>
+            <a:spLocks noGrp="1"/>
+          </p:cNvSpPr>
+          <p:nvPr>
+            <p:ph type="sldNum" sz="quarter" idx="12"/>
+          </p:nvPr>
+        </p:nvSpPr>
+        <p:spPr/>
+        <p:txBody>
+          <a:bodyPr/>
+          <a:lstStyle/>
+          <a:p>
+            <a:fld id="{9D55DC8D-C4F0-4F0D-B826-92573808DA56}" type="slidenum">
+              <a:rPr lang="zh-CN" altLang="en-US" smtClean="0"/>
+              <a:pPr/>
+              <a:t>8</a:t>
+            </a:fld>
+            <a:endParaRPr lang="zh-CN" altLang="en-US"/>
+          </a:p>
+        </p:txBody>
+      </p:sp>
+      <p:pic>
+        <p:nvPicPr>
+          <p:cNvPr id="7" name="图片 6">
+            <a:extLst>
+              <a:ext uri="{FF2B5EF4-FFF2-40B4-BE49-F238E27FC236}">
+                <a16:creationId xmlns:a16="http://schemas.microsoft.com/office/drawing/2014/main" id="{FC553E95-ADCD-47D1-ABEE-8BC87409CD15}"/>
+              </a:ext>
+            </a:extLst>
+          </p:cNvPr>
+          <p:cNvPicPr>
+            <a:picLocks noChangeAspect="1"/>
+          </p:cNvPicPr>
+          <p:nvPr/>
+        </p:nvPicPr>
+        <p:blipFill>
+          <a:blip r:embed="rId3"/>
+          <a:stretch>
+            <a:fillRect/>
+          </a:stretch>
+        </p:blipFill>
+        <p:spPr>
+          <a:xfrm>
+            <a:off x="6658588" y="3545304"/>
+            <a:ext cx="5139517" cy="2585441"/>
+          </a:xfrm>
+          <a:prstGeom prst="rect">
+            <a:avLst/>
+          </a:prstGeom>
+        </p:spPr>
+      </p:pic>
+      <p:pic>
+        <p:nvPicPr>
+          <p:cNvPr id="11" name="图片 10">
+            <a:extLst>
+              <a:ext uri="{FF2B5EF4-FFF2-40B4-BE49-F238E27FC236}">
+                <a16:creationId xmlns:a16="http://schemas.microsoft.com/office/drawing/2014/main" id="{3BD7776E-7911-4AC1-9C12-AC730458134C}"/>
+              </a:ext>
+            </a:extLst>
+          </p:cNvPr>
+          <p:cNvPicPr>
+            <a:picLocks noChangeAspect="1"/>
+          </p:cNvPicPr>
+          <p:nvPr/>
+        </p:nvPicPr>
+        <p:blipFill>
+          <a:blip r:embed="rId4"/>
+          <a:stretch>
+            <a:fillRect/>
+          </a:stretch>
+        </p:blipFill>
+        <p:spPr>
+          <a:xfrm>
+            <a:off x="799510" y="1756162"/>
+            <a:ext cx="4373295" cy="2112058"/>
+          </a:xfrm>
+          <a:prstGeom prst="rect">
+            <a:avLst/>
+          </a:prstGeom>
+        </p:spPr>
+      </p:pic>
+      <p:sp>
+        <p:nvSpPr>
+          <p:cNvPr id="23" name="文本框 22">
+            <a:extLst>
+              <a:ext uri="{FF2B5EF4-FFF2-40B4-BE49-F238E27FC236}">
+                <a16:creationId xmlns:a16="http://schemas.microsoft.com/office/drawing/2014/main" id="{36C5FD43-80E2-4006-9EC4-52F33E15050C}"/>
+              </a:ext>
+            </a:extLst>
+          </p:cNvPr>
+          <p:cNvSpPr txBox="1"/>
+          <p:nvPr/>
+        </p:nvSpPr>
+        <p:spPr>
+          <a:xfrm>
+            <a:off x="5407707" y="2057597"/>
+            <a:ext cx="6158817" cy="861774"/>
+          </a:xfrm>
+          <a:prstGeom prst="rect">
+            <a:avLst/>
+          </a:prstGeom>
+          <a:noFill/>
+        </p:spPr>
+        <p:txBody>
+          <a:bodyPr wrap="square">
+            <a:spAutoFit/>
+          </a:bodyPr>
+          <a:lstStyle/>
+          <a:p>
+            <a:pPr marL="742950" lvl="1" indent="-285750">
+              <a:spcBef>
+                <a:spcPts val="600"/>
+              </a:spcBef>
+              <a:spcAft>
+                <a:spcPts val="600"/>
+              </a:spcAft>
+              <a:buFont typeface="Wingdings" panose="05000000000000000000" pitchFamily="2" charset="2"/>
+              <a:buChar char="Ø"/>
+            </a:pPr>
+            <a:r>
+              <a:rPr lang="zh-CN" altLang="en-US" sz="2000" b="1" dirty="0">
+                <a:solidFill>
+                  <a:schemeClr val="accent1">
+                    <a:lumMod val="75000"/>
+                  </a:schemeClr>
+                </a:solidFill>
+                <a:latin typeface="微软雅黑" panose="020B0503020204020204" pitchFamily="34" charset="-122"/>
+                <a:ea typeface="微软雅黑" panose="020B0503020204020204" pitchFamily="34" charset="-122"/>
+              </a:rPr>
+              <a:t>被调试操作系统运行过程中</a:t>
+            </a:r>
+            <a:endParaRPr lang="en-US" altLang="zh-CN" sz="2000" b="1" dirty="0">
+              <a:solidFill>
+                <a:schemeClr val="accent1">
+                  <a:lumMod val="75000"/>
+                </a:schemeClr>
+              </a:solidFill>
+              <a:latin typeface="微软雅黑" panose="020B0503020204020204" pitchFamily="34" charset="-122"/>
+              <a:ea typeface="微软雅黑" panose="020B0503020204020204" pitchFamily="34" charset="-122"/>
+            </a:endParaRPr>
+          </a:p>
+          <a:p>
+            <a:pPr lvl="1">
+              <a:spcBef>
+                <a:spcPts val="600"/>
+              </a:spcBef>
+              <a:spcAft>
+                <a:spcPts val="600"/>
+              </a:spcAft>
+            </a:pPr>
+            <a:r>
+              <a:rPr lang="en-US" altLang="zh-CN" sz="2000" b="1" dirty="0">
+                <a:solidFill>
+                  <a:schemeClr val="accent1">
+                    <a:lumMod val="75000"/>
+                  </a:schemeClr>
+                </a:solidFill>
+                <a:latin typeface="微软雅黑" panose="020B0503020204020204" pitchFamily="34" charset="-122"/>
+                <a:ea typeface="微软雅黑" panose="020B0503020204020204" pitchFamily="34" charset="-122"/>
+              </a:rPr>
+              <a:t>    </a:t>
+            </a:r>
+            <a:r>
+              <a:rPr lang="zh-CN" altLang="en-US" sz="2000" b="1" dirty="0">
+                <a:solidFill>
+                  <a:srgbClr val="FF0000"/>
+                </a:solidFill>
+                <a:latin typeface="微软雅黑" panose="020B0503020204020204" pitchFamily="34" charset="-122"/>
+                <a:ea typeface="微软雅黑" panose="020B0503020204020204" pitchFamily="34" charset="-122"/>
+              </a:rPr>
+              <a:t>特权级切换过于频繁</a:t>
+            </a:r>
+            <a:endParaRPr lang="en-US" altLang="zh-CN" sz="2000" b="1" dirty="0">
+              <a:solidFill>
+                <a:srgbClr val="FF0000"/>
+              </a:solidFill>
+              <a:latin typeface="微软雅黑" panose="020B0503020204020204" pitchFamily="34" charset="-122"/>
+              <a:ea typeface="微软雅黑" panose="020B0503020204020204" pitchFamily="34" charset="-122"/>
+            </a:endParaRPr>
+          </a:p>
+        </p:txBody>
+      </p:sp>
+      <p:sp>
+        <p:nvSpPr>
+          <p:cNvPr id="24" name="文本框 23">
+            <a:extLst>
+              <a:ext uri="{FF2B5EF4-FFF2-40B4-BE49-F238E27FC236}">
+                <a16:creationId xmlns:a16="http://schemas.microsoft.com/office/drawing/2014/main" id="{8A223592-51CF-46AA-B761-579B64656BDB}"/>
+              </a:ext>
+            </a:extLst>
+          </p:cNvPr>
+          <p:cNvSpPr txBox="1"/>
+          <p:nvPr/>
+        </p:nvSpPr>
+        <p:spPr>
+          <a:xfrm>
+            <a:off x="499771" y="4044513"/>
+            <a:ext cx="6158817" cy="1938992"/>
+          </a:xfrm>
+          <a:prstGeom prst="rect">
+            <a:avLst/>
+          </a:prstGeom>
+          <a:noFill/>
+        </p:spPr>
+        <p:txBody>
+          <a:bodyPr wrap="square">
+            <a:spAutoFit/>
+          </a:bodyPr>
+          <a:lstStyle/>
+          <a:p>
+            <a:pPr marL="742950" lvl="1" indent="-285750">
+              <a:spcBef>
+                <a:spcPts val="600"/>
+              </a:spcBef>
+              <a:spcAft>
+                <a:spcPts val="600"/>
+              </a:spcAft>
+              <a:buFont typeface="Wingdings" panose="05000000000000000000" pitchFamily="2" charset="2"/>
+              <a:buChar char="Ø"/>
+            </a:pPr>
+            <a:r>
+              <a:rPr lang="zh-CN" altLang="en-US" sz="2000" b="1" dirty="0">
+                <a:solidFill>
+                  <a:srgbClr val="FF0000"/>
+                </a:solidFill>
+                <a:latin typeface="微软雅黑" panose="020B0503020204020204" pitchFamily="34" charset="-122"/>
+                <a:ea typeface="微软雅黑" panose="020B0503020204020204" pitchFamily="34" charset="-122"/>
+              </a:rPr>
+              <a:t>设置调试选项</a:t>
+            </a:r>
+            <a:endParaRPr lang="en-US" altLang="zh-CN" sz="2000" b="1" dirty="0">
+              <a:solidFill>
+                <a:srgbClr val="FF0000"/>
+              </a:solidFill>
+              <a:latin typeface="微软雅黑" panose="020B0503020204020204" pitchFamily="34" charset="-122"/>
+              <a:ea typeface="微软雅黑" panose="020B0503020204020204" pitchFamily="34" charset="-122"/>
+            </a:endParaRPr>
+          </a:p>
+          <a:p>
+            <a:pPr lvl="1">
+              <a:spcBef>
+                <a:spcPts val="600"/>
+              </a:spcBef>
+              <a:spcAft>
+                <a:spcPts val="600"/>
+              </a:spcAft>
+            </a:pPr>
+            <a:r>
+              <a:rPr lang="zh-CN" altLang="en-US" sz="2000" b="1" dirty="0">
+                <a:solidFill>
+                  <a:schemeClr val="accent1">
+                    <a:lumMod val="75000"/>
+                  </a:schemeClr>
+                </a:solidFill>
+                <a:latin typeface="微软雅黑" panose="020B0503020204020204" pitchFamily="34" charset="-122"/>
+                <a:ea typeface="微软雅黑" panose="020B0503020204020204" pitchFamily="34" charset="-122"/>
+              </a:rPr>
+              <a:t>在操作系统需要进行特权级切换的时候，由用户决定调试器是否跟随进入内核态</a:t>
+            </a:r>
+            <a:endParaRPr lang="en-US" altLang="zh-CN" sz="2000" b="1" dirty="0">
+              <a:solidFill>
+                <a:schemeClr val="accent1">
+                  <a:lumMod val="75000"/>
+                </a:schemeClr>
+              </a:solidFill>
+              <a:latin typeface="微软雅黑" panose="020B0503020204020204" pitchFamily="34" charset="-122"/>
+              <a:ea typeface="微软雅黑" panose="020B0503020204020204" pitchFamily="34" charset="-122"/>
+            </a:endParaRPr>
+          </a:p>
+          <a:p>
+            <a:pPr lvl="1">
+              <a:spcBef>
+                <a:spcPts val="600"/>
+              </a:spcBef>
+              <a:spcAft>
+                <a:spcPts val="600"/>
+              </a:spcAft>
+            </a:pPr>
+            <a:r>
+              <a:rPr lang="zh-CN" altLang="en-US" sz="2000" b="1" dirty="0">
+                <a:solidFill>
+                  <a:srgbClr val="FF0000"/>
+                </a:solidFill>
+                <a:latin typeface="微软雅黑" panose="020B0503020204020204" pitchFamily="34" charset="-122"/>
+                <a:ea typeface="微软雅黑" panose="020B0503020204020204" pitchFamily="34" charset="-122"/>
+              </a:rPr>
+              <a:t>在特权级切换之前设断点，单步后切换符号表和断点</a:t>
+            </a:r>
+            <a:endParaRPr lang="en-US" altLang="zh-CN" sz="2000" b="1" dirty="0">
+              <a:solidFill>
+                <a:schemeClr val="accent1">
+                  <a:lumMod val="75000"/>
+                </a:schemeClr>
+              </a:solidFill>
+              <a:latin typeface="微软雅黑" panose="020B0503020204020204" pitchFamily="34" charset="-122"/>
+              <a:ea typeface="微软雅黑" panose="020B0503020204020204" pitchFamily="34" charset="-122"/>
+            </a:endParaRPr>
+          </a:p>
+        </p:txBody>
+      </p:sp>
+    </p:spTree>
+    <p:extLst>
+      <p:ext uri="{BB962C8B-B14F-4D97-AF65-F5344CB8AC3E}">
+        <p14:creationId xmlns:p14="http://schemas.microsoft.com/office/powerpoint/2010/main" val="1750597186"/>
+      </p:ext>
+    </p:extLst>
+  </p:cSld>
+  <p:clrMapOvr>
+    <a:masterClrMapping/>
+  </p:clrMapOvr>
+</p:sld>
+</file>
+
+<file path=ppt/slides/slide9.xml><?xml version="1.0" encoding="utf-8"?>
+<p:sld xmlns:a="http://schemas.openxmlformats.org/drawingml/2006/main" xmlns:r="http://schemas.openxmlformats.org/officeDocument/2006/relationships" xmlns:p="http://schemas.openxmlformats.org/presentationml/2006/main">
+  <p:cSld>
+    <p:spTree>
+      <p:nvGrpSpPr>
+        <p:cNvPr id="1" name=""/>
+        <p:cNvGrpSpPr/>
+        <p:nvPr/>
+      </p:nvGrpSpPr>
+      <p:grpSpPr>
+        <a:xfrm>
+          <a:off x="0" y="0"/>
+          <a:ext cx="0" cy="0"/>
+          <a:chOff x="0" y="0"/>
+          <a:chExt cx="0" cy="0"/>
+        </a:xfrm>
+      </p:grpSpPr>
+      <p:sp>
+        <p:nvSpPr>
+          <p:cNvPr id="2" name="矩形 1"/>
+          <p:cNvSpPr/>
+          <p:nvPr/>
+        </p:nvSpPr>
+        <p:spPr>
+          <a:xfrm>
+            <a:off x="0" y="254000"/>
+            <a:ext cx="609600" cy="238125"/>
+          </a:xfrm>
+          <a:prstGeom prst="rect">
+            <a:avLst/>
+          </a:prstGeom>
+          <a:solidFill>
+            <a:srgbClr val="044875"/>
+          </a:solidFill>
+          <a:ln>
+            <a:noFill/>
+          </a:ln>
+        </p:spPr>
+        <p:style>
+          <a:lnRef idx="2">
+            <a:schemeClr val="accent1">
+              <a:shade val="50000"/>
+            </a:schemeClr>
+          </a:lnRef>
+          <a:fillRef idx="1">
+            <a:schemeClr val="accent1"/>
+          </a:fillRef>
+          <a:effectRef idx="0">
+            <a:schemeClr val="accent1"/>
+          </a:effectRef>
+          <a:fontRef idx="minor">
+            <a:schemeClr val="lt1"/>
+          </a:fontRef>
+        </p:style>
+        <p:txBody>
+          <a:bodyPr anchor="ctr"/>
+          <a:lstStyle/>
+          <a:p>
+            <a:pPr algn="ctr" eaLnBrk="1" fontAlgn="auto" hangingPunct="1">
+              <a:spcBef>
+                <a:spcPts val="0"/>
+              </a:spcBef>
+              <a:spcAft>
+                <a:spcPts val="0"/>
+              </a:spcAft>
+              <a:defRPr/>
+            </a:pPr>
+            <a:endParaRPr lang="zh-CN" altLang="en-US"/>
+          </a:p>
+        </p:txBody>
+      </p:sp>
+      <p:sp>
+        <p:nvSpPr>
+          <p:cNvPr id="3" name="矩形 2"/>
+          <p:cNvSpPr/>
+          <p:nvPr/>
+        </p:nvSpPr>
+        <p:spPr>
+          <a:xfrm>
+            <a:off x="3313592" y="254000"/>
+            <a:ext cx="8878407" cy="236537"/>
+          </a:xfrm>
+          <a:prstGeom prst="rect">
+            <a:avLst/>
+          </a:prstGeom>
+          <a:solidFill>
+            <a:srgbClr val="044875"/>
+          </a:solidFill>
+          <a:ln>
+            <a:noFill/>
+          </a:ln>
+        </p:spPr>
+        <p:style>
+          <a:lnRef idx="2">
+            <a:schemeClr val="accent1">
+              <a:shade val="50000"/>
+            </a:schemeClr>
+          </a:lnRef>
+          <a:fillRef idx="1">
+            <a:schemeClr val="accent1"/>
+          </a:fillRef>
+          <a:effectRef idx="0">
+            <a:schemeClr val="accent1"/>
+          </a:effectRef>
+          <a:fontRef idx="minor">
+            <a:schemeClr val="lt1"/>
+          </a:fontRef>
+        </p:style>
+        <p:txBody>
+          <a:bodyPr anchor="ctr"/>
+          <a:lstStyle/>
+          <a:p>
+            <a:pPr algn="ctr" eaLnBrk="1" fontAlgn="auto" hangingPunct="1">
+              <a:spcBef>
+                <a:spcPts val="0"/>
+              </a:spcBef>
+              <a:spcAft>
+                <a:spcPts val="0"/>
+              </a:spcAft>
+              <a:defRPr/>
+            </a:pPr>
+            <a:endParaRPr lang="zh-CN" altLang="en-US"/>
+          </a:p>
+        </p:txBody>
+      </p:sp>
+      <p:grpSp>
+        <p:nvGrpSpPr>
+          <p:cNvPr id="21" name="组合 20"/>
+          <p:cNvGrpSpPr>
+            <a:grpSpLocks/>
+          </p:cNvGrpSpPr>
+          <p:nvPr/>
+        </p:nvGrpSpPr>
+        <p:grpSpPr bwMode="auto">
+          <a:xfrm>
+            <a:off x="502737" y="82550"/>
+            <a:ext cx="3148022" cy="585788"/>
+            <a:chOff x="503436" y="82976"/>
+            <a:chExt cx="3146852" cy="584775"/>
+          </a:xfrm>
+        </p:grpSpPr>
+        <p:sp>
+          <p:nvSpPr>
+            <p:cNvPr id="7251" name="文本框 3"/>
+            <p:cNvSpPr txBox="1">
+              <a:spLocks noChangeArrowheads="1"/>
+            </p:cNvSpPr>
+            <p:nvPr/>
+          </p:nvSpPr>
+          <p:spPr bwMode="auto">
+            <a:xfrm>
+              <a:off x="800100" y="111278"/>
+              <a:ext cx="2850188" cy="522315"/>
+            </a:xfrm>
+            <a:prstGeom prst="rect">
+              <a:avLst/>
+            </a:prstGeom>
+            <a:noFill/>
+            <a:ln>
+              <a:noFill/>
+            </a:ln>
+            <a:extLst>
+              <a:ext uri="{909E8E84-426E-40DD-AFC4-6F175D3DCCD1}">
+                <a14:hiddenFill xmlns:a14="http://schemas.microsoft.com/office/drawing/2010/main">
+                  <a:solidFill>
+                    <a:srgbClr val="FFFFFF"/>
+                  </a:solidFill>
+                </a14:hiddenFill>
+              </a:ext>
+              <a:ext uri="{91240B29-F687-4F45-9708-019B960494DF}">
+                <a14:hiddenLine xmlns:a14="http://schemas.microsoft.com/office/drawing/2010/main" w="9525">
+                  <a:solidFill>
+                    <a:srgbClr val="000000"/>
+                  </a:solidFill>
+                  <a:miter lim="800000"/>
+                  <a:headEnd/>
+                  <a:tailEnd/>
+                </a14:hiddenLine>
+              </a:ext>
+            </a:extLst>
+          </p:spPr>
+          <p:txBody>
+            <a:bodyPr wrap="square">
+              <a:spAutoFit/>
+            </a:bodyPr>
+            <a:lstStyle>
+              <a:lvl1pPr>
+                <a:defRPr sz="2800">
+                  <a:solidFill>
+                    <a:schemeClr val="tx1"/>
+                  </a:solidFill>
+                  <a:latin typeface="Calibri" pitchFamily="34" charset="0"/>
+                  <a:ea typeface="宋体" pitchFamily="2" charset="-122"/>
+                </a:defRPr>
+              </a:lvl1pPr>
+              <a:lvl2pPr marL="742950" indent="-285750">
+                <a:defRPr sz="2400">
+                  <a:solidFill>
+                    <a:schemeClr val="tx1"/>
+                  </a:solidFill>
+                  <a:latin typeface="Calibri" pitchFamily="34" charset="0"/>
+                  <a:ea typeface="宋体" pitchFamily="2" charset="-122"/>
+                </a:defRPr>
+              </a:lvl2pPr>
+              <a:lvl3pPr>
+                <a:defRPr sz="2000">
+                  <a:solidFill>
+                    <a:schemeClr val="tx1"/>
+                  </a:solidFill>
+                  <a:latin typeface="Calibri" pitchFamily="34" charset="0"/>
+                  <a:ea typeface="宋体" pitchFamily="2" charset="-122"/>
+                </a:defRPr>
+              </a:lvl3pPr>
+              <a:lvl4pPr>
+                <a:defRPr>
+                  <a:solidFill>
+                    <a:schemeClr val="tx1"/>
+                  </a:solidFill>
+                  <a:latin typeface="Calibri" pitchFamily="34" charset="0"/>
+                  <a:ea typeface="宋体" pitchFamily="2" charset="-122"/>
+                </a:defRPr>
+              </a:lvl4pPr>
+              <a:lvl5pPr>
+                <a:defRPr>
+                  <a:solidFill>
+                    <a:schemeClr val="tx1"/>
+                  </a:solidFill>
+                  <a:latin typeface="Calibri" pitchFamily="34" charset="0"/>
+                  <a:ea typeface="宋体" pitchFamily="2" charset="-122"/>
+                </a:defRPr>
+              </a:lvl5pPr>
+              <a:lvl6pPr eaLnBrk="0" fontAlgn="base" hangingPunct="0">
+                <a:spcAft>
+                  <a:spcPct val="0"/>
+                </a:spcAft>
+                <a:buFont typeface="Arial" charset="0"/>
+                <a:defRPr>
+                  <a:solidFill>
+                    <a:schemeClr val="tx1"/>
+                  </a:solidFill>
+                  <a:latin typeface="Calibri" pitchFamily="34" charset="0"/>
+                  <a:ea typeface="宋体" pitchFamily="2" charset="-122"/>
+                </a:defRPr>
+              </a:lvl6pPr>
+              <a:lvl7pPr eaLnBrk="0" fontAlgn="base" hangingPunct="0">
+                <a:spcAft>
+                  <a:spcPct val="0"/>
+                </a:spcAft>
+                <a:buFont typeface="Arial" charset="0"/>
+                <a:defRPr>
+                  <a:solidFill>
+                    <a:schemeClr val="tx1"/>
+                  </a:solidFill>
+                  <a:latin typeface="Calibri" pitchFamily="34" charset="0"/>
+                  <a:ea typeface="宋体" pitchFamily="2" charset="-122"/>
+                </a:defRPr>
+              </a:lvl7pPr>
+              <a:lvl8pPr eaLnBrk="0" fontAlgn="base" hangingPunct="0">
+                <a:spcAft>
+                  <a:spcPct val="0"/>
+                </a:spcAft>
+                <a:buFont typeface="Arial" charset="0"/>
+                <a:defRPr>
+                  <a:solidFill>
+                    <a:schemeClr val="tx1"/>
+                  </a:solidFill>
+                  <a:latin typeface="Calibri" pitchFamily="34" charset="0"/>
+                  <a:ea typeface="宋体" pitchFamily="2" charset="-122"/>
+                </a:defRPr>
+              </a:lvl8pPr>
+              <a:lvl9pPr eaLnBrk="0" fontAlgn="base" hangingPunct="0">
+                <a:spcAft>
+                  <a:spcPct val="0"/>
+                </a:spcAft>
+                <a:buFont typeface="Arial" charset="0"/>
+                <a:defRPr>
+                  <a:solidFill>
+                    <a:schemeClr val="tx1"/>
+                  </a:solidFill>
+                  <a:latin typeface="Calibri" pitchFamily="34" charset="0"/>
+                  <a:ea typeface="宋体" pitchFamily="2" charset="-122"/>
+                </a:defRPr>
+              </a:lvl9pPr>
+            </a:lstStyle>
+            <a:p>
+              <a:pPr algn="ctr" eaLnBrk="1" hangingPunct="1"/>
+              <a:r>
+                <a:rPr lang="zh-CN" altLang="en-US" dirty="0">
+                  <a:solidFill>
+                    <a:srgbClr val="044875"/>
+                  </a:solidFill>
+                  <a:latin typeface="微软雅黑" pitchFamily="34" charset="-122"/>
+                  <a:ea typeface="微软雅黑" pitchFamily="34" charset="-122"/>
+                </a:rPr>
+                <a:t>研究内容</a:t>
+              </a:r>
+            </a:p>
+          </p:txBody>
+        </p:sp>
+        <p:sp>
+          <p:nvSpPr>
+            <p:cNvPr id="6" name="文本框 5"/>
+            <p:cNvSpPr txBox="1"/>
+            <p:nvPr/>
+          </p:nvSpPr>
+          <p:spPr>
+            <a:xfrm>
+              <a:off x="503436" y="82976"/>
+              <a:ext cx="723631" cy="584775"/>
+            </a:xfrm>
+            <a:prstGeom prst="rect">
+              <a:avLst/>
+            </a:prstGeom>
+            <a:noFill/>
+          </p:spPr>
+          <p:txBody>
+            <a:bodyPr>
+              <a:spAutoFit/>
+            </a:bodyPr>
+            <a:lstStyle/>
+            <a:p>
+              <a:pPr algn="ctr" eaLnBrk="1" hangingPunct="1">
+                <a:defRPr/>
+              </a:pPr>
+              <a:r>
+                <a:rPr lang="en-US" altLang="zh-CN" sz="3200" dirty="0">
+                  <a:solidFill>
+                    <a:srgbClr val="044875"/>
+                  </a:solidFill>
+                  <a:latin typeface="Impact" pitchFamily="34" charset="0"/>
+                </a:rPr>
+                <a:t>02</a:t>
+              </a:r>
+              <a:endParaRPr lang="zh-CN" altLang="en-US" sz="3200" dirty="0">
+                <a:solidFill>
+                  <a:srgbClr val="044875"/>
+                </a:solidFill>
+                <a:latin typeface="Impact" pitchFamily="34" charset="0"/>
+              </a:endParaRPr>
+            </a:p>
+          </p:txBody>
+        </p:sp>
+      </p:grpSp>
+      <p:sp>
+        <p:nvSpPr>
+          <p:cNvPr id="15" name="矩形 14"/>
+          <p:cNvSpPr/>
+          <p:nvPr/>
+        </p:nvSpPr>
+        <p:spPr>
+          <a:xfrm>
+            <a:off x="11566525" y="6621463"/>
+            <a:ext cx="625475" cy="236537"/>
+          </a:xfrm>
+          <a:prstGeom prst="rect">
+            <a:avLst/>
+          </a:prstGeom>
+          <a:solidFill>
+            <a:srgbClr val="044875"/>
+          </a:solidFill>
+          <a:ln>
+            <a:noFill/>
+          </a:ln>
+        </p:spPr>
+        <p:style>
+          <a:lnRef idx="2">
+            <a:schemeClr val="accent1">
+              <a:shade val="50000"/>
+            </a:schemeClr>
+          </a:lnRef>
+          <a:fillRef idx="1">
+            <a:schemeClr val="accent1"/>
+          </a:fillRef>
+          <a:effectRef idx="0">
+            <a:schemeClr val="accent1"/>
+          </a:effectRef>
+          <a:fontRef idx="minor">
+            <a:schemeClr val="lt1"/>
+          </a:fontRef>
+        </p:style>
+        <p:txBody>
+          <a:bodyPr anchor="ctr"/>
+          <a:lstStyle/>
+          <a:p>
+            <a:pPr algn="ctr" eaLnBrk="1" fontAlgn="auto" hangingPunct="1">
+              <a:spcBef>
+                <a:spcPts val="0"/>
+              </a:spcBef>
+              <a:spcAft>
+                <a:spcPts val="0"/>
+              </a:spcAft>
+              <a:defRPr/>
+            </a:pPr>
+            <a:endParaRPr lang="zh-CN" altLang="en-US"/>
+          </a:p>
+        </p:txBody>
+      </p:sp>
+      <p:sp>
+        <p:nvSpPr>
+          <p:cNvPr id="16" name="矩形 15"/>
+          <p:cNvSpPr/>
+          <p:nvPr/>
+        </p:nvSpPr>
+        <p:spPr>
+          <a:xfrm>
+            <a:off x="-1" y="6621463"/>
+            <a:ext cx="11566525" cy="236537"/>
+          </a:xfrm>
+          <a:prstGeom prst="rect">
+            <a:avLst/>
+          </a:prstGeom>
+          <a:solidFill>
+            <a:srgbClr val="044875"/>
+          </a:solidFill>
+          <a:ln>
+            <a:noFill/>
+          </a:ln>
+        </p:spPr>
+        <p:style>
+          <a:lnRef idx="2">
+            <a:schemeClr val="accent1">
+              <a:shade val="50000"/>
+            </a:schemeClr>
+          </a:lnRef>
+          <a:fillRef idx="1">
+            <a:schemeClr val="accent1"/>
+          </a:fillRef>
+          <a:effectRef idx="0">
+            <a:schemeClr val="accent1"/>
+          </a:effectRef>
+          <a:fontRef idx="minor">
+            <a:schemeClr val="lt1"/>
+          </a:fontRef>
+        </p:style>
+        <p:txBody>
+          <a:bodyPr anchor="ctr"/>
+          <a:lstStyle/>
+          <a:p>
+            <a:pPr algn="ctr" eaLnBrk="1" fontAlgn="auto" hangingPunct="1">
+              <a:spcBef>
+                <a:spcPts val="0"/>
+              </a:spcBef>
+              <a:spcAft>
+                <a:spcPts val="0"/>
+              </a:spcAft>
+              <a:defRPr/>
+            </a:pPr>
+            <a:endParaRPr lang="zh-CN" altLang="en-US"/>
+          </a:p>
+        </p:txBody>
+      </p:sp>
       <p:pic>
         <p:nvPicPr>
           <p:cNvPr id="13" name="图片 12">
@@ -26366,8 +26380,8 @@
         </p:nvSpPr>
         <p:spPr>
           <a:xfrm>
-            <a:off x="643038" y="1596935"/>
-            <a:ext cx="3966738" cy="2690288"/>
+            <a:off x="518928" y="2408884"/>
+            <a:ext cx="3966738" cy="1289905"/>
           </a:xfrm>
           <a:prstGeom prst="rect">
             <a:avLst/>
@@ -26442,49 +26456,6 @@
               <a:latin typeface="微软雅黑" panose="020B0503020204020204" pitchFamily="34" charset="-122"/>
               <a:ea typeface="微软雅黑" panose="020B0503020204020204" pitchFamily="34" charset="-122"/>
             </a:endParaRPr>
-          </a:p>
-          <a:p>
-            <a:pPr marL="360000">
-              <a:lnSpc>
-                <a:spcPct val="150000"/>
-              </a:lnSpc>
-              <a:spcBef>
-                <a:spcPts val="600"/>
-              </a:spcBef>
-              <a:spcAft>
-                <a:spcPts val="600"/>
-              </a:spcAft>
-            </a:pPr>
-            <a:r>
-              <a:rPr lang="zh-CN" altLang="en-US" b="1" dirty="0">
-                <a:solidFill>
-                  <a:srgbClr val="FF0000"/>
-                </a:solidFill>
-                <a:latin typeface="微软雅黑" panose="020B0503020204020204" pitchFamily="34" charset="-122"/>
-                <a:ea typeface="微软雅黑" panose="020B0503020204020204" pitchFamily="34" charset="-122"/>
-              </a:rPr>
-              <a:t>在特权级切换之前设断点，单步后切换符号表和断点，从而绕过</a:t>
-            </a:r>
-            <a:r>
-              <a:rPr lang="en-US" altLang="zh-CN" b="1" dirty="0">
-                <a:solidFill>
-                  <a:srgbClr val="FF0000"/>
-                </a:solidFill>
-                <a:latin typeface="微软雅黑" panose="020B0503020204020204" pitchFamily="34" charset="-122"/>
-                <a:ea typeface="微软雅黑" panose="020B0503020204020204" pitchFamily="34" charset="-122"/>
-              </a:rPr>
-              <a:t>GDB</a:t>
-            </a:r>
-            <a:r>
-              <a:rPr lang="zh-CN" altLang="en-US" b="1" dirty="0">
-                <a:solidFill>
-                  <a:srgbClr val="FF0000"/>
-                </a:solidFill>
-                <a:latin typeface="微软雅黑" panose="020B0503020204020204" pitchFamily="34" charset="-122"/>
-                <a:ea typeface="微软雅黑" panose="020B0503020204020204" pitchFamily="34" charset="-122"/>
-              </a:rPr>
-              <a:t>的单地址空间限制</a:t>
-            </a:r>
           </a:p>
         </p:txBody>
       </p:sp>
@@ -26581,7 +26552,7 @@
             <a:fld id="{9D55DC8D-C4F0-4F0D-B826-92573808DA56}" type="slidenum">
               <a:rPr lang="zh-CN" altLang="en-US" smtClean="0"/>
               <a:pPr/>
-              <a:t>8</a:t>
+              <a:t>9</a:t>
             </a:fld>
             <a:endParaRPr lang="zh-CN" altLang="en-US"/>
           </a:p>
@@ -26593,868 +26564,6 @@
         <p14:creationId xmlns:p14="http://schemas.microsoft.com/office/powerpoint/2010/main" val="370317374"/>
       </p:ext>
     </p:extLst>
-  </p:cSld>
-  <p:clrMapOvr>
-    <a:masterClrMapping/>
-  </p:clrMapOvr>
-</p:sld>
-</file>
-
-<file path=ppt/slides/slide9.xml><?xml version="1.0" encoding="utf-8"?>
-<p:sld xmlns:a="http://schemas.openxmlformats.org/drawingml/2006/main" xmlns:r="http://schemas.openxmlformats.org/officeDocument/2006/relationships" xmlns:p="http://schemas.openxmlformats.org/presentationml/2006/main">
-  <p:cSld>
-    <p:spTree>
-      <p:nvGrpSpPr>
-        <p:cNvPr id="1" name=""/>
-        <p:cNvGrpSpPr/>
-        <p:nvPr/>
-      </p:nvGrpSpPr>
-      <p:grpSpPr>
-        <a:xfrm>
-          <a:off x="0" y="0"/>
-          <a:ext cx="0" cy="0"/>
-          <a:chOff x="0" y="0"/>
-          <a:chExt cx="0" cy="0"/>
-        </a:xfrm>
-      </p:grpSpPr>
-      <p:sp>
-        <p:nvSpPr>
-          <p:cNvPr id="2" name="矩形 1"/>
-          <p:cNvSpPr/>
-          <p:nvPr/>
-        </p:nvSpPr>
-        <p:spPr>
-          <a:xfrm>
-            <a:off x="0" y="2014538"/>
-            <a:ext cx="12192000" cy="2849562"/>
-          </a:xfrm>
-          <a:prstGeom prst="rect">
-            <a:avLst/>
-          </a:prstGeom>
-          <a:solidFill>
-            <a:srgbClr val="044875"/>
-          </a:solidFill>
-          <a:ln>
-            <a:noFill/>
-          </a:ln>
-        </p:spPr>
-        <p:style>
-          <a:lnRef idx="2">
-            <a:schemeClr val="accent1">
-              <a:shade val="50000"/>
-            </a:schemeClr>
-          </a:lnRef>
-          <a:fillRef idx="1">
-            <a:schemeClr val="accent1"/>
-          </a:fillRef>
-          <a:effectRef idx="0">
-            <a:schemeClr val="accent1"/>
-          </a:effectRef>
-          <a:fontRef idx="minor">
-            <a:schemeClr val="lt1"/>
-          </a:fontRef>
-        </p:style>
-        <p:txBody>
-          <a:bodyPr anchor="ctr"/>
-          <a:lstStyle/>
-          <a:p>
-            <a:pPr algn="ctr" eaLnBrk="1" fontAlgn="auto" hangingPunct="1">
-              <a:spcBef>
-                <a:spcPts val="0"/>
-              </a:spcBef>
-              <a:spcAft>
-                <a:spcPts val="0"/>
-              </a:spcAft>
-              <a:defRPr/>
-            </a:pPr>
-            <a:endParaRPr lang="zh-CN" altLang="en-US"/>
-          </a:p>
-        </p:txBody>
-      </p:sp>
-      <p:sp>
-        <p:nvSpPr>
-          <p:cNvPr id="3" name="矩形 2"/>
-          <p:cNvSpPr/>
-          <p:nvPr/>
-        </p:nvSpPr>
-        <p:spPr>
-          <a:xfrm>
-            <a:off x="0" y="2663825"/>
-            <a:ext cx="1096963" cy="541338"/>
-          </a:xfrm>
-          <a:prstGeom prst="rect">
-            <a:avLst/>
-          </a:prstGeom>
-          <a:solidFill>
-            <a:srgbClr val="D6E0E6"/>
-          </a:solidFill>
-          <a:ln>
-            <a:noFill/>
-          </a:ln>
-        </p:spPr>
-        <p:style>
-          <a:lnRef idx="2">
-            <a:schemeClr val="accent1">
-              <a:shade val="50000"/>
-            </a:schemeClr>
-          </a:lnRef>
-          <a:fillRef idx="1">
-            <a:schemeClr val="accent1"/>
-          </a:fillRef>
-          <a:effectRef idx="0">
-            <a:schemeClr val="accent1"/>
-          </a:effectRef>
-          <a:fontRef idx="minor">
-            <a:schemeClr val="lt1"/>
-          </a:fontRef>
-        </p:style>
-        <p:txBody>
-          <a:bodyPr anchor="ctr"/>
-          <a:lstStyle/>
-          <a:p>
-            <a:pPr algn="ctr" eaLnBrk="1" fontAlgn="auto" hangingPunct="1">
-              <a:spcBef>
-                <a:spcPts val="0"/>
-              </a:spcBef>
-              <a:spcAft>
-                <a:spcPts val="0"/>
-              </a:spcAft>
-              <a:defRPr/>
-            </a:pPr>
-            <a:endParaRPr lang="zh-CN" altLang="en-US"/>
-          </a:p>
-        </p:txBody>
-      </p:sp>
-      <p:sp>
-        <p:nvSpPr>
-          <p:cNvPr id="4" name="文本框 3"/>
-          <p:cNvSpPr txBox="1">
-            <a:spLocks noChangeArrowheads="1"/>
-          </p:cNvSpPr>
-          <p:nvPr/>
-        </p:nvSpPr>
-        <p:spPr bwMode="auto">
-          <a:xfrm>
-            <a:off x="946150" y="2000250"/>
-            <a:ext cx="1539875" cy="1862138"/>
-          </a:xfrm>
-          <a:prstGeom prst="rect">
-            <a:avLst/>
-          </a:prstGeom>
-          <a:noFill/>
-          <a:ln>
-            <a:noFill/>
-          </a:ln>
-          <a:extLst>
-            <a:ext uri="{909E8E84-426E-40DD-AFC4-6F175D3DCCD1}">
-              <a14:hiddenFill xmlns:a14="http://schemas.microsoft.com/office/drawing/2010/main">
-                <a:solidFill>
-                  <a:srgbClr val="FFFFFF"/>
-                </a:solidFill>
-              </a14:hiddenFill>
-            </a:ext>
-            <a:ext uri="{91240B29-F687-4F45-9708-019B960494DF}">
-              <a14:hiddenLine xmlns:a14="http://schemas.microsoft.com/office/drawing/2010/main" w="9525">
-                <a:solidFill>
-                  <a:srgbClr val="000000"/>
-                </a:solidFill>
-                <a:miter lim="800000"/>
-                <a:headEnd/>
-                <a:tailEnd/>
-              </a14:hiddenLine>
-            </a:ext>
-          </a:extLst>
-        </p:spPr>
-        <p:txBody>
-          <a:bodyPr>
-            <a:spAutoFit/>
-          </a:bodyPr>
-          <a:lstStyle>
-            <a:lvl1pPr>
-              <a:defRPr sz="2800">
-                <a:solidFill>
-                  <a:schemeClr val="tx1"/>
-                </a:solidFill>
-                <a:latin typeface="Calibri" pitchFamily="34" charset="0"/>
-                <a:ea typeface="宋体" pitchFamily="2" charset="-122"/>
-              </a:defRPr>
-            </a:lvl1pPr>
-            <a:lvl2pPr marL="742950" indent="-285750">
-              <a:defRPr sz="2400">
-                <a:solidFill>
-                  <a:schemeClr val="tx1"/>
-                </a:solidFill>
-                <a:latin typeface="Calibri" pitchFamily="34" charset="0"/>
-                <a:ea typeface="宋体" pitchFamily="2" charset="-122"/>
-              </a:defRPr>
-            </a:lvl2pPr>
-            <a:lvl3pPr>
-              <a:defRPr sz="2000">
-                <a:solidFill>
-                  <a:schemeClr val="tx1"/>
-                </a:solidFill>
-                <a:latin typeface="Calibri" pitchFamily="34" charset="0"/>
-                <a:ea typeface="宋体" pitchFamily="2" charset="-122"/>
-              </a:defRPr>
-            </a:lvl3pPr>
-            <a:lvl4pPr>
-              <a:defRPr>
-                <a:solidFill>
-                  <a:schemeClr val="tx1"/>
-                </a:solidFill>
-                <a:latin typeface="Calibri" pitchFamily="34" charset="0"/>
-                <a:ea typeface="宋体" pitchFamily="2" charset="-122"/>
-              </a:defRPr>
-            </a:lvl4pPr>
-            <a:lvl5pPr>
-              <a:defRPr>
-                <a:solidFill>
-                  <a:schemeClr val="tx1"/>
-                </a:solidFill>
-                <a:latin typeface="Calibri" pitchFamily="34" charset="0"/>
-                <a:ea typeface="宋体" pitchFamily="2" charset="-122"/>
-              </a:defRPr>
-            </a:lvl5pPr>
-            <a:lvl6pPr eaLnBrk="0" fontAlgn="base" hangingPunct="0">
-              <a:spcAft>
-                <a:spcPct val="0"/>
-              </a:spcAft>
-              <a:buFont typeface="Arial" charset="0"/>
-              <a:defRPr>
-                <a:solidFill>
-                  <a:schemeClr val="tx1"/>
-                </a:solidFill>
-                <a:latin typeface="Calibri" pitchFamily="34" charset="0"/>
-                <a:ea typeface="宋体" pitchFamily="2" charset="-122"/>
-              </a:defRPr>
-            </a:lvl6pPr>
-            <a:lvl7pPr eaLnBrk="0" fontAlgn="base" hangingPunct="0">
-              <a:spcAft>
-                <a:spcPct val="0"/>
-              </a:spcAft>
-              <a:buFont typeface="Arial" charset="0"/>
-              <a:defRPr>
-                <a:solidFill>
-                  <a:schemeClr val="tx1"/>
-                </a:solidFill>
-                <a:latin typeface="Calibri" pitchFamily="34" charset="0"/>
-                <a:ea typeface="宋体" pitchFamily="2" charset="-122"/>
-              </a:defRPr>
-            </a:lvl7pPr>
-            <a:lvl8pPr eaLnBrk="0" fontAlgn="base" hangingPunct="0">
-              <a:spcAft>
-                <a:spcPct val="0"/>
-              </a:spcAft>
-              <a:buFont typeface="Arial" charset="0"/>
-              <a:defRPr>
-                <a:solidFill>
-                  <a:schemeClr val="tx1"/>
-                </a:solidFill>
-                <a:latin typeface="Calibri" pitchFamily="34" charset="0"/>
-                <a:ea typeface="宋体" pitchFamily="2" charset="-122"/>
-              </a:defRPr>
-            </a:lvl8pPr>
-            <a:lvl9pPr eaLnBrk="0" fontAlgn="base" hangingPunct="0">
-              <a:spcAft>
-                <a:spcPct val="0"/>
-              </a:spcAft>
-              <a:buFont typeface="Arial" charset="0"/>
-              <a:defRPr>
-                <a:solidFill>
-                  <a:schemeClr val="tx1"/>
-                </a:solidFill>
-                <a:latin typeface="Calibri" pitchFamily="34" charset="0"/>
-                <a:ea typeface="宋体" pitchFamily="2" charset="-122"/>
-              </a:defRPr>
-            </a:lvl9pPr>
-          </a:lstStyle>
-          <a:p>
-            <a:pPr algn="ctr" eaLnBrk="1" hangingPunct="1"/>
-            <a:r>
-              <a:rPr lang="en-US" altLang="zh-CN" sz="11500">
-                <a:solidFill>
-                  <a:schemeClr val="bg1"/>
-                </a:solidFill>
-                <a:latin typeface="Impact" pitchFamily="34" charset="0"/>
-              </a:rPr>
-              <a:t>3</a:t>
-            </a:r>
-            <a:endParaRPr lang="zh-CN" altLang="en-US" sz="11500">
-              <a:solidFill>
-                <a:schemeClr val="bg1"/>
-              </a:solidFill>
-              <a:latin typeface="Impact" pitchFamily="34" charset="0"/>
-            </a:endParaRPr>
-          </a:p>
-        </p:txBody>
-      </p:sp>
-      <p:sp>
-        <p:nvSpPr>
-          <p:cNvPr id="5" name="文本框 4"/>
-          <p:cNvSpPr txBox="1">
-            <a:spLocks noChangeArrowheads="1"/>
-          </p:cNvSpPr>
-          <p:nvPr/>
-        </p:nvSpPr>
-        <p:spPr bwMode="auto">
-          <a:xfrm>
-            <a:off x="419100" y="2638425"/>
-            <a:ext cx="571500" cy="585788"/>
-          </a:xfrm>
-          <a:prstGeom prst="rect">
-            <a:avLst/>
-          </a:prstGeom>
-          <a:noFill/>
-          <a:ln>
-            <a:noFill/>
-          </a:ln>
-          <a:extLst>
-            <a:ext uri="{909E8E84-426E-40DD-AFC4-6F175D3DCCD1}">
-              <a14:hiddenFill xmlns:a14="http://schemas.microsoft.com/office/drawing/2010/main">
-                <a:solidFill>
-                  <a:srgbClr val="FFFFFF"/>
-                </a:solidFill>
-              </a14:hiddenFill>
-            </a:ext>
-            <a:ext uri="{91240B29-F687-4F45-9708-019B960494DF}">
-              <a14:hiddenLine xmlns:a14="http://schemas.microsoft.com/office/drawing/2010/main" w="9525">
-                <a:solidFill>
-                  <a:srgbClr val="000000"/>
-                </a:solidFill>
-                <a:miter lim="800000"/>
-                <a:headEnd/>
-                <a:tailEnd/>
-              </a14:hiddenLine>
-            </a:ext>
-          </a:extLst>
-        </p:spPr>
-        <p:txBody>
-          <a:bodyPr>
-            <a:spAutoFit/>
-          </a:bodyPr>
-          <a:lstStyle>
-            <a:lvl1pPr>
-              <a:defRPr sz="2800">
-                <a:solidFill>
-                  <a:schemeClr val="tx1"/>
-                </a:solidFill>
-                <a:latin typeface="Calibri" pitchFamily="34" charset="0"/>
-                <a:ea typeface="宋体" pitchFamily="2" charset="-122"/>
-              </a:defRPr>
-            </a:lvl1pPr>
-            <a:lvl2pPr marL="742950" indent="-285750">
-              <a:defRPr sz="2400">
-                <a:solidFill>
-                  <a:schemeClr val="tx1"/>
-                </a:solidFill>
-                <a:latin typeface="Calibri" pitchFamily="34" charset="0"/>
-                <a:ea typeface="宋体" pitchFamily="2" charset="-122"/>
-              </a:defRPr>
-            </a:lvl2pPr>
-            <a:lvl3pPr>
-              <a:defRPr sz="2000">
-                <a:solidFill>
-                  <a:schemeClr val="tx1"/>
-                </a:solidFill>
-                <a:latin typeface="Calibri" pitchFamily="34" charset="0"/>
-                <a:ea typeface="宋体" pitchFamily="2" charset="-122"/>
-              </a:defRPr>
-            </a:lvl3pPr>
-            <a:lvl4pPr>
-              <a:defRPr>
-                <a:solidFill>
-                  <a:schemeClr val="tx1"/>
-                </a:solidFill>
-                <a:latin typeface="Calibri" pitchFamily="34" charset="0"/>
-                <a:ea typeface="宋体" pitchFamily="2" charset="-122"/>
-              </a:defRPr>
-            </a:lvl4pPr>
-            <a:lvl5pPr>
-              <a:defRPr>
-                <a:solidFill>
-                  <a:schemeClr val="tx1"/>
-                </a:solidFill>
-                <a:latin typeface="Calibri" pitchFamily="34" charset="0"/>
-                <a:ea typeface="宋体" pitchFamily="2" charset="-122"/>
-              </a:defRPr>
-            </a:lvl5pPr>
-            <a:lvl6pPr eaLnBrk="0" fontAlgn="base" hangingPunct="0">
-              <a:spcAft>
-                <a:spcPct val="0"/>
-              </a:spcAft>
-              <a:buFont typeface="Arial" charset="0"/>
-              <a:defRPr>
-                <a:solidFill>
-                  <a:schemeClr val="tx1"/>
-                </a:solidFill>
-                <a:latin typeface="Calibri" pitchFamily="34" charset="0"/>
-                <a:ea typeface="宋体" pitchFamily="2" charset="-122"/>
-              </a:defRPr>
-            </a:lvl6pPr>
-            <a:lvl7pPr eaLnBrk="0" fontAlgn="base" hangingPunct="0">
-              <a:spcAft>
-                <a:spcPct val="0"/>
-              </a:spcAft>
-              <a:buFont typeface="Arial" charset="0"/>
-              <a:defRPr>
-                <a:solidFill>
-                  <a:schemeClr val="tx1"/>
-                </a:solidFill>
-                <a:latin typeface="Calibri" pitchFamily="34" charset="0"/>
-                <a:ea typeface="宋体" pitchFamily="2" charset="-122"/>
-              </a:defRPr>
-            </a:lvl7pPr>
-            <a:lvl8pPr eaLnBrk="0" fontAlgn="base" hangingPunct="0">
-              <a:spcAft>
-                <a:spcPct val="0"/>
-              </a:spcAft>
-              <a:buFont typeface="Arial" charset="0"/>
-              <a:defRPr>
-                <a:solidFill>
-                  <a:schemeClr val="tx1"/>
-                </a:solidFill>
-                <a:latin typeface="Calibri" pitchFamily="34" charset="0"/>
-                <a:ea typeface="宋体" pitchFamily="2" charset="-122"/>
-              </a:defRPr>
-            </a:lvl8pPr>
-            <a:lvl9pPr eaLnBrk="0" fontAlgn="base" hangingPunct="0">
-              <a:spcAft>
-                <a:spcPct val="0"/>
-              </a:spcAft>
-              <a:buFont typeface="Arial" charset="0"/>
-              <a:defRPr>
-                <a:solidFill>
-                  <a:schemeClr val="tx1"/>
-                </a:solidFill>
-                <a:latin typeface="Calibri" pitchFamily="34" charset="0"/>
-                <a:ea typeface="宋体" pitchFamily="2" charset="-122"/>
-              </a:defRPr>
-            </a:lvl9pPr>
-          </a:lstStyle>
-          <a:p>
-            <a:pPr eaLnBrk="1" hangingPunct="1"/>
-            <a:r>
-              <a:rPr lang="zh-CN" altLang="en-US" sz="3200" b="1">
-                <a:solidFill>
-                  <a:srgbClr val="044875"/>
-                </a:solidFill>
-                <a:latin typeface="微软雅黑" pitchFamily="34" charset="-122"/>
-                <a:ea typeface="微软雅黑" pitchFamily="34" charset="-122"/>
-              </a:rPr>
-              <a:t>第</a:t>
-            </a:r>
-          </a:p>
-        </p:txBody>
-      </p:sp>
-      <p:sp>
-        <p:nvSpPr>
-          <p:cNvPr id="6" name="矩形 5"/>
-          <p:cNvSpPr/>
-          <p:nvPr/>
-        </p:nvSpPr>
-        <p:spPr>
-          <a:xfrm>
-            <a:off x="2498725" y="2663825"/>
-            <a:ext cx="9693275" cy="541338"/>
-          </a:xfrm>
-          <a:prstGeom prst="rect">
-            <a:avLst/>
-          </a:prstGeom>
-          <a:solidFill>
-            <a:srgbClr val="D6E0E6"/>
-          </a:solidFill>
-          <a:ln>
-            <a:noFill/>
-          </a:ln>
-        </p:spPr>
-        <p:style>
-          <a:lnRef idx="2">
-            <a:schemeClr val="accent1">
-              <a:shade val="50000"/>
-            </a:schemeClr>
-          </a:lnRef>
-          <a:fillRef idx="1">
-            <a:schemeClr val="accent1"/>
-          </a:fillRef>
-          <a:effectRef idx="0">
-            <a:schemeClr val="accent1"/>
-          </a:effectRef>
-          <a:fontRef idx="minor">
-            <a:schemeClr val="lt1"/>
-          </a:fontRef>
-        </p:style>
-        <p:txBody>
-          <a:bodyPr anchor="ctr"/>
-          <a:lstStyle/>
-          <a:p>
-            <a:pPr algn="ctr" eaLnBrk="1" fontAlgn="auto" hangingPunct="1">
-              <a:spcBef>
-                <a:spcPts val="0"/>
-              </a:spcBef>
-              <a:spcAft>
-                <a:spcPts val="0"/>
-              </a:spcAft>
-              <a:defRPr/>
-            </a:pPr>
-            <a:endParaRPr lang="zh-CN" altLang="en-US"/>
-          </a:p>
-        </p:txBody>
-      </p:sp>
-      <p:sp>
-        <p:nvSpPr>
-          <p:cNvPr id="7" name="文本框 6"/>
-          <p:cNvSpPr txBox="1">
-            <a:spLocks noChangeArrowheads="1"/>
-          </p:cNvSpPr>
-          <p:nvPr/>
-        </p:nvSpPr>
-        <p:spPr bwMode="auto">
-          <a:xfrm>
-            <a:off x="2525713" y="2638425"/>
-            <a:ext cx="1766887" cy="585788"/>
-          </a:xfrm>
-          <a:prstGeom prst="rect">
-            <a:avLst/>
-          </a:prstGeom>
-          <a:noFill/>
-          <a:ln>
-            <a:noFill/>
-          </a:ln>
-          <a:extLst>
-            <a:ext uri="{909E8E84-426E-40DD-AFC4-6F175D3DCCD1}">
-              <a14:hiddenFill xmlns:a14="http://schemas.microsoft.com/office/drawing/2010/main">
-                <a:solidFill>
-                  <a:srgbClr val="FFFFFF"/>
-                </a:solidFill>
-              </a14:hiddenFill>
-            </a:ext>
-            <a:ext uri="{91240B29-F687-4F45-9708-019B960494DF}">
-              <a14:hiddenLine xmlns:a14="http://schemas.microsoft.com/office/drawing/2010/main" w="9525">
-                <a:solidFill>
-                  <a:srgbClr val="000000"/>
-                </a:solidFill>
-                <a:miter lim="800000"/>
-                <a:headEnd/>
-                <a:tailEnd/>
-              </a14:hiddenLine>
-            </a:ext>
-          </a:extLst>
-        </p:spPr>
-        <p:txBody>
-          <a:bodyPr>
-            <a:spAutoFit/>
-          </a:bodyPr>
-          <a:lstStyle>
-            <a:lvl1pPr>
-              <a:defRPr sz="2800">
-                <a:solidFill>
-                  <a:schemeClr val="tx1"/>
-                </a:solidFill>
-                <a:latin typeface="Calibri" pitchFamily="34" charset="0"/>
-                <a:ea typeface="宋体" pitchFamily="2" charset="-122"/>
-              </a:defRPr>
-            </a:lvl1pPr>
-            <a:lvl2pPr marL="742950" indent="-285750">
-              <a:defRPr sz="2400">
-                <a:solidFill>
-                  <a:schemeClr val="tx1"/>
-                </a:solidFill>
-                <a:latin typeface="Calibri" pitchFamily="34" charset="0"/>
-                <a:ea typeface="宋体" pitchFamily="2" charset="-122"/>
-              </a:defRPr>
-            </a:lvl2pPr>
-            <a:lvl3pPr>
-              <a:defRPr sz="2000">
-                <a:solidFill>
-                  <a:schemeClr val="tx1"/>
-                </a:solidFill>
-                <a:latin typeface="Calibri" pitchFamily="34" charset="0"/>
-                <a:ea typeface="宋体" pitchFamily="2" charset="-122"/>
-              </a:defRPr>
-            </a:lvl3pPr>
-            <a:lvl4pPr>
-              <a:defRPr>
-                <a:solidFill>
-                  <a:schemeClr val="tx1"/>
-                </a:solidFill>
-                <a:latin typeface="Calibri" pitchFamily="34" charset="0"/>
-                <a:ea typeface="宋体" pitchFamily="2" charset="-122"/>
-              </a:defRPr>
-            </a:lvl4pPr>
-            <a:lvl5pPr>
-              <a:defRPr>
-                <a:solidFill>
-                  <a:schemeClr val="tx1"/>
-                </a:solidFill>
-                <a:latin typeface="Calibri" pitchFamily="34" charset="0"/>
-                <a:ea typeface="宋体" pitchFamily="2" charset="-122"/>
-              </a:defRPr>
-            </a:lvl5pPr>
-            <a:lvl6pPr eaLnBrk="0" fontAlgn="base" hangingPunct="0">
-              <a:spcAft>
-                <a:spcPct val="0"/>
-              </a:spcAft>
-              <a:buFont typeface="Arial" charset="0"/>
-              <a:defRPr>
-                <a:solidFill>
-                  <a:schemeClr val="tx1"/>
-                </a:solidFill>
-                <a:latin typeface="Calibri" pitchFamily="34" charset="0"/>
-                <a:ea typeface="宋体" pitchFamily="2" charset="-122"/>
-              </a:defRPr>
-            </a:lvl6pPr>
-            <a:lvl7pPr eaLnBrk="0" fontAlgn="base" hangingPunct="0">
-              <a:spcAft>
-                <a:spcPct val="0"/>
-              </a:spcAft>
-              <a:buFont typeface="Arial" charset="0"/>
-              <a:defRPr>
-                <a:solidFill>
-                  <a:schemeClr val="tx1"/>
-                </a:solidFill>
-                <a:latin typeface="Calibri" pitchFamily="34" charset="0"/>
-                <a:ea typeface="宋体" pitchFamily="2" charset="-122"/>
-              </a:defRPr>
-            </a:lvl7pPr>
-            <a:lvl8pPr eaLnBrk="0" fontAlgn="base" hangingPunct="0">
-              <a:spcAft>
-                <a:spcPct val="0"/>
-              </a:spcAft>
-              <a:buFont typeface="Arial" charset="0"/>
-              <a:defRPr>
-                <a:solidFill>
-                  <a:schemeClr val="tx1"/>
-                </a:solidFill>
-                <a:latin typeface="Calibri" pitchFamily="34" charset="0"/>
-                <a:ea typeface="宋体" pitchFamily="2" charset="-122"/>
-              </a:defRPr>
-            </a:lvl8pPr>
-            <a:lvl9pPr eaLnBrk="0" fontAlgn="base" hangingPunct="0">
-              <a:spcAft>
-                <a:spcPct val="0"/>
-              </a:spcAft>
-              <a:buFont typeface="Arial" charset="0"/>
-              <a:defRPr>
-                <a:solidFill>
-                  <a:schemeClr val="tx1"/>
-                </a:solidFill>
-                <a:latin typeface="Calibri" pitchFamily="34" charset="0"/>
-                <a:ea typeface="宋体" pitchFamily="2" charset="-122"/>
-              </a:defRPr>
-            </a:lvl9pPr>
-          </a:lstStyle>
-          <a:p>
-            <a:pPr eaLnBrk="1" hangingPunct="1"/>
-            <a:r>
-              <a:rPr lang="zh-CN" altLang="en-US" sz="3200" b="1">
-                <a:solidFill>
-                  <a:srgbClr val="044875"/>
-                </a:solidFill>
-                <a:latin typeface="微软雅黑" pitchFamily="34" charset="-122"/>
-                <a:ea typeface="微软雅黑" pitchFamily="34" charset="-122"/>
-              </a:rPr>
-              <a:t>部分</a:t>
-            </a:r>
-          </a:p>
-        </p:txBody>
-      </p:sp>
-      <p:sp>
-        <p:nvSpPr>
-          <p:cNvPr id="8" name="文本框 7"/>
-          <p:cNvSpPr txBox="1">
-            <a:spLocks noChangeArrowheads="1"/>
-          </p:cNvSpPr>
-          <p:nvPr/>
-        </p:nvSpPr>
-        <p:spPr bwMode="auto">
-          <a:xfrm>
-            <a:off x="3788416" y="3437475"/>
-            <a:ext cx="7697731" cy="1323439"/>
-          </a:xfrm>
-          <a:prstGeom prst="rect">
-            <a:avLst/>
-          </a:prstGeom>
-          <a:noFill/>
-          <a:ln>
-            <a:noFill/>
-          </a:ln>
-          <a:extLst>
-            <a:ext uri="{909E8E84-426E-40DD-AFC4-6F175D3DCCD1}">
-              <a14:hiddenFill xmlns:a14="http://schemas.microsoft.com/office/drawing/2010/main">
-                <a:solidFill>
-                  <a:srgbClr val="FFFFFF"/>
-                </a:solidFill>
-              </a14:hiddenFill>
-            </a:ext>
-            <a:ext uri="{91240B29-F687-4F45-9708-019B960494DF}">
-              <a14:hiddenLine xmlns:a14="http://schemas.microsoft.com/office/drawing/2010/main" w="9525">
-                <a:solidFill>
-                  <a:srgbClr val="000000"/>
-                </a:solidFill>
-                <a:miter lim="800000"/>
-                <a:headEnd/>
-                <a:tailEnd/>
-              </a14:hiddenLine>
-            </a:ext>
-          </a:extLst>
-        </p:spPr>
-        <p:txBody>
-          <a:bodyPr wrap="square">
-            <a:spAutoFit/>
-          </a:bodyPr>
-          <a:lstStyle>
-            <a:lvl1pPr>
-              <a:defRPr sz="2800">
-                <a:solidFill>
-                  <a:schemeClr val="tx1"/>
-                </a:solidFill>
-                <a:latin typeface="Calibri" pitchFamily="34" charset="0"/>
-                <a:ea typeface="宋体" pitchFamily="2" charset="-122"/>
-              </a:defRPr>
-            </a:lvl1pPr>
-            <a:lvl2pPr marL="742950" indent="-285750">
-              <a:defRPr sz="2400">
-                <a:solidFill>
-                  <a:schemeClr val="tx1"/>
-                </a:solidFill>
-                <a:latin typeface="Calibri" pitchFamily="34" charset="0"/>
-                <a:ea typeface="宋体" pitchFamily="2" charset="-122"/>
-              </a:defRPr>
-            </a:lvl2pPr>
-            <a:lvl3pPr>
-              <a:defRPr sz="2000">
-                <a:solidFill>
-                  <a:schemeClr val="tx1"/>
-                </a:solidFill>
-                <a:latin typeface="Calibri" pitchFamily="34" charset="0"/>
-                <a:ea typeface="宋体" pitchFamily="2" charset="-122"/>
-              </a:defRPr>
-            </a:lvl3pPr>
-            <a:lvl4pPr>
-              <a:defRPr>
-                <a:solidFill>
-                  <a:schemeClr val="tx1"/>
-                </a:solidFill>
-                <a:latin typeface="Calibri" pitchFamily="34" charset="0"/>
-                <a:ea typeface="宋体" pitchFamily="2" charset="-122"/>
-              </a:defRPr>
-            </a:lvl4pPr>
-            <a:lvl5pPr>
-              <a:defRPr>
-                <a:solidFill>
-                  <a:schemeClr val="tx1"/>
-                </a:solidFill>
-                <a:latin typeface="Calibri" pitchFamily="34" charset="0"/>
-                <a:ea typeface="宋体" pitchFamily="2" charset="-122"/>
-              </a:defRPr>
-            </a:lvl5pPr>
-            <a:lvl6pPr eaLnBrk="0" fontAlgn="base" hangingPunct="0">
-              <a:spcAft>
-                <a:spcPct val="0"/>
-              </a:spcAft>
-              <a:buFont typeface="Arial" charset="0"/>
-              <a:defRPr>
-                <a:solidFill>
-                  <a:schemeClr val="tx1"/>
-                </a:solidFill>
-                <a:latin typeface="Calibri" pitchFamily="34" charset="0"/>
-                <a:ea typeface="宋体" pitchFamily="2" charset="-122"/>
-              </a:defRPr>
-            </a:lvl6pPr>
-            <a:lvl7pPr eaLnBrk="0" fontAlgn="base" hangingPunct="0">
-              <a:spcAft>
-                <a:spcPct val="0"/>
-              </a:spcAft>
-              <a:buFont typeface="Arial" charset="0"/>
-              <a:defRPr>
-                <a:solidFill>
-                  <a:schemeClr val="tx1"/>
-                </a:solidFill>
-                <a:latin typeface="Calibri" pitchFamily="34" charset="0"/>
-                <a:ea typeface="宋体" pitchFamily="2" charset="-122"/>
-              </a:defRPr>
-            </a:lvl7pPr>
-            <a:lvl8pPr eaLnBrk="0" fontAlgn="base" hangingPunct="0">
-              <a:spcAft>
-                <a:spcPct val="0"/>
-              </a:spcAft>
-              <a:buFont typeface="Arial" charset="0"/>
-              <a:defRPr>
-                <a:solidFill>
-                  <a:schemeClr val="tx1"/>
-                </a:solidFill>
-                <a:latin typeface="Calibri" pitchFamily="34" charset="0"/>
-                <a:ea typeface="宋体" pitchFamily="2" charset="-122"/>
-              </a:defRPr>
-            </a:lvl8pPr>
-            <a:lvl9pPr eaLnBrk="0" fontAlgn="base" hangingPunct="0">
-              <a:spcAft>
-                <a:spcPct val="0"/>
-              </a:spcAft>
-              <a:buFont typeface="Arial" charset="0"/>
-              <a:defRPr>
-                <a:solidFill>
-                  <a:schemeClr val="tx1"/>
-                </a:solidFill>
-                <a:latin typeface="Calibri" pitchFamily="34" charset="0"/>
-                <a:ea typeface="宋体" pitchFamily="2" charset="-122"/>
-              </a:defRPr>
-            </a:lvl9pPr>
-          </a:lstStyle>
-          <a:p>
-            <a:pPr algn="ctr" eaLnBrk="1" hangingPunct="1"/>
-            <a:r>
-              <a:rPr lang="zh-CN" altLang="en-US" sz="4000" b="1" dirty="0">
-                <a:solidFill>
-                  <a:schemeClr val="bg1"/>
-                </a:solidFill>
-                <a:latin typeface="微软雅黑" pitchFamily="34" charset="-122"/>
-                <a:ea typeface="微软雅黑" pitchFamily="34" charset="-122"/>
-              </a:rPr>
-              <a:t>一种静态断点调试和动态跟踪结合的方法</a:t>
-            </a:r>
-          </a:p>
-        </p:txBody>
-      </p:sp>
-      <p:sp>
-        <p:nvSpPr>
-          <p:cNvPr id="9" name="灯片编号占位符 8">
-            <a:extLst>
-              <a:ext uri="{FF2B5EF4-FFF2-40B4-BE49-F238E27FC236}">
-                <a16:creationId xmlns:a16="http://schemas.microsoft.com/office/drawing/2014/main" id="{6E958428-9E6D-4ADB-89D0-EE6C0AC25EC3}"/>
-              </a:ext>
-            </a:extLst>
-          </p:cNvPr>
-          <p:cNvSpPr>
-            <a:spLocks noGrp="1"/>
-          </p:cNvSpPr>
-          <p:nvPr>
-            <p:ph type="sldNum" sz="quarter" idx="12"/>
-          </p:nvPr>
-        </p:nvSpPr>
-        <p:spPr/>
-        <p:txBody>
-          <a:bodyPr/>
-          <a:lstStyle/>
-          <a:p>
-            <a:fld id="{9D55DC8D-C4F0-4F0D-B826-92573808DA56}" type="slidenum">
-              <a:rPr lang="zh-CN" altLang="en-US" smtClean="0">
-                <a:solidFill>
-                  <a:schemeClr val="tx1"/>
-                </a:solidFill>
-              </a:rPr>
-              <a:pPr/>
-              <a:t>9</a:t>
-            </a:fld>
-            <a:endParaRPr lang="zh-CN" altLang="en-US" dirty="0">
-              <a:solidFill>
-                <a:schemeClr val="tx1"/>
-              </a:solidFill>
-            </a:endParaRPr>
-          </a:p>
-        </p:txBody>
-      </p:sp>
-    </p:spTree>
   </p:cSld>
   <p:clrMapOvr>
     <a:masterClrMapping/>
